--- a/sonny_dir/poster figures/poster figures.pptx
+++ b/sonny_dir/poster figures/poster figures.pptx
@@ -5,15 +5,22 @@
     <p:sldMasterId id="2147483648" r:id="rId1"/>
   </p:sldMasterIdLst>
   <p:notesMasterIdLst>
-    <p:notesMasterId r:id="rId8"/>
+    <p:notesMasterId r:id="rId15"/>
   </p:notesMasterIdLst>
   <p:sldIdLst>
     <p:sldId id="256" r:id="rId2"/>
     <p:sldId id="257" r:id="rId3"/>
     <p:sldId id="260" r:id="rId4"/>
     <p:sldId id="261" r:id="rId5"/>
-    <p:sldId id="258" r:id="rId6"/>
-    <p:sldId id="259" r:id="rId7"/>
+    <p:sldId id="262" r:id="rId6"/>
+    <p:sldId id="258" r:id="rId7"/>
+    <p:sldId id="259" r:id="rId8"/>
+    <p:sldId id="263" r:id="rId9"/>
+    <p:sldId id="264" r:id="rId10"/>
+    <p:sldId id="265" r:id="rId11"/>
+    <p:sldId id="266" r:id="rId12"/>
+    <p:sldId id="267" r:id="rId13"/>
+    <p:sldId id="268" r:id="rId14"/>
   </p:sldIdLst>
   <p:sldSz cx="12192000" cy="6858000"/>
   <p:notesSz cx="6858000" cy="9144000"/>
@@ -202,7 +209,7 @@
           <a:p>
             <a:fld id="{A977FEBE-BFA7-43FA-A472-5109F89F00F9}" type="datetimeFigureOut">
               <a:rPr lang="en-US" smtClean="0"/>
-              <a:t>5/25/2022</a:t>
+              <a:t>5/27/2022</a:t>
             </a:fld>
             <a:endParaRPr lang="en-US"/>
           </a:p>
@@ -765,6 +772,90 @@
           <a:bodyPr/>
           <a:lstStyle/>
           <a:p>
+            <a:endParaRPr lang="en-US" dirty="0"/>
+          </a:p>
+        </p:txBody>
+      </p:sp>
+      <p:sp>
+        <p:nvSpPr>
+          <p:cNvPr id="4" name="Slide Number Placeholder 3"/>
+          <p:cNvSpPr>
+            <a:spLocks noGrp="1"/>
+          </p:cNvSpPr>
+          <p:nvPr>
+            <p:ph type="sldNum" sz="quarter" idx="5"/>
+          </p:nvPr>
+        </p:nvSpPr>
+        <p:spPr/>
+        <p:txBody>
+          <a:bodyPr/>
+          <a:lstStyle/>
+          <a:p>
+            <a:fld id="{A4B78CD1-9BAA-4202-B42C-5BCDB789AEF7}" type="slidenum">
+              <a:rPr lang="en-US" smtClean="0"/>
+              <a:t>5</a:t>
+            </a:fld>
+            <a:endParaRPr lang="en-US"/>
+          </a:p>
+        </p:txBody>
+      </p:sp>
+    </p:spTree>
+    <p:extLst>
+      <p:ext uri="{BB962C8B-B14F-4D97-AF65-F5344CB8AC3E}">
+        <p14:creationId xmlns:p14="http://schemas.microsoft.com/office/powerpoint/2010/main" val="2508850615"/>
+      </p:ext>
+    </p:extLst>
+  </p:cSld>
+  <p:clrMapOvr>
+    <a:masterClrMapping/>
+  </p:clrMapOvr>
+</p:notes>
+</file>
+
+<file path=ppt/notesSlides/notesSlide5.xml><?xml version="1.0" encoding="utf-8"?>
+<p:notes xmlns:a="http://schemas.openxmlformats.org/drawingml/2006/main" xmlns:r="http://schemas.openxmlformats.org/officeDocument/2006/relationships" xmlns:p="http://schemas.openxmlformats.org/presentationml/2006/main">
+  <p:cSld>
+    <p:spTree>
+      <p:nvGrpSpPr>
+        <p:cNvPr id="1" name=""/>
+        <p:cNvGrpSpPr/>
+        <p:nvPr/>
+      </p:nvGrpSpPr>
+      <p:grpSpPr>
+        <a:xfrm>
+          <a:off x="0" y="0"/>
+          <a:ext cx="0" cy="0"/>
+          <a:chOff x="0" y="0"/>
+          <a:chExt cx="0" cy="0"/>
+        </a:xfrm>
+      </p:grpSpPr>
+      <p:sp>
+        <p:nvSpPr>
+          <p:cNvPr id="2" name="Slide Image Placeholder 1"/>
+          <p:cNvSpPr>
+            <a:spLocks noGrp="1" noRot="1" noChangeAspect="1"/>
+          </p:cNvSpPr>
+          <p:nvPr>
+            <p:ph type="sldImg"/>
+          </p:nvPr>
+        </p:nvSpPr>
+        <p:spPr/>
+      </p:sp>
+      <p:sp>
+        <p:nvSpPr>
+          <p:cNvPr id="3" name="Notes Placeholder 2"/>
+          <p:cNvSpPr>
+            <a:spLocks noGrp="1"/>
+          </p:cNvSpPr>
+          <p:nvPr>
+            <p:ph type="body" idx="1"/>
+          </p:nvPr>
+        </p:nvSpPr>
+        <p:spPr/>
+        <p:txBody>
+          <a:bodyPr/>
+          <a:lstStyle/>
+          <a:p>
             <a:r>
               <a:rPr lang="en-US" dirty="0"/>
               <a:t>For each time point, we aggregated the speeds data by the census division, connection type, statistical class type, and population </a:t>
@@ -797,7 +888,7 @@
           <a:p>
             <a:fld id="{A4B78CD1-9BAA-4202-B42C-5BCDB789AEF7}" type="slidenum">
               <a:rPr lang="en-US" smtClean="0"/>
-              <a:t>5</a:t>
+              <a:t>6</a:t>
             </a:fld>
             <a:endParaRPr lang="en-US"/>
           </a:p>
@@ -963,7 +1054,7 @@
           <a:p>
             <a:fld id="{FA73FC36-FF44-4402-8715-201D9E9C3339}" type="datetimeFigureOut">
               <a:rPr lang="en-US" smtClean="0"/>
-              <a:t>5/25/2022</a:t>
+              <a:t>5/27/2022</a:t>
             </a:fld>
             <a:endParaRPr lang="en-US"/>
           </a:p>
@@ -1161,7 +1252,7 @@
           <a:p>
             <a:fld id="{FA73FC36-FF44-4402-8715-201D9E9C3339}" type="datetimeFigureOut">
               <a:rPr lang="en-US" smtClean="0"/>
-              <a:t>5/25/2022</a:t>
+              <a:t>5/27/2022</a:t>
             </a:fld>
             <a:endParaRPr lang="en-US"/>
           </a:p>
@@ -1369,7 +1460,7 @@
           <a:p>
             <a:fld id="{FA73FC36-FF44-4402-8715-201D9E9C3339}" type="datetimeFigureOut">
               <a:rPr lang="en-US" smtClean="0"/>
-              <a:t>5/25/2022</a:t>
+              <a:t>5/27/2022</a:t>
             </a:fld>
             <a:endParaRPr lang="en-US"/>
           </a:p>
@@ -1567,7 +1658,7 @@
           <a:p>
             <a:fld id="{FA73FC36-FF44-4402-8715-201D9E9C3339}" type="datetimeFigureOut">
               <a:rPr lang="en-US" smtClean="0"/>
-              <a:t>5/25/2022</a:t>
+              <a:t>5/27/2022</a:t>
             </a:fld>
             <a:endParaRPr lang="en-US"/>
           </a:p>
@@ -1842,7 +1933,7 @@
           <a:p>
             <a:fld id="{FA73FC36-FF44-4402-8715-201D9E9C3339}" type="datetimeFigureOut">
               <a:rPr lang="en-US" smtClean="0"/>
-              <a:t>5/25/2022</a:t>
+              <a:t>5/27/2022</a:t>
             </a:fld>
             <a:endParaRPr lang="en-US"/>
           </a:p>
@@ -2107,7 +2198,7 @@
           <a:p>
             <a:fld id="{FA73FC36-FF44-4402-8715-201D9E9C3339}" type="datetimeFigureOut">
               <a:rPr lang="en-US" smtClean="0"/>
-              <a:t>5/25/2022</a:t>
+              <a:t>5/27/2022</a:t>
             </a:fld>
             <a:endParaRPr lang="en-US"/>
           </a:p>
@@ -2519,7 +2610,7 @@
           <a:p>
             <a:fld id="{FA73FC36-FF44-4402-8715-201D9E9C3339}" type="datetimeFigureOut">
               <a:rPr lang="en-US" smtClean="0"/>
-              <a:t>5/25/2022</a:t>
+              <a:t>5/27/2022</a:t>
             </a:fld>
             <a:endParaRPr lang="en-US"/>
           </a:p>
@@ -2660,7 +2751,7 @@
           <a:p>
             <a:fld id="{FA73FC36-FF44-4402-8715-201D9E9C3339}" type="datetimeFigureOut">
               <a:rPr lang="en-US" smtClean="0"/>
-              <a:t>5/25/2022</a:t>
+              <a:t>5/27/2022</a:t>
             </a:fld>
             <a:endParaRPr lang="en-US"/>
           </a:p>
@@ -2773,7 +2864,7 @@
           <a:p>
             <a:fld id="{FA73FC36-FF44-4402-8715-201D9E9C3339}" type="datetimeFigureOut">
               <a:rPr lang="en-US" smtClean="0"/>
-              <a:t>5/25/2022</a:t>
+              <a:t>5/27/2022</a:t>
             </a:fld>
             <a:endParaRPr lang="en-US"/>
           </a:p>
@@ -3084,7 +3175,7 @@
           <a:p>
             <a:fld id="{FA73FC36-FF44-4402-8715-201D9E9C3339}" type="datetimeFigureOut">
               <a:rPr lang="en-US" smtClean="0"/>
-              <a:t>5/25/2022</a:t>
+              <a:t>5/27/2022</a:t>
             </a:fld>
             <a:endParaRPr lang="en-US"/>
           </a:p>
@@ -3372,7 +3463,7 @@
           <a:p>
             <a:fld id="{FA73FC36-FF44-4402-8715-201D9E9C3339}" type="datetimeFigureOut">
               <a:rPr lang="en-US" smtClean="0"/>
-              <a:t>5/25/2022</a:t>
+              <a:t>5/27/2022</a:t>
             </a:fld>
             <a:endParaRPr lang="en-US"/>
           </a:p>
@@ -3613,7 +3704,7 @@
           <a:p>
             <a:fld id="{FA73FC36-FF44-4402-8715-201D9E9C3339}" type="datetimeFigureOut">
               <a:rPr lang="en-US" smtClean="0"/>
-              <a:t>5/25/2022</a:t>
+              <a:t>5/27/2022</a:t>
             </a:fld>
             <a:endParaRPr lang="en-US"/>
           </a:p>
@@ -8522,6 +8613,266 @@
 </p:sld>
 </file>
 
+<file path=ppt/slides/slide10.xml><?xml version="1.0" encoding="utf-8"?>
+<p:sld xmlns:a="http://schemas.openxmlformats.org/drawingml/2006/main" xmlns:r="http://schemas.openxmlformats.org/officeDocument/2006/relationships" xmlns:p="http://schemas.openxmlformats.org/presentationml/2006/main">
+  <p:cSld>
+    <p:spTree>
+      <p:nvGrpSpPr>
+        <p:cNvPr id="1" name=""/>
+        <p:cNvGrpSpPr/>
+        <p:nvPr/>
+      </p:nvGrpSpPr>
+      <p:grpSpPr>
+        <a:xfrm>
+          <a:off x="0" y="0"/>
+          <a:ext cx="0" cy="0"/>
+          <a:chOff x="0" y="0"/>
+          <a:chExt cx="0" cy="0"/>
+        </a:xfrm>
+      </p:grpSpPr>
+      <p:pic>
+        <p:nvPicPr>
+          <p:cNvPr id="6" name="Picture 5" descr="A picture containing text&#10;&#10;Description automatically generated">
+            <a:extLst>
+              <a:ext uri="{FF2B5EF4-FFF2-40B4-BE49-F238E27FC236}">
+                <a16:creationId xmlns:a16="http://schemas.microsoft.com/office/drawing/2014/main" id="{07B39393-C890-8CD5-4606-E6B9B90B4AA9}"/>
+              </a:ext>
+            </a:extLst>
+          </p:cNvPr>
+          <p:cNvPicPr>
+            <a:picLocks noChangeAspect="1"/>
+          </p:cNvPicPr>
+          <p:nvPr/>
+        </p:nvPicPr>
+        <p:blipFill rotWithShape="1">
+          <a:blip r:embed="rId2">
+            <a:extLst>
+              <a:ext uri="{28A0092B-C50C-407E-A947-70E740481C1C}">
+                <a14:useLocalDpi xmlns:a14="http://schemas.microsoft.com/office/drawing/2010/main" val="0"/>
+              </a:ext>
+            </a:extLst>
+          </a:blip>
+          <a:srcRect t="25295" r="70446" b="55055"/>
+          <a:stretch/>
+        </p:blipFill>
+        <p:spPr>
+          <a:xfrm>
+            <a:off x="1195137" y="1333230"/>
+            <a:ext cx="8406063" cy="4191540"/>
+          </a:xfrm>
+          <a:prstGeom prst="rect">
+            <a:avLst/>
+          </a:prstGeom>
+        </p:spPr>
+      </p:pic>
+    </p:spTree>
+    <p:extLst>
+      <p:ext uri="{BB962C8B-B14F-4D97-AF65-F5344CB8AC3E}">
+        <p14:creationId xmlns:p14="http://schemas.microsoft.com/office/powerpoint/2010/main" val="476733561"/>
+      </p:ext>
+    </p:extLst>
+  </p:cSld>
+  <p:clrMapOvr>
+    <a:masterClrMapping/>
+  </p:clrMapOvr>
+</p:sld>
+</file>
+
+<file path=ppt/slides/slide11.xml><?xml version="1.0" encoding="utf-8"?>
+<p:sld xmlns:a="http://schemas.openxmlformats.org/drawingml/2006/main" xmlns:r="http://schemas.openxmlformats.org/officeDocument/2006/relationships" xmlns:p="http://schemas.openxmlformats.org/presentationml/2006/main">
+  <p:cSld>
+    <p:spTree>
+      <p:nvGrpSpPr>
+        <p:cNvPr id="1" name=""/>
+        <p:cNvGrpSpPr/>
+        <p:nvPr/>
+      </p:nvGrpSpPr>
+      <p:grpSpPr>
+        <a:xfrm>
+          <a:off x="0" y="0"/>
+          <a:ext cx="0" cy="0"/>
+          <a:chOff x="0" y="0"/>
+          <a:chExt cx="0" cy="0"/>
+        </a:xfrm>
+      </p:grpSpPr>
+      <p:pic>
+        <p:nvPicPr>
+          <p:cNvPr id="6" name="Picture 5" descr="A picture containing text&#10;&#10;Description automatically generated">
+            <a:extLst>
+              <a:ext uri="{FF2B5EF4-FFF2-40B4-BE49-F238E27FC236}">
+                <a16:creationId xmlns:a16="http://schemas.microsoft.com/office/drawing/2014/main" id="{07B39393-C890-8CD5-4606-E6B9B90B4AA9}"/>
+              </a:ext>
+            </a:extLst>
+          </p:cNvPr>
+          <p:cNvPicPr>
+            <a:picLocks noChangeAspect="1"/>
+          </p:cNvPicPr>
+          <p:nvPr/>
+        </p:nvPicPr>
+        <p:blipFill rotWithShape="1">
+          <a:blip r:embed="rId2">
+            <a:extLst>
+              <a:ext uri="{28A0092B-C50C-407E-A947-70E740481C1C}">
+                <a14:useLocalDpi xmlns:a14="http://schemas.microsoft.com/office/drawing/2010/main" val="0"/>
+              </a:ext>
+            </a:extLst>
+          </a:blip>
+          <a:srcRect l="1245" t="45377" r="69201" b="47562"/>
+          <a:stretch/>
+        </p:blipFill>
+        <p:spPr>
+          <a:xfrm>
+            <a:off x="1892968" y="1321198"/>
+            <a:ext cx="8406063" cy="1506223"/>
+          </a:xfrm>
+          <a:prstGeom prst="rect">
+            <a:avLst/>
+          </a:prstGeom>
+        </p:spPr>
+      </p:pic>
+    </p:spTree>
+    <p:extLst>
+      <p:ext uri="{BB962C8B-B14F-4D97-AF65-F5344CB8AC3E}">
+        <p14:creationId xmlns:p14="http://schemas.microsoft.com/office/powerpoint/2010/main" val="4038441361"/>
+      </p:ext>
+    </p:extLst>
+  </p:cSld>
+  <p:clrMapOvr>
+    <a:masterClrMapping/>
+  </p:clrMapOvr>
+</p:sld>
+</file>
+
+<file path=ppt/slides/slide12.xml><?xml version="1.0" encoding="utf-8"?>
+<p:sld xmlns:a="http://schemas.openxmlformats.org/drawingml/2006/main" xmlns:r="http://schemas.openxmlformats.org/officeDocument/2006/relationships" xmlns:p="http://schemas.openxmlformats.org/presentationml/2006/main">
+  <p:cSld>
+    <p:spTree>
+      <p:nvGrpSpPr>
+        <p:cNvPr id="1" name=""/>
+        <p:cNvGrpSpPr/>
+        <p:nvPr/>
+      </p:nvGrpSpPr>
+      <p:grpSpPr>
+        <a:xfrm>
+          <a:off x="0" y="0"/>
+          <a:ext cx="0" cy="0"/>
+          <a:chOff x="0" y="0"/>
+          <a:chExt cx="0" cy="0"/>
+        </a:xfrm>
+      </p:grpSpPr>
+      <p:pic>
+        <p:nvPicPr>
+          <p:cNvPr id="6" name="Picture 5" descr="A picture containing text&#10;&#10;Description automatically generated">
+            <a:extLst>
+              <a:ext uri="{FF2B5EF4-FFF2-40B4-BE49-F238E27FC236}">
+                <a16:creationId xmlns:a16="http://schemas.microsoft.com/office/drawing/2014/main" id="{07B39393-C890-8CD5-4606-E6B9B90B4AA9}"/>
+              </a:ext>
+            </a:extLst>
+          </p:cNvPr>
+          <p:cNvPicPr>
+            <a:picLocks noChangeAspect="1"/>
+          </p:cNvPicPr>
+          <p:nvPr/>
+        </p:nvPicPr>
+        <p:blipFill rotWithShape="1">
+          <a:blip r:embed="rId2">
+            <a:extLst>
+              <a:ext uri="{28A0092B-C50C-407E-A947-70E740481C1C}">
+                <a14:useLocalDpi xmlns:a14="http://schemas.microsoft.com/office/drawing/2010/main" val="0"/>
+              </a:ext>
+            </a:extLst>
+          </a:blip>
+          <a:srcRect l="1245" t="45379" r="67857" b="26613"/>
+          <a:stretch/>
+        </p:blipFill>
+        <p:spPr>
+          <a:xfrm>
+            <a:off x="1892969" y="533258"/>
+            <a:ext cx="8788002" cy="5974547"/>
+          </a:xfrm>
+          <a:prstGeom prst="rect">
+            <a:avLst/>
+          </a:prstGeom>
+        </p:spPr>
+      </p:pic>
+    </p:spTree>
+    <p:extLst>
+      <p:ext uri="{BB962C8B-B14F-4D97-AF65-F5344CB8AC3E}">
+        <p14:creationId xmlns:p14="http://schemas.microsoft.com/office/powerpoint/2010/main" val="353787014"/>
+      </p:ext>
+    </p:extLst>
+  </p:cSld>
+  <p:clrMapOvr>
+    <a:masterClrMapping/>
+  </p:clrMapOvr>
+</p:sld>
+</file>
+
+<file path=ppt/slides/slide13.xml><?xml version="1.0" encoding="utf-8"?>
+<p:sld xmlns:a="http://schemas.openxmlformats.org/drawingml/2006/main" xmlns:r="http://schemas.openxmlformats.org/officeDocument/2006/relationships" xmlns:p="http://schemas.openxmlformats.org/presentationml/2006/main">
+  <p:cSld>
+    <p:spTree>
+      <p:nvGrpSpPr>
+        <p:cNvPr id="1" name=""/>
+        <p:cNvGrpSpPr/>
+        <p:nvPr/>
+      </p:nvGrpSpPr>
+      <p:grpSpPr>
+        <a:xfrm>
+          <a:off x="0" y="0"/>
+          <a:ext cx="0" cy="0"/>
+          <a:chOff x="0" y="0"/>
+          <a:chExt cx="0" cy="0"/>
+        </a:xfrm>
+      </p:grpSpPr>
+      <p:pic>
+        <p:nvPicPr>
+          <p:cNvPr id="6" name="Picture 5" descr="A picture containing text&#10;&#10;Description automatically generated">
+            <a:extLst>
+              <a:ext uri="{FF2B5EF4-FFF2-40B4-BE49-F238E27FC236}">
+                <a16:creationId xmlns:a16="http://schemas.microsoft.com/office/drawing/2014/main" id="{07B39393-C890-8CD5-4606-E6B9B90B4AA9}"/>
+              </a:ext>
+            </a:extLst>
+          </p:cNvPr>
+          <p:cNvPicPr>
+            <a:picLocks noChangeAspect="1"/>
+          </p:cNvPicPr>
+          <p:nvPr/>
+        </p:nvPicPr>
+        <p:blipFill rotWithShape="1">
+          <a:blip r:embed="rId2">
+            <a:extLst>
+              <a:ext uri="{28A0092B-C50C-407E-A947-70E740481C1C}">
+                <a14:useLocalDpi xmlns:a14="http://schemas.microsoft.com/office/drawing/2010/main" val="0"/>
+              </a:ext>
+            </a:extLst>
+          </a:blip>
+          <a:srcRect l="1382" t="73049" r="68474"/>
+          <a:stretch/>
+        </p:blipFill>
+        <p:spPr>
+          <a:xfrm>
+            <a:off x="1892968" y="1108953"/>
+            <a:ext cx="8573994" cy="5749047"/>
+          </a:xfrm>
+          <a:prstGeom prst="rect">
+            <a:avLst/>
+          </a:prstGeom>
+        </p:spPr>
+      </p:pic>
+    </p:spTree>
+    <p:extLst>
+      <p:ext uri="{BB962C8B-B14F-4D97-AF65-F5344CB8AC3E}">
+        <p14:creationId xmlns:p14="http://schemas.microsoft.com/office/powerpoint/2010/main" val="3929211582"/>
+      </p:ext>
+    </p:extLst>
+  </p:cSld>
+  <p:clrMapOvr>
+    <a:masterClrMapping/>
+  </p:clrMapOvr>
+</p:sld>
+</file>
+
 <file path=ppt/slides/slide2.xml><?xml version="1.0" encoding="utf-8"?>
 <p:sld xmlns:a="http://schemas.openxmlformats.org/drawingml/2006/main" xmlns:r="http://schemas.openxmlformats.org/officeDocument/2006/relationships" xmlns:p="http://schemas.openxmlformats.org/presentationml/2006/main">
   <p:cSld>
@@ -23998,6 +24349,6031 @@
           <a:chExt cx="0" cy="0"/>
         </a:xfrm>
       </p:grpSpPr>
+      <p:sp>
+        <p:nvSpPr>
+          <p:cNvPr id="121" name="TextBox 120">
+            <a:extLst>
+              <a:ext uri="{FF2B5EF4-FFF2-40B4-BE49-F238E27FC236}">
+                <a16:creationId xmlns:a16="http://schemas.microsoft.com/office/drawing/2014/main" id="{29617568-0B9F-C1BB-3281-690A86E22CF0}"/>
+              </a:ext>
+            </a:extLst>
+          </p:cNvPr>
+          <p:cNvSpPr txBox="1"/>
+          <p:nvPr/>
+        </p:nvSpPr>
+        <p:spPr>
+          <a:xfrm>
+            <a:off x="622966" y="424526"/>
+            <a:ext cx="3169921" cy="338554"/>
+          </a:xfrm>
+          <a:prstGeom prst="rect">
+            <a:avLst/>
+          </a:prstGeom>
+          <a:noFill/>
+        </p:spPr>
+        <p:txBody>
+          <a:bodyPr wrap="square">
+            <a:spAutoFit/>
+          </a:bodyPr>
+          <a:lstStyle/>
+          <a:p>
+            <a:r>
+              <a:rPr lang="en-US" sz="1600" dirty="0"/>
+              <a:t>Source 1: The other </a:t>
+            </a:r>
+            <a:r>
+              <a:rPr lang="en-US" sz="1600" dirty="0" err="1"/>
+              <a:t>conn_type</a:t>
+            </a:r>
+            <a:endParaRPr lang="en-US" sz="1600" dirty="0"/>
+          </a:p>
+        </p:txBody>
+      </p:sp>
+      <p:graphicFrame>
+        <p:nvGraphicFramePr>
+          <p:cNvPr id="16" name="Table 4">
+            <a:extLst>
+              <a:ext uri="{FF2B5EF4-FFF2-40B4-BE49-F238E27FC236}">
+                <a16:creationId xmlns:a16="http://schemas.microsoft.com/office/drawing/2014/main" id="{791A8EB2-1C41-2DEA-238D-1A82585181CD}"/>
+              </a:ext>
+            </a:extLst>
+          </p:cNvPr>
+          <p:cNvGraphicFramePr>
+            <a:graphicFrameLocks noGrp="1"/>
+          </p:cNvGraphicFramePr>
+          <p:nvPr>
+            <p:extLst>
+              <p:ext uri="{D42A27DB-BD31-4B8C-83A1-F6EECF244321}">
+                <p14:modId xmlns:p14="http://schemas.microsoft.com/office/powerpoint/2010/main" val="2264619031"/>
+              </p:ext>
+            </p:extLst>
+          </p:nvPr>
+        </p:nvGraphicFramePr>
+        <p:xfrm>
+          <a:off x="604551" y="763433"/>
+          <a:ext cx="4534963" cy="707677"/>
+        </p:xfrm>
+        <a:graphic>
+          <a:graphicData uri="http://schemas.openxmlformats.org/drawingml/2006/table">
+            <a:tbl>
+              <a:tblPr firstRow="1" bandRow="1">
+                <a:tableStyleId>{2D5ABB26-0587-4C30-8999-92F81FD0307C}</a:tableStyleId>
+              </a:tblPr>
+              <a:tblGrid>
+                <a:gridCol w="590867">
+                  <a:extLst>
+                    <a:ext uri="{9D8B030D-6E8A-4147-A177-3AD203B41FA5}">
+                      <a16:colId xmlns:a16="http://schemas.microsoft.com/office/drawing/2014/main" val="640528194"/>
+                    </a:ext>
+                  </a:extLst>
+                </a:gridCol>
+                <a:gridCol w="725805">
+                  <a:extLst>
+                    <a:ext uri="{9D8B030D-6E8A-4147-A177-3AD203B41FA5}">
+                      <a16:colId xmlns:a16="http://schemas.microsoft.com/office/drawing/2014/main" val="2586490148"/>
+                    </a:ext>
+                  </a:extLst>
+                </a:gridCol>
+                <a:gridCol w="827405">
+                  <a:extLst>
+                    <a:ext uri="{9D8B030D-6E8A-4147-A177-3AD203B41FA5}">
+                      <a16:colId xmlns:a16="http://schemas.microsoft.com/office/drawing/2014/main" val="3800522496"/>
+                    </a:ext>
+                  </a:extLst>
+                </a:gridCol>
+                <a:gridCol w="651193">
+                  <a:extLst>
+                    <a:ext uri="{9D8B030D-6E8A-4147-A177-3AD203B41FA5}">
+                      <a16:colId xmlns:a16="http://schemas.microsoft.com/office/drawing/2014/main" val="3584529646"/>
+                    </a:ext>
+                  </a:extLst>
+                </a:gridCol>
+                <a:gridCol w="708343">
+                  <a:extLst>
+                    <a:ext uri="{9D8B030D-6E8A-4147-A177-3AD203B41FA5}">
+                      <a16:colId xmlns:a16="http://schemas.microsoft.com/office/drawing/2014/main" val="2947788383"/>
+                    </a:ext>
+                  </a:extLst>
+                </a:gridCol>
+                <a:gridCol w="328930">
+                  <a:extLst>
+                    <a:ext uri="{9D8B030D-6E8A-4147-A177-3AD203B41FA5}">
+                      <a16:colId xmlns:a16="http://schemas.microsoft.com/office/drawing/2014/main" val="3706352711"/>
+                    </a:ext>
+                  </a:extLst>
+                </a:gridCol>
+                <a:gridCol w="702420">
+                  <a:extLst>
+                    <a:ext uri="{9D8B030D-6E8A-4147-A177-3AD203B41FA5}">
+                      <a16:colId xmlns:a16="http://schemas.microsoft.com/office/drawing/2014/main" val="3907699407"/>
+                    </a:ext>
+                  </a:extLst>
+                </a:gridCol>
+              </a:tblGrid>
+              <a:tr h="174476">
+                <a:tc>
+                  <a:txBody>
+                    <a:bodyPr/>
+                    <a:lstStyle/>
+                    <a:p>
+                      <a:pPr algn="ctr"/>
+                      <a:r>
+                        <a:rPr lang="en-US" sz="1100" b="1" dirty="0"/>
+                        <a:t>CDUID</a:t>
+                      </a:r>
+                    </a:p>
+                  </a:txBody>
+                  <a:tcPr anchor="ctr">
+                    <a:lnB w="12700" cap="flat" cmpd="sng" algn="ctr">
+                      <a:solidFill>
+                        <a:schemeClr val="bg1">
+                          <a:lumMod val="75000"/>
+                        </a:schemeClr>
+                      </a:solidFill>
+                      <a:prstDash val="solid"/>
+                      <a:round/>
+                      <a:headEnd type="none" w="med" len="med"/>
+                      <a:tailEnd type="none" w="med" len="med"/>
+                    </a:lnB>
+                    <a:solidFill>
+                      <a:schemeClr val="bg2">
+                        <a:lumMod val="90000"/>
+                      </a:schemeClr>
+                    </a:solidFill>
+                  </a:tcPr>
+                </a:tc>
+                <a:tc>
+                  <a:txBody>
+                    <a:bodyPr/>
+                    <a:lstStyle/>
+                    <a:p>
+                      <a:pPr algn="ctr"/>
+                      <a:r>
+                        <a:rPr lang="en-US" sz="1100" b="1" dirty="0"/>
+                        <a:t>SACTYPE</a:t>
+                      </a:r>
+                    </a:p>
+                  </a:txBody>
+                  <a:tcPr anchor="ctr">
+                    <a:lnB w="12700" cap="flat" cmpd="sng" algn="ctr">
+                      <a:solidFill>
+                        <a:schemeClr val="bg1">
+                          <a:lumMod val="75000"/>
+                        </a:schemeClr>
+                      </a:solidFill>
+                      <a:prstDash val="solid"/>
+                      <a:round/>
+                      <a:headEnd type="none" w="med" len="med"/>
+                      <a:tailEnd type="none" w="med" len="med"/>
+                    </a:lnB>
+                    <a:solidFill>
+                      <a:schemeClr val="bg2">
+                        <a:lumMod val="90000"/>
+                      </a:schemeClr>
+                    </a:solidFill>
+                  </a:tcPr>
+                </a:tc>
+                <a:tc>
+                  <a:txBody>
+                    <a:bodyPr/>
+                    <a:lstStyle/>
+                    <a:p>
+                      <a:pPr algn="ctr"/>
+                      <a:r>
+                        <a:rPr lang="en-US" sz="1100" b="1" dirty="0" err="1"/>
+                        <a:t>conn_type</a:t>
+                      </a:r>
+                      <a:endParaRPr lang="en-US" sz="1100" b="1" dirty="0"/>
+                    </a:p>
+                  </a:txBody>
+                  <a:tcPr anchor="ctr">
+                    <a:lnB w="12700" cap="flat" cmpd="sng" algn="ctr">
+                      <a:solidFill>
+                        <a:schemeClr val="bg1">
+                          <a:lumMod val="75000"/>
+                        </a:schemeClr>
+                      </a:solidFill>
+                      <a:prstDash val="solid"/>
+                      <a:round/>
+                      <a:headEnd type="none" w="med" len="med"/>
+                      <a:tailEnd type="none" w="med" len="med"/>
+                    </a:lnB>
+                    <a:solidFill>
+                      <a:schemeClr val="bg2">
+                        <a:lumMod val="90000"/>
+                      </a:schemeClr>
+                    </a:solidFill>
+                  </a:tcPr>
+                </a:tc>
+                <a:tc>
+                  <a:txBody>
+                    <a:bodyPr/>
+                    <a:lstStyle/>
+                    <a:p>
+                      <a:pPr algn="ctr"/>
+                      <a:r>
+                        <a:rPr lang="en-US" sz="1100" b="1" dirty="0" err="1"/>
+                        <a:t>is_rural</a:t>
+                      </a:r>
+                      <a:endParaRPr lang="en-US" sz="1100" b="1" dirty="0"/>
+                    </a:p>
+                  </a:txBody>
+                  <a:tcPr anchor="ctr">
+                    <a:lnB w="12700" cap="flat" cmpd="sng" algn="ctr">
+                      <a:solidFill>
+                        <a:schemeClr val="bg1">
+                          <a:lumMod val="75000"/>
+                        </a:schemeClr>
+                      </a:solidFill>
+                      <a:prstDash val="solid"/>
+                      <a:round/>
+                      <a:headEnd type="none" w="med" len="med"/>
+                      <a:tailEnd type="none" w="med" len="med"/>
+                    </a:lnB>
+                    <a:solidFill>
+                      <a:schemeClr val="bg2">
+                        <a:lumMod val="90000"/>
+                      </a:schemeClr>
+                    </a:solidFill>
+                  </a:tcPr>
+                </a:tc>
+                <a:tc>
+                  <a:txBody>
+                    <a:bodyPr/>
+                    <a:lstStyle/>
+                    <a:p>
+                      <a:pPr algn="ctr"/>
+                      <a:r>
+                        <a:rPr lang="en-US" sz="1100" b="1" dirty="0"/>
+                        <a:t>time</a:t>
+                      </a:r>
+                    </a:p>
+                  </a:txBody>
+                  <a:tcPr anchor="ctr">
+                    <a:lnB w="12700" cap="flat" cmpd="sng" algn="ctr">
+                      <a:solidFill>
+                        <a:schemeClr val="bg1">
+                          <a:lumMod val="75000"/>
+                        </a:schemeClr>
+                      </a:solidFill>
+                      <a:prstDash val="solid"/>
+                      <a:round/>
+                      <a:headEnd type="none" w="med" len="med"/>
+                      <a:tailEnd type="none" w="med" len="med"/>
+                    </a:lnB>
+                    <a:solidFill>
+                      <a:schemeClr val="bg2">
+                        <a:lumMod val="90000"/>
+                      </a:schemeClr>
+                    </a:solidFill>
+                  </a:tcPr>
+                </a:tc>
+                <a:tc>
+                  <a:txBody>
+                    <a:bodyPr/>
+                    <a:lstStyle/>
+                    <a:p>
+                      <a:pPr marL="0" marR="0" lvl="0" indent="0" algn="ctr" defTabSz="914400" rtl="0" eaLnBrk="1" fontAlgn="auto" latinLnBrk="0" hangingPunct="1">
+                        <a:lnSpc>
+                          <a:spcPct val="100000"/>
+                        </a:lnSpc>
+                        <a:spcBef>
+                          <a:spcPts val="0"/>
+                        </a:spcBef>
+                        <a:spcAft>
+                          <a:spcPts val="0"/>
+                        </a:spcAft>
+                        <a:buClrTx/>
+                        <a:buSzTx/>
+                        <a:buFontTx/>
+                        <a:buNone/>
+                        <a:tabLst/>
+                        <a:defRPr/>
+                      </a:pPr>
+                      <a:r>
+                        <a:rPr lang="en-US" sz="1100" b="1" dirty="0"/>
+                        <a:t>...</a:t>
+                      </a:r>
+                    </a:p>
+                  </a:txBody>
+                  <a:tcPr anchor="ctr">
+                    <a:lnB w="12700" cap="flat" cmpd="sng" algn="ctr">
+                      <a:solidFill>
+                        <a:schemeClr val="bg1">
+                          <a:lumMod val="75000"/>
+                        </a:schemeClr>
+                      </a:solidFill>
+                      <a:prstDash val="solid"/>
+                      <a:round/>
+                      <a:headEnd type="none" w="med" len="med"/>
+                      <a:tailEnd type="none" w="med" len="med"/>
+                    </a:lnB>
+                    <a:solidFill>
+                      <a:schemeClr val="bg2">
+                        <a:lumMod val="90000"/>
+                      </a:schemeClr>
+                    </a:solidFill>
+                  </a:tcPr>
+                </a:tc>
+                <a:tc>
+                  <a:txBody>
+                    <a:bodyPr/>
+                    <a:lstStyle/>
+                    <a:p>
+                      <a:pPr algn="ctr"/>
+                      <a:r>
+                        <a:rPr lang="en-US" sz="1100" b="1" dirty="0" err="1"/>
+                        <a:t>avg_d</a:t>
+                      </a:r>
+                      <a:br>
+                        <a:rPr lang="en-US" sz="1100" b="1" dirty="0"/>
+                      </a:br>
+                      <a:r>
+                        <a:rPr lang="en-US" sz="1100" b="1" dirty="0"/>
+                        <a:t>_</a:t>
+                      </a:r>
+                      <a:r>
+                        <a:rPr lang="en-US" sz="1100" b="1" dirty="0" err="1"/>
+                        <a:t>mbps</a:t>
+                      </a:r>
+                      <a:endParaRPr lang="en-US" sz="1100" b="1" dirty="0"/>
+                    </a:p>
+                  </a:txBody>
+                  <a:tcPr anchor="ctr">
+                    <a:lnB w="12700" cap="flat" cmpd="sng" algn="ctr">
+                      <a:solidFill>
+                        <a:schemeClr val="bg1">
+                          <a:lumMod val="75000"/>
+                        </a:schemeClr>
+                      </a:solidFill>
+                      <a:prstDash val="solid"/>
+                      <a:round/>
+                      <a:headEnd type="none" w="med" len="med"/>
+                      <a:tailEnd type="none" w="med" len="med"/>
+                    </a:lnB>
+                    <a:solidFill>
+                      <a:schemeClr val="bg2">
+                        <a:lumMod val="90000"/>
+                      </a:schemeClr>
+                    </a:solidFill>
+                  </a:tcPr>
+                </a:tc>
+                <a:extLst>
+                  <a:ext uri="{0D108BD9-81ED-4DB2-BD59-A6C34878D82A}">
+                    <a16:rowId xmlns:a16="http://schemas.microsoft.com/office/drawing/2014/main" val="3441376129"/>
+                  </a:ext>
+                </a:extLst>
+              </a:tr>
+              <a:tr h="280957">
+                <a:tc>
+                  <a:txBody>
+                    <a:bodyPr/>
+                    <a:lstStyle/>
+                    <a:p>
+                      <a:pPr marL="0" marR="0" lvl="0" indent="0" algn="ctr" defTabSz="914400" rtl="0" eaLnBrk="1" fontAlgn="auto" latinLnBrk="0" hangingPunct="1">
+                        <a:lnSpc>
+                          <a:spcPct val="100000"/>
+                        </a:lnSpc>
+                        <a:spcBef>
+                          <a:spcPts val="0"/>
+                        </a:spcBef>
+                        <a:spcAft>
+                          <a:spcPts val="0"/>
+                        </a:spcAft>
+                        <a:buClrTx/>
+                        <a:buSzTx/>
+                        <a:buFontTx/>
+                        <a:buNone/>
+                        <a:tabLst/>
+                        <a:defRPr/>
+                      </a:pPr>
+                      <a:r>
+                        <a:rPr lang="en-US" sz="1100" dirty="0">
+                          <a:solidFill>
+                            <a:schemeClr val="tx1">
+                              <a:lumMod val="50000"/>
+                              <a:lumOff val="50000"/>
+                            </a:schemeClr>
+                          </a:solidFill>
+                        </a:rPr>
+                        <a:t>6204</a:t>
+                      </a:r>
+                    </a:p>
+                  </a:txBody>
+                  <a:tcPr anchor="ctr">
+                    <a:lnT w="12700" cap="flat" cmpd="sng" algn="ctr">
+                      <a:solidFill>
+                        <a:schemeClr val="bg1">
+                          <a:lumMod val="75000"/>
+                        </a:schemeClr>
+                      </a:solidFill>
+                      <a:prstDash val="solid"/>
+                      <a:round/>
+                      <a:headEnd type="none" w="med" len="med"/>
+                      <a:tailEnd type="none" w="med" len="med"/>
+                    </a:lnT>
+                    <a:lnB w="12700" cap="flat" cmpd="sng" algn="ctr">
+                      <a:solidFill>
+                        <a:schemeClr val="bg1">
+                          <a:lumMod val="75000"/>
+                        </a:schemeClr>
+                      </a:solidFill>
+                      <a:prstDash val="solid"/>
+                      <a:round/>
+                      <a:headEnd type="none" w="med" len="med"/>
+                      <a:tailEnd type="none" w="med" len="med"/>
+                    </a:lnB>
+                  </a:tcPr>
+                </a:tc>
+                <a:tc>
+                  <a:txBody>
+                    <a:bodyPr/>
+                    <a:lstStyle/>
+                    <a:p>
+                      <a:pPr algn="ctr"/>
+                      <a:r>
+                        <a:rPr lang="en-US" sz="1100" dirty="0">
+                          <a:solidFill>
+                            <a:schemeClr val="tx1">
+                              <a:lumMod val="50000"/>
+                              <a:lumOff val="50000"/>
+                            </a:schemeClr>
+                          </a:solidFill>
+                        </a:rPr>
+                        <a:t>6</a:t>
+                      </a:r>
+                    </a:p>
+                  </a:txBody>
+                  <a:tcPr anchor="ctr">
+                    <a:lnT w="12700" cap="flat" cmpd="sng" algn="ctr">
+                      <a:solidFill>
+                        <a:schemeClr val="bg1">
+                          <a:lumMod val="75000"/>
+                        </a:schemeClr>
+                      </a:solidFill>
+                      <a:prstDash val="solid"/>
+                      <a:round/>
+                      <a:headEnd type="none" w="med" len="med"/>
+                      <a:tailEnd type="none" w="med" len="med"/>
+                    </a:lnT>
+                    <a:lnB w="12700" cap="flat" cmpd="sng" algn="ctr">
+                      <a:solidFill>
+                        <a:schemeClr val="bg1">
+                          <a:lumMod val="75000"/>
+                        </a:schemeClr>
+                      </a:solidFill>
+                      <a:prstDash val="solid"/>
+                      <a:round/>
+                      <a:headEnd type="none" w="med" len="med"/>
+                      <a:tailEnd type="none" w="med" len="med"/>
+                    </a:lnB>
+                  </a:tcPr>
+                </a:tc>
+                <a:tc>
+                  <a:txBody>
+                    <a:bodyPr/>
+                    <a:lstStyle/>
+                    <a:p>
+                      <a:pPr algn="ctr"/>
+                      <a:r>
+                        <a:rPr lang="en-US" sz="1100" dirty="0">
+                          <a:solidFill>
+                            <a:schemeClr val="tx1">
+                              <a:lumMod val="50000"/>
+                              <a:lumOff val="50000"/>
+                            </a:schemeClr>
+                          </a:solidFill>
+                        </a:rPr>
+                        <a:t>fixed</a:t>
+                      </a:r>
+                    </a:p>
+                  </a:txBody>
+                  <a:tcPr anchor="ctr">
+                    <a:lnT w="12700" cap="flat" cmpd="sng" algn="ctr">
+                      <a:solidFill>
+                        <a:schemeClr val="bg1">
+                          <a:lumMod val="75000"/>
+                        </a:schemeClr>
+                      </a:solidFill>
+                      <a:prstDash val="solid"/>
+                      <a:round/>
+                      <a:headEnd type="none" w="med" len="med"/>
+                      <a:tailEnd type="none" w="med" len="med"/>
+                    </a:lnT>
+                    <a:lnB w="12700" cap="flat" cmpd="sng" algn="ctr">
+                      <a:solidFill>
+                        <a:schemeClr val="bg1">
+                          <a:lumMod val="75000"/>
+                        </a:schemeClr>
+                      </a:solidFill>
+                      <a:prstDash val="solid"/>
+                      <a:round/>
+                      <a:headEnd type="none" w="med" len="med"/>
+                      <a:tailEnd type="none" w="med" len="med"/>
+                    </a:lnB>
+                  </a:tcPr>
+                </a:tc>
+                <a:tc>
+                  <a:txBody>
+                    <a:bodyPr/>
+                    <a:lstStyle/>
+                    <a:p>
+                      <a:pPr algn="ctr"/>
+                      <a:r>
+                        <a:rPr lang="en-US" sz="1100" dirty="0">
+                          <a:solidFill>
+                            <a:schemeClr val="tx1">
+                              <a:lumMod val="50000"/>
+                              <a:lumOff val="50000"/>
+                            </a:schemeClr>
+                          </a:solidFill>
+                        </a:rPr>
+                        <a:t>1</a:t>
+                      </a:r>
+                    </a:p>
+                  </a:txBody>
+                  <a:tcPr anchor="ctr">
+                    <a:lnT w="12700" cap="flat" cmpd="sng" algn="ctr">
+                      <a:solidFill>
+                        <a:schemeClr val="bg1">
+                          <a:lumMod val="75000"/>
+                        </a:schemeClr>
+                      </a:solidFill>
+                      <a:prstDash val="solid"/>
+                      <a:round/>
+                      <a:headEnd type="none" w="med" len="med"/>
+                      <a:tailEnd type="none" w="med" len="med"/>
+                    </a:lnT>
+                    <a:lnB w="12700" cap="flat" cmpd="sng" algn="ctr">
+                      <a:solidFill>
+                        <a:schemeClr val="bg1">
+                          <a:lumMod val="75000"/>
+                        </a:schemeClr>
+                      </a:solidFill>
+                      <a:prstDash val="solid"/>
+                      <a:round/>
+                      <a:headEnd type="none" w="med" len="med"/>
+                      <a:tailEnd type="none" w="med" len="med"/>
+                    </a:lnB>
+                  </a:tcPr>
+                </a:tc>
+                <a:tc>
+                  <a:txBody>
+                    <a:bodyPr/>
+                    <a:lstStyle/>
+                    <a:p>
+                      <a:pPr marL="0" marR="0" lvl="0" indent="0" algn="ctr" defTabSz="914400" rtl="0" eaLnBrk="1" fontAlgn="auto" latinLnBrk="0" hangingPunct="1">
+                        <a:lnSpc>
+                          <a:spcPct val="100000"/>
+                        </a:lnSpc>
+                        <a:spcBef>
+                          <a:spcPts val="0"/>
+                        </a:spcBef>
+                        <a:spcAft>
+                          <a:spcPts val="0"/>
+                        </a:spcAft>
+                        <a:buClrTx/>
+                        <a:buSzTx/>
+                        <a:buFontTx/>
+                        <a:buNone/>
+                        <a:tabLst/>
+                        <a:defRPr/>
+                      </a:pPr>
+                      <a:r>
+                        <a:rPr lang="en-US" sz="1100" dirty="0">
+                          <a:solidFill>
+                            <a:schemeClr val="tx1">
+                              <a:lumMod val="50000"/>
+                              <a:lumOff val="50000"/>
+                            </a:schemeClr>
+                          </a:solidFill>
+                        </a:rPr>
+                        <a:t>2020-2Q</a:t>
+                      </a:r>
+                    </a:p>
+                  </a:txBody>
+                  <a:tcPr anchor="ctr">
+                    <a:lnT w="12700" cap="flat" cmpd="sng" algn="ctr">
+                      <a:solidFill>
+                        <a:schemeClr val="bg1">
+                          <a:lumMod val="75000"/>
+                        </a:schemeClr>
+                      </a:solidFill>
+                      <a:prstDash val="solid"/>
+                      <a:round/>
+                      <a:headEnd type="none" w="med" len="med"/>
+                      <a:tailEnd type="none" w="med" len="med"/>
+                    </a:lnT>
+                    <a:lnB w="12700" cap="flat" cmpd="sng" algn="ctr">
+                      <a:solidFill>
+                        <a:schemeClr val="bg1">
+                          <a:lumMod val="75000"/>
+                        </a:schemeClr>
+                      </a:solidFill>
+                      <a:prstDash val="solid"/>
+                      <a:round/>
+                      <a:headEnd type="none" w="med" len="med"/>
+                      <a:tailEnd type="none" w="med" len="med"/>
+                    </a:lnB>
+                  </a:tcPr>
+                </a:tc>
+                <a:tc>
+                  <a:txBody>
+                    <a:bodyPr/>
+                    <a:lstStyle/>
+                    <a:p>
+                      <a:pPr marL="0" marR="0" lvl="0" indent="0" algn="ctr" defTabSz="914400" rtl="0" eaLnBrk="1" fontAlgn="auto" latinLnBrk="0" hangingPunct="1">
+                        <a:lnSpc>
+                          <a:spcPct val="100000"/>
+                        </a:lnSpc>
+                        <a:spcBef>
+                          <a:spcPts val="0"/>
+                        </a:spcBef>
+                        <a:spcAft>
+                          <a:spcPts val="0"/>
+                        </a:spcAft>
+                        <a:buClrTx/>
+                        <a:buSzTx/>
+                        <a:buFontTx/>
+                        <a:buNone/>
+                        <a:tabLst/>
+                        <a:defRPr/>
+                      </a:pPr>
+                      <a:r>
+                        <a:rPr lang="en-US" sz="1100" dirty="0">
+                          <a:solidFill>
+                            <a:schemeClr val="tx1">
+                              <a:lumMod val="50000"/>
+                              <a:lumOff val="50000"/>
+                            </a:schemeClr>
+                          </a:solidFill>
+                        </a:rPr>
+                        <a:t>...</a:t>
+                      </a:r>
+                    </a:p>
+                  </a:txBody>
+                  <a:tcPr anchor="ctr">
+                    <a:lnT w="12700" cap="flat" cmpd="sng" algn="ctr">
+                      <a:solidFill>
+                        <a:schemeClr val="bg1">
+                          <a:lumMod val="75000"/>
+                        </a:schemeClr>
+                      </a:solidFill>
+                      <a:prstDash val="solid"/>
+                      <a:round/>
+                      <a:headEnd type="none" w="med" len="med"/>
+                      <a:tailEnd type="none" w="med" len="med"/>
+                    </a:lnT>
+                    <a:lnB w="12700" cap="flat" cmpd="sng" algn="ctr">
+                      <a:solidFill>
+                        <a:schemeClr val="bg1">
+                          <a:lumMod val="75000"/>
+                        </a:schemeClr>
+                      </a:solidFill>
+                      <a:prstDash val="solid"/>
+                      <a:round/>
+                      <a:headEnd type="none" w="med" len="med"/>
+                      <a:tailEnd type="none" w="med" len="med"/>
+                    </a:lnB>
+                  </a:tcPr>
+                </a:tc>
+                <a:tc>
+                  <a:txBody>
+                    <a:bodyPr/>
+                    <a:lstStyle/>
+                    <a:p>
+                      <a:pPr algn="ctr"/>
+                      <a:r>
+                        <a:rPr lang="en-US" sz="1100" dirty="0">
+                          <a:solidFill>
+                            <a:schemeClr val="tx1">
+                              <a:lumMod val="50000"/>
+                              <a:lumOff val="50000"/>
+                            </a:schemeClr>
+                          </a:solidFill>
+                        </a:rPr>
+                        <a:t>77</a:t>
+                      </a:r>
+                    </a:p>
+                  </a:txBody>
+                  <a:tcPr anchor="ctr">
+                    <a:lnT w="12700" cap="flat" cmpd="sng" algn="ctr">
+                      <a:solidFill>
+                        <a:schemeClr val="bg1">
+                          <a:lumMod val="75000"/>
+                        </a:schemeClr>
+                      </a:solidFill>
+                      <a:prstDash val="solid"/>
+                      <a:round/>
+                      <a:headEnd type="none" w="med" len="med"/>
+                      <a:tailEnd type="none" w="med" len="med"/>
+                    </a:lnT>
+                    <a:lnB w="12700" cap="flat" cmpd="sng" algn="ctr">
+                      <a:solidFill>
+                        <a:schemeClr val="bg1">
+                          <a:lumMod val="75000"/>
+                        </a:schemeClr>
+                      </a:solidFill>
+                      <a:prstDash val="solid"/>
+                      <a:round/>
+                      <a:headEnd type="none" w="med" len="med"/>
+                      <a:tailEnd type="none" w="med" len="med"/>
+                    </a:lnB>
+                  </a:tcPr>
+                </a:tc>
+                <a:extLst>
+                  <a:ext uri="{0D108BD9-81ED-4DB2-BD59-A6C34878D82A}">
+                    <a16:rowId xmlns:a16="http://schemas.microsoft.com/office/drawing/2014/main" val="3370675143"/>
+                  </a:ext>
+                </a:extLst>
+              </a:tr>
+            </a:tbl>
+          </a:graphicData>
+        </a:graphic>
+      </p:graphicFrame>
+      <p:graphicFrame>
+        <p:nvGraphicFramePr>
+          <p:cNvPr id="19" name="Table 4">
+            <a:extLst>
+              <a:ext uri="{FF2B5EF4-FFF2-40B4-BE49-F238E27FC236}">
+                <a16:creationId xmlns:a16="http://schemas.microsoft.com/office/drawing/2014/main" id="{29FD8DD3-34E8-6A16-974B-86717330E71F}"/>
+              </a:ext>
+            </a:extLst>
+          </p:cNvPr>
+          <p:cNvGraphicFramePr>
+            <a:graphicFrameLocks noGrp="1"/>
+          </p:cNvGraphicFramePr>
+          <p:nvPr>
+            <p:extLst>
+              <p:ext uri="{D42A27DB-BD31-4B8C-83A1-F6EECF244321}">
+                <p14:modId xmlns:p14="http://schemas.microsoft.com/office/powerpoint/2010/main" val="3830575452"/>
+              </p:ext>
+            </p:extLst>
+          </p:nvPr>
+        </p:nvGraphicFramePr>
+        <p:xfrm>
+          <a:off x="5415279" y="2117526"/>
+          <a:ext cx="4534963" cy="1550548"/>
+        </p:xfrm>
+        <a:graphic>
+          <a:graphicData uri="http://schemas.openxmlformats.org/drawingml/2006/table">
+            <a:tbl>
+              <a:tblPr firstRow="1" bandRow="1">
+                <a:tableStyleId>{2D5ABB26-0587-4C30-8999-92F81FD0307C}</a:tableStyleId>
+              </a:tblPr>
+              <a:tblGrid>
+                <a:gridCol w="590867">
+                  <a:extLst>
+                    <a:ext uri="{9D8B030D-6E8A-4147-A177-3AD203B41FA5}">
+                      <a16:colId xmlns:a16="http://schemas.microsoft.com/office/drawing/2014/main" val="640528194"/>
+                    </a:ext>
+                  </a:extLst>
+                </a:gridCol>
+                <a:gridCol w="725805">
+                  <a:extLst>
+                    <a:ext uri="{9D8B030D-6E8A-4147-A177-3AD203B41FA5}">
+                      <a16:colId xmlns:a16="http://schemas.microsoft.com/office/drawing/2014/main" val="2586490148"/>
+                    </a:ext>
+                  </a:extLst>
+                </a:gridCol>
+                <a:gridCol w="827405">
+                  <a:extLst>
+                    <a:ext uri="{9D8B030D-6E8A-4147-A177-3AD203B41FA5}">
+                      <a16:colId xmlns:a16="http://schemas.microsoft.com/office/drawing/2014/main" val="3800522496"/>
+                    </a:ext>
+                  </a:extLst>
+                </a:gridCol>
+                <a:gridCol w="651193">
+                  <a:extLst>
+                    <a:ext uri="{9D8B030D-6E8A-4147-A177-3AD203B41FA5}">
+                      <a16:colId xmlns:a16="http://schemas.microsoft.com/office/drawing/2014/main" val="3584529646"/>
+                    </a:ext>
+                  </a:extLst>
+                </a:gridCol>
+                <a:gridCol w="708343">
+                  <a:extLst>
+                    <a:ext uri="{9D8B030D-6E8A-4147-A177-3AD203B41FA5}">
+                      <a16:colId xmlns:a16="http://schemas.microsoft.com/office/drawing/2014/main" val="2947788383"/>
+                    </a:ext>
+                  </a:extLst>
+                </a:gridCol>
+                <a:gridCol w="328930">
+                  <a:extLst>
+                    <a:ext uri="{9D8B030D-6E8A-4147-A177-3AD203B41FA5}">
+                      <a16:colId xmlns:a16="http://schemas.microsoft.com/office/drawing/2014/main" val="3706352711"/>
+                    </a:ext>
+                  </a:extLst>
+                </a:gridCol>
+                <a:gridCol w="702420">
+                  <a:extLst>
+                    <a:ext uri="{9D8B030D-6E8A-4147-A177-3AD203B41FA5}">
+                      <a16:colId xmlns:a16="http://schemas.microsoft.com/office/drawing/2014/main" val="3907699407"/>
+                    </a:ext>
+                  </a:extLst>
+                </a:gridCol>
+              </a:tblGrid>
+              <a:tr h="174476">
+                <a:tc>
+                  <a:txBody>
+                    <a:bodyPr/>
+                    <a:lstStyle/>
+                    <a:p>
+                      <a:pPr algn="ctr"/>
+                      <a:r>
+                        <a:rPr lang="en-US" sz="1100" b="1" dirty="0"/>
+                        <a:t>CDUID</a:t>
+                      </a:r>
+                    </a:p>
+                  </a:txBody>
+                  <a:tcPr anchor="ctr">
+                    <a:lnB w="12700" cap="flat" cmpd="sng" algn="ctr">
+                      <a:solidFill>
+                        <a:schemeClr val="bg1">
+                          <a:lumMod val="75000"/>
+                        </a:schemeClr>
+                      </a:solidFill>
+                      <a:prstDash val="solid"/>
+                      <a:round/>
+                      <a:headEnd type="none" w="med" len="med"/>
+                      <a:tailEnd type="none" w="med" len="med"/>
+                    </a:lnB>
+                    <a:solidFill>
+                      <a:schemeClr val="bg2">
+                        <a:lumMod val="90000"/>
+                      </a:schemeClr>
+                    </a:solidFill>
+                  </a:tcPr>
+                </a:tc>
+                <a:tc>
+                  <a:txBody>
+                    <a:bodyPr/>
+                    <a:lstStyle/>
+                    <a:p>
+                      <a:pPr algn="ctr"/>
+                      <a:r>
+                        <a:rPr lang="en-US" sz="1100" b="1" dirty="0"/>
+                        <a:t>SACTYPE</a:t>
+                      </a:r>
+                    </a:p>
+                  </a:txBody>
+                  <a:tcPr anchor="ctr">
+                    <a:lnB w="12700" cap="flat" cmpd="sng" algn="ctr">
+                      <a:solidFill>
+                        <a:schemeClr val="bg1">
+                          <a:lumMod val="75000"/>
+                        </a:schemeClr>
+                      </a:solidFill>
+                      <a:prstDash val="solid"/>
+                      <a:round/>
+                      <a:headEnd type="none" w="med" len="med"/>
+                      <a:tailEnd type="none" w="med" len="med"/>
+                    </a:lnB>
+                    <a:solidFill>
+                      <a:schemeClr val="bg2">
+                        <a:lumMod val="90000"/>
+                      </a:schemeClr>
+                    </a:solidFill>
+                  </a:tcPr>
+                </a:tc>
+                <a:tc>
+                  <a:txBody>
+                    <a:bodyPr/>
+                    <a:lstStyle/>
+                    <a:p>
+                      <a:pPr algn="ctr"/>
+                      <a:r>
+                        <a:rPr lang="en-US" sz="1100" b="1" dirty="0" err="1"/>
+                        <a:t>conn_type</a:t>
+                      </a:r>
+                      <a:endParaRPr lang="en-US" sz="1100" b="1" dirty="0"/>
+                    </a:p>
+                  </a:txBody>
+                  <a:tcPr anchor="ctr">
+                    <a:lnB w="12700" cap="flat" cmpd="sng" algn="ctr">
+                      <a:solidFill>
+                        <a:schemeClr val="bg1">
+                          <a:lumMod val="75000"/>
+                        </a:schemeClr>
+                      </a:solidFill>
+                      <a:prstDash val="solid"/>
+                      <a:round/>
+                      <a:headEnd type="none" w="med" len="med"/>
+                      <a:tailEnd type="none" w="med" len="med"/>
+                    </a:lnB>
+                    <a:solidFill>
+                      <a:schemeClr val="bg2">
+                        <a:lumMod val="90000"/>
+                      </a:schemeClr>
+                    </a:solidFill>
+                  </a:tcPr>
+                </a:tc>
+                <a:tc>
+                  <a:txBody>
+                    <a:bodyPr/>
+                    <a:lstStyle/>
+                    <a:p>
+                      <a:pPr algn="ctr"/>
+                      <a:r>
+                        <a:rPr lang="en-US" sz="1100" b="1" dirty="0" err="1"/>
+                        <a:t>is_rural</a:t>
+                      </a:r>
+                      <a:endParaRPr lang="en-US" sz="1100" b="1" dirty="0"/>
+                    </a:p>
+                  </a:txBody>
+                  <a:tcPr anchor="ctr">
+                    <a:lnB w="12700" cap="flat" cmpd="sng" algn="ctr">
+                      <a:solidFill>
+                        <a:schemeClr val="bg1">
+                          <a:lumMod val="75000"/>
+                        </a:schemeClr>
+                      </a:solidFill>
+                      <a:prstDash val="solid"/>
+                      <a:round/>
+                      <a:headEnd type="none" w="med" len="med"/>
+                      <a:tailEnd type="none" w="med" len="med"/>
+                    </a:lnB>
+                    <a:solidFill>
+                      <a:schemeClr val="bg2">
+                        <a:lumMod val="90000"/>
+                      </a:schemeClr>
+                    </a:solidFill>
+                  </a:tcPr>
+                </a:tc>
+                <a:tc>
+                  <a:txBody>
+                    <a:bodyPr/>
+                    <a:lstStyle/>
+                    <a:p>
+                      <a:pPr algn="ctr"/>
+                      <a:r>
+                        <a:rPr lang="en-US" sz="1100" b="1" dirty="0"/>
+                        <a:t>time</a:t>
+                      </a:r>
+                    </a:p>
+                  </a:txBody>
+                  <a:tcPr anchor="ctr">
+                    <a:lnB w="12700" cap="flat" cmpd="sng" algn="ctr">
+                      <a:solidFill>
+                        <a:schemeClr val="bg1">
+                          <a:lumMod val="75000"/>
+                        </a:schemeClr>
+                      </a:solidFill>
+                      <a:prstDash val="solid"/>
+                      <a:round/>
+                      <a:headEnd type="none" w="med" len="med"/>
+                      <a:tailEnd type="none" w="med" len="med"/>
+                    </a:lnB>
+                    <a:solidFill>
+                      <a:schemeClr val="bg2">
+                        <a:lumMod val="90000"/>
+                      </a:schemeClr>
+                    </a:solidFill>
+                  </a:tcPr>
+                </a:tc>
+                <a:tc>
+                  <a:txBody>
+                    <a:bodyPr/>
+                    <a:lstStyle/>
+                    <a:p>
+                      <a:pPr marL="0" marR="0" lvl="0" indent="0" algn="ctr" defTabSz="914400" rtl="0" eaLnBrk="1" fontAlgn="auto" latinLnBrk="0" hangingPunct="1">
+                        <a:lnSpc>
+                          <a:spcPct val="100000"/>
+                        </a:lnSpc>
+                        <a:spcBef>
+                          <a:spcPts val="0"/>
+                        </a:spcBef>
+                        <a:spcAft>
+                          <a:spcPts val="0"/>
+                        </a:spcAft>
+                        <a:buClrTx/>
+                        <a:buSzTx/>
+                        <a:buFontTx/>
+                        <a:buNone/>
+                        <a:tabLst/>
+                        <a:defRPr/>
+                      </a:pPr>
+                      <a:r>
+                        <a:rPr lang="en-US" sz="1100" b="1" dirty="0"/>
+                        <a:t>...</a:t>
+                      </a:r>
+                    </a:p>
+                  </a:txBody>
+                  <a:tcPr anchor="ctr">
+                    <a:lnB w="12700" cap="flat" cmpd="sng" algn="ctr">
+                      <a:solidFill>
+                        <a:schemeClr val="bg1">
+                          <a:lumMod val="75000"/>
+                        </a:schemeClr>
+                      </a:solidFill>
+                      <a:prstDash val="solid"/>
+                      <a:round/>
+                      <a:headEnd type="none" w="med" len="med"/>
+                      <a:tailEnd type="none" w="med" len="med"/>
+                    </a:lnB>
+                    <a:solidFill>
+                      <a:schemeClr val="bg2">
+                        <a:lumMod val="90000"/>
+                      </a:schemeClr>
+                    </a:solidFill>
+                  </a:tcPr>
+                </a:tc>
+                <a:tc>
+                  <a:txBody>
+                    <a:bodyPr/>
+                    <a:lstStyle/>
+                    <a:p>
+                      <a:pPr algn="ctr"/>
+                      <a:r>
+                        <a:rPr lang="en-US" sz="1100" b="1" dirty="0" err="1"/>
+                        <a:t>avg_d</a:t>
+                      </a:r>
+                      <a:br>
+                        <a:rPr lang="en-US" sz="1100" b="1" dirty="0"/>
+                      </a:br>
+                      <a:r>
+                        <a:rPr lang="en-US" sz="1100" b="1" dirty="0"/>
+                        <a:t>_</a:t>
+                      </a:r>
+                      <a:r>
+                        <a:rPr lang="en-US" sz="1100" b="1" dirty="0" err="1"/>
+                        <a:t>mbps</a:t>
+                      </a:r>
+                      <a:endParaRPr lang="en-US" sz="1100" b="1" dirty="0"/>
+                    </a:p>
+                  </a:txBody>
+                  <a:tcPr anchor="ctr">
+                    <a:lnB w="12700" cap="flat" cmpd="sng" algn="ctr">
+                      <a:solidFill>
+                        <a:schemeClr val="bg1">
+                          <a:lumMod val="75000"/>
+                        </a:schemeClr>
+                      </a:solidFill>
+                      <a:prstDash val="solid"/>
+                      <a:round/>
+                      <a:headEnd type="none" w="med" len="med"/>
+                      <a:tailEnd type="none" w="med" len="med"/>
+                    </a:lnB>
+                    <a:solidFill>
+                      <a:schemeClr val="bg2">
+                        <a:lumMod val="90000"/>
+                      </a:schemeClr>
+                    </a:solidFill>
+                  </a:tcPr>
+                </a:tc>
+                <a:extLst>
+                  <a:ext uri="{0D108BD9-81ED-4DB2-BD59-A6C34878D82A}">
+                    <a16:rowId xmlns:a16="http://schemas.microsoft.com/office/drawing/2014/main" val="3441376129"/>
+                  </a:ext>
+                </a:extLst>
+              </a:tr>
+              <a:tr h="280957">
+                <a:tc>
+                  <a:txBody>
+                    <a:bodyPr/>
+                    <a:lstStyle/>
+                    <a:p>
+                      <a:pPr marL="0" marR="0" lvl="0" indent="0" algn="ctr" defTabSz="914400" rtl="0" eaLnBrk="1" fontAlgn="auto" latinLnBrk="0" hangingPunct="1">
+                        <a:lnSpc>
+                          <a:spcPct val="100000"/>
+                        </a:lnSpc>
+                        <a:spcBef>
+                          <a:spcPts val="0"/>
+                        </a:spcBef>
+                        <a:spcAft>
+                          <a:spcPts val="0"/>
+                        </a:spcAft>
+                        <a:buClrTx/>
+                        <a:buSzTx/>
+                        <a:buFontTx/>
+                        <a:buNone/>
+                        <a:tabLst/>
+                        <a:defRPr/>
+                      </a:pPr>
+                      <a:r>
+                        <a:rPr lang="en-US" sz="1100" dirty="0">
+                          <a:solidFill>
+                            <a:schemeClr val="tx1">
+                              <a:lumMod val="50000"/>
+                              <a:lumOff val="50000"/>
+                            </a:schemeClr>
+                          </a:solidFill>
+                        </a:rPr>
+                        <a:t>6201</a:t>
+                      </a:r>
+                    </a:p>
+                  </a:txBody>
+                  <a:tcPr anchor="ctr">
+                    <a:lnT w="12700" cap="flat" cmpd="sng" algn="ctr">
+                      <a:solidFill>
+                        <a:schemeClr val="bg1">
+                          <a:lumMod val="75000"/>
+                        </a:schemeClr>
+                      </a:solidFill>
+                      <a:prstDash val="solid"/>
+                      <a:round/>
+                      <a:headEnd type="none" w="med" len="med"/>
+                      <a:tailEnd type="none" w="med" len="med"/>
+                    </a:lnT>
+                    <a:lnB w="12700" cap="flat" cmpd="sng" algn="ctr">
+                      <a:solidFill>
+                        <a:schemeClr val="bg1">
+                          <a:lumMod val="75000"/>
+                        </a:schemeClr>
+                      </a:solidFill>
+                      <a:prstDash val="solid"/>
+                      <a:round/>
+                      <a:headEnd type="none" w="med" len="med"/>
+                      <a:tailEnd type="none" w="med" len="med"/>
+                    </a:lnB>
+                  </a:tcPr>
+                </a:tc>
+                <a:tc>
+                  <a:txBody>
+                    <a:bodyPr/>
+                    <a:lstStyle/>
+                    <a:p>
+                      <a:pPr algn="ctr"/>
+                      <a:r>
+                        <a:rPr lang="en-US" sz="1100" dirty="0">
+                          <a:solidFill>
+                            <a:schemeClr val="tx1">
+                              <a:lumMod val="50000"/>
+                              <a:lumOff val="50000"/>
+                            </a:schemeClr>
+                          </a:solidFill>
+                        </a:rPr>
+                        <a:t>6</a:t>
+                      </a:r>
+                    </a:p>
+                  </a:txBody>
+                  <a:tcPr anchor="ctr">
+                    <a:lnT w="12700" cap="flat" cmpd="sng" algn="ctr">
+                      <a:solidFill>
+                        <a:schemeClr val="bg1">
+                          <a:lumMod val="75000"/>
+                        </a:schemeClr>
+                      </a:solidFill>
+                      <a:prstDash val="solid"/>
+                      <a:round/>
+                      <a:headEnd type="none" w="med" len="med"/>
+                      <a:tailEnd type="none" w="med" len="med"/>
+                    </a:lnT>
+                    <a:lnB w="12700" cap="flat" cmpd="sng" algn="ctr">
+                      <a:solidFill>
+                        <a:schemeClr val="bg1">
+                          <a:lumMod val="75000"/>
+                        </a:schemeClr>
+                      </a:solidFill>
+                      <a:prstDash val="solid"/>
+                      <a:round/>
+                      <a:headEnd type="none" w="med" len="med"/>
+                      <a:tailEnd type="none" w="med" len="med"/>
+                    </a:lnB>
+                  </a:tcPr>
+                </a:tc>
+                <a:tc>
+                  <a:txBody>
+                    <a:bodyPr/>
+                    <a:lstStyle/>
+                    <a:p>
+                      <a:pPr algn="ctr"/>
+                      <a:r>
+                        <a:rPr lang="en-US" sz="1100" dirty="0">
+                          <a:solidFill>
+                            <a:schemeClr val="tx1">
+                              <a:lumMod val="50000"/>
+                              <a:lumOff val="50000"/>
+                            </a:schemeClr>
+                          </a:solidFill>
+                        </a:rPr>
+                        <a:t>mobile</a:t>
+                      </a:r>
+                    </a:p>
+                  </a:txBody>
+                  <a:tcPr anchor="ctr">
+                    <a:lnT w="12700" cap="flat" cmpd="sng" algn="ctr">
+                      <a:solidFill>
+                        <a:schemeClr val="bg1">
+                          <a:lumMod val="75000"/>
+                        </a:schemeClr>
+                      </a:solidFill>
+                      <a:prstDash val="solid"/>
+                      <a:round/>
+                      <a:headEnd type="none" w="med" len="med"/>
+                      <a:tailEnd type="none" w="med" len="med"/>
+                    </a:lnT>
+                    <a:lnB w="12700" cap="flat" cmpd="sng" algn="ctr">
+                      <a:solidFill>
+                        <a:schemeClr val="bg1">
+                          <a:lumMod val="75000"/>
+                        </a:schemeClr>
+                      </a:solidFill>
+                      <a:prstDash val="solid"/>
+                      <a:round/>
+                      <a:headEnd type="none" w="med" len="med"/>
+                      <a:tailEnd type="none" w="med" len="med"/>
+                    </a:lnB>
+                  </a:tcPr>
+                </a:tc>
+                <a:tc>
+                  <a:txBody>
+                    <a:bodyPr/>
+                    <a:lstStyle/>
+                    <a:p>
+                      <a:pPr algn="ctr"/>
+                      <a:r>
+                        <a:rPr lang="en-US" sz="1100" dirty="0">
+                          <a:solidFill>
+                            <a:schemeClr val="tx1">
+                              <a:lumMod val="50000"/>
+                              <a:lumOff val="50000"/>
+                            </a:schemeClr>
+                          </a:solidFill>
+                        </a:rPr>
+                        <a:t>1</a:t>
+                      </a:r>
+                    </a:p>
+                  </a:txBody>
+                  <a:tcPr anchor="ctr">
+                    <a:lnT w="12700" cap="flat" cmpd="sng" algn="ctr">
+                      <a:solidFill>
+                        <a:schemeClr val="bg1">
+                          <a:lumMod val="75000"/>
+                        </a:schemeClr>
+                      </a:solidFill>
+                      <a:prstDash val="solid"/>
+                      <a:round/>
+                      <a:headEnd type="none" w="med" len="med"/>
+                      <a:tailEnd type="none" w="med" len="med"/>
+                    </a:lnT>
+                    <a:lnB w="12700" cap="flat" cmpd="sng" algn="ctr">
+                      <a:solidFill>
+                        <a:schemeClr val="bg1">
+                          <a:lumMod val="75000"/>
+                        </a:schemeClr>
+                      </a:solidFill>
+                      <a:prstDash val="solid"/>
+                      <a:round/>
+                      <a:headEnd type="none" w="med" len="med"/>
+                      <a:tailEnd type="none" w="med" len="med"/>
+                    </a:lnB>
+                  </a:tcPr>
+                </a:tc>
+                <a:tc>
+                  <a:txBody>
+                    <a:bodyPr/>
+                    <a:lstStyle/>
+                    <a:p>
+                      <a:pPr marL="0" marR="0" lvl="0" indent="0" algn="ctr" defTabSz="914400" rtl="0" eaLnBrk="1" fontAlgn="auto" latinLnBrk="0" hangingPunct="1">
+                        <a:lnSpc>
+                          <a:spcPct val="100000"/>
+                        </a:lnSpc>
+                        <a:spcBef>
+                          <a:spcPts val="0"/>
+                        </a:spcBef>
+                        <a:spcAft>
+                          <a:spcPts val="0"/>
+                        </a:spcAft>
+                        <a:buClrTx/>
+                        <a:buSzTx/>
+                        <a:buFontTx/>
+                        <a:buNone/>
+                        <a:tabLst/>
+                        <a:defRPr/>
+                      </a:pPr>
+                      <a:r>
+                        <a:rPr lang="en-US" sz="1100" dirty="0">
+                          <a:solidFill>
+                            <a:schemeClr val="tx1">
+                              <a:lumMod val="50000"/>
+                              <a:lumOff val="50000"/>
+                            </a:schemeClr>
+                          </a:solidFill>
+                        </a:rPr>
+                        <a:t>2020-2Q</a:t>
+                      </a:r>
+                    </a:p>
+                  </a:txBody>
+                  <a:tcPr anchor="ctr">
+                    <a:lnT w="12700" cap="flat" cmpd="sng" algn="ctr">
+                      <a:solidFill>
+                        <a:schemeClr val="bg1">
+                          <a:lumMod val="75000"/>
+                        </a:schemeClr>
+                      </a:solidFill>
+                      <a:prstDash val="solid"/>
+                      <a:round/>
+                      <a:headEnd type="none" w="med" len="med"/>
+                      <a:tailEnd type="none" w="med" len="med"/>
+                    </a:lnT>
+                    <a:lnB w="12700" cap="flat" cmpd="sng" algn="ctr">
+                      <a:solidFill>
+                        <a:schemeClr val="bg1">
+                          <a:lumMod val="75000"/>
+                        </a:schemeClr>
+                      </a:solidFill>
+                      <a:prstDash val="solid"/>
+                      <a:round/>
+                      <a:headEnd type="none" w="med" len="med"/>
+                      <a:tailEnd type="none" w="med" len="med"/>
+                    </a:lnB>
+                  </a:tcPr>
+                </a:tc>
+                <a:tc>
+                  <a:txBody>
+                    <a:bodyPr/>
+                    <a:lstStyle/>
+                    <a:p>
+                      <a:pPr marL="0" marR="0" lvl="0" indent="0" algn="ctr" defTabSz="914400" rtl="0" eaLnBrk="1" fontAlgn="auto" latinLnBrk="0" hangingPunct="1">
+                        <a:lnSpc>
+                          <a:spcPct val="100000"/>
+                        </a:lnSpc>
+                        <a:spcBef>
+                          <a:spcPts val="0"/>
+                        </a:spcBef>
+                        <a:spcAft>
+                          <a:spcPts val="0"/>
+                        </a:spcAft>
+                        <a:buClrTx/>
+                        <a:buSzTx/>
+                        <a:buFontTx/>
+                        <a:buNone/>
+                        <a:tabLst/>
+                        <a:defRPr/>
+                      </a:pPr>
+                      <a:r>
+                        <a:rPr lang="en-US" sz="1100" dirty="0">
+                          <a:solidFill>
+                            <a:schemeClr val="tx1">
+                              <a:lumMod val="50000"/>
+                              <a:lumOff val="50000"/>
+                            </a:schemeClr>
+                          </a:solidFill>
+                        </a:rPr>
+                        <a:t>...</a:t>
+                      </a:r>
+                    </a:p>
+                  </a:txBody>
+                  <a:tcPr anchor="ctr">
+                    <a:lnT w="12700" cap="flat" cmpd="sng" algn="ctr">
+                      <a:solidFill>
+                        <a:schemeClr val="bg1">
+                          <a:lumMod val="75000"/>
+                        </a:schemeClr>
+                      </a:solidFill>
+                      <a:prstDash val="solid"/>
+                      <a:round/>
+                      <a:headEnd type="none" w="med" len="med"/>
+                      <a:tailEnd type="none" w="med" len="med"/>
+                    </a:lnT>
+                    <a:lnB w="12700" cap="flat" cmpd="sng" algn="ctr">
+                      <a:solidFill>
+                        <a:schemeClr val="bg1">
+                          <a:lumMod val="75000"/>
+                        </a:schemeClr>
+                      </a:solidFill>
+                      <a:prstDash val="solid"/>
+                      <a:round/>
+                      <a:headEnd type="none" w="med" len="med"/>
+                      <a:tailEnd type="none" w="med" len="med"/>
+                    </a:lnB>
+                  </a:tcPr>
+                </a:tc>
+                <a:tc>
+                  <a:txBody>
+                    <a:bodyPr/>
+                    <a:lstStyle/>
+                    <a:p>
+                      <a:pPr algn="ctr"/>
+                      <a:r>
+                        <a:rPr lang="en-US" sz="1100" dirty="0">
+                          <a:solidFill>
+                            <a:schemeClr val="tx1">
+                              <a:lumMod val="50000"/>
+                              <a:lumOff val="50000"/>
+                            </a:schemeClr>
+                          </a:solidFill>
+                        </a:rPr>
+                        <a:t>31</a:t>
+                      </a:r>
+                    </a:p>
+                  </a:txBody>
+                  <a:tcPr anchor="ctr">
+                    <a:lnT w="12700" cap="flat" cmpd="sng" algn="ctr">
+                      <a:solidFill>
+                        <a:schemeClr val="bg1">
+                          <a:lumMod val="75000"/>
+                        </a:schemeClr>
+                      </a:solidFill>
+                      <a:prstDash val="solid"/>
+                      <a:round/>
+                      <a:headEnd type="none" w="med" len="med"/>
+                      <a:tailEnd type="none" w="med" len="med"/>
+                    </a:lnT>
+                    <a:lnB w="12700" cap="flat" cmpd="sng" algn="ctr">
+                      <a:solidFill>
+                        <a:schemeClr val="bg1">
+                          <a:lumMod val="75000"/>
+                        </a:schemeClr>
+                      </a:solidFill>
+                      <a:prstDash val="solid"/>
+                      <a:round/>
+                      <a:headEnd type="none" w="med" len="med"/>
+                      <a:tailEnd type="none" w="med" len="med"/>
+                    </a:lnB>
+                  </a:tcPr>
+                </a:tc>
+                <a:extLst>
+                  <a:ext uri="{0D108BD9-81ED-4DB2-BD59-A6C34878D82A}">
+                    <a16:rowId xmlns:a16="http://schemas.microsoft.com/office/drawing/2014/main" val="3370675143"/>
+                  </a:ext>
+                </a:extLst>
+              </a:tr>
+              <a:tr h="280957">
+                <a:tc>
+                  <a:txBody>
+                    <a:bodyPr/>
+                    <a:lstStyle/>
+                    <a:p>
+                      <a:pPr marL="0" marR="0" lvl="0" indent="0" algn="ctr" defTabSz="914400" rtl="0" eaLnBrk="1" fontAlgn="auto" latinLnBrk="0" hangingPunct="1">
+                        <a:lnSpc>
+                          <a:spcPct val="100000"/>
+                        </a:lnSpc>
+                        <a:spcBef>
+                          <a:spcPts val="0"/>
+                        </a:spcBef>
+                        <a:spcAft>
+                          <a:spcPts val="0"/>
+                        </a:spcAft>
+                        <a:buClrTx/>
+                        <a:buSzTx/>
+                        <a:buFontTx/>
+                        <a:buNone/>
+                        <a:tabLst/>
+                        <a:defRPr/>
+                      </a:pPr>
+                      <a:r>
+                        <a:rPr lang="en-US" sz="1100" dirty="0">
+                          <a:solidFill>
+                            <a:schemeClr val="tx1">
+                              <a:lumMod val="50000"/>
+                              <a:lumOff val="50000"/>
+                            </a:schemeClr>
+                          </a:solidFill>
+                        </a:rPr>
+                        <a:t>6202</a:t>
+                      </a:r>
+                    </a:p>
+                  </a:txBody>
+                  <a:tcPr anchor="ctr">
+                    <a:lnT w="12700" cap="flat" cmpd="sng" algn="ctr">
+                      <a:solidFill>
+                        <a:schemeClr val="bg1">
+                          <a:lumMod val="75000"/>
+                        </a:schemeClr>
+                      </a:solidFill>
+                      <a:prstDash val="solid"/>
+                      <a:round/>
+                      <a:headEnd type="none" w="med" len="med"/>
+                      <a:tailEnd type="none" w="med" len="med"/>
+                    </a:lnT>
+                    <a:lnB w="12700" cap="flat" cmpd="sng" algn="ctr">
+                      <a:solidFill>
+                        <a:schemeClr val="bg1">
+                          <a:lumMod val="75000"/>
+                        </a:schemeClr>
+                      </a:solidFill>
+                      <a:prstDash val="solid"/>
+                      <a:round/>
+                      <a:headEnd type="none" w="med" len="med"/>
+                      <a:tailEnd type="none" w="med" len="med"/>
+                    </a:lnB>
+                  </a:tcPr>
+                </a:tc>
+                <a:tc>
+                  <a:txBody>
+                    <a:bodyPr/>
+                    <a:lstStyle/>
+                    <a:p>
+                      <a:pPr marL="0" marR="0" lvl="0" indent="0" algn="ctr" defTabSz="914400" rtl="0" eaLnBrk="1" fontAlgn="auto" latinLnBrk="0" hangingPunct="1">
+                        <a:lnSpc>
+                          <a:spcPct val="100000"/>
+                        </a:lnSpc>
+                        <a:spcBef>
+                          <a:spcPts val="0"/>
+                        </a:spcBef>
+                        <a:spcAft>
+                          <a:spcPts val="0"/>
+                        </a:spcAft>
+                        <a:buClrTx/>
+                        <a:buSzTx/>
+                        <a:buFontTx/>
+                        <a:buNone/>
+                        <a:tabLst/>
+                        <a:defRPr/>
+                      </a:pPr>
+                      <a:r>
+                        <a:rPr lang="en-US" sz="1100" dirty="0">
+                          <a:solidFill>
+                            <a:schemeClr val="tx1">
+                              <a:lumMod val="50000"/>
+                              <a:lumOff val="50000"/>
+                            </a:schemeClr>
+                          </a:solidFill>
+                        </a:rPr>
+                        <a:t>6</a:t>
+                      </a:r>
+                    </a:p>
+                  </a:txBody>
+                  <a:tcPr anchor="ctr">
+                    <a:lnT w="12700" cap="flat" cmpd="sng" algn="ctr">
+                      <a:solidFill>
+                        <a:schemeClr val="bg1">
+                          <a:lumMod val="75000"/>
+                        </a:schemeClr>
+                      </a:solidFill>
+                      <a:prstDash val="solid"/>
+                      <a:round/>
+                      <a:headEnd type="none" w="med" len="med"/>
+                      <a:tailEnd type="none" w="med" len="med"/>
+                    </a:lnT>
+                    <a:lnB w="12700" cap="flat" cmpd="sng" algn="ctr">
+                      <a:solidFill>
+                        <a:schemeClr val="bg1">
+                          <a:lumMod val="75000"/>
+                        </a:schemeClr>
+                      </a:solidFill>
+                      <a:prstDash val="solid"/>
+                      <a:round/>
+                      <a:headEnd type="none" w="med" len="med"/>
+                      <a:tailEnd type="none" w="med" len="med"/>
+                    </a:lnB>
+                  </a:tcPr>
+                </a:tc>
+                <a:tc>
+                  <a:txBody>
+                    <a:bodyPr/>
+                    <a:lstStyle/>
+                    <a:p>
+                      <a:pPr marL="0" marR="0" lvl="0" indent="0" algn="ctr" defTabSz="914400" rtl="0" eaLnBrk="1" fontAlgn="auto" latinLnBrk="0" hangingPunct="1">
+                        <a:lnSpc>
+                          <a:spcPct val="100000"/>
+                        </a:lnSpc>
+                        <a:spcBef>
+                          <a:spcPts val="0"/>
+                        </a:spcBef>
+                        <a:spcAft>
+                          <a:spcPts val="0"/>
+                        </a:spcAft>
+                        <a:buClrTx/>
+                        <a:buSzTx/>
+                        <a:buFontTx/>
+                        <a:buNone/>
+                        <a:tabLst/>
+                        <a:defRPr/>
+                      </a:pPr>
+                      <a:r>
+                        <a:rPr lang="en-US" sz="1100" dirty="0">
+                          <a:solidFill>
+                            <a:schemeClr val="tx1">
+                              <a:lumMod val="50000"/>
+                              <a:lumOff val="50000"/>
+                            </a:schemeClr>
+                          </a:solidFill>
+                        </a:rPr>
+                        <a:t>mobile</a:t>
+                      </a:r>
+                    </a:p>
+                  </a:txBody>
+                  <a:tcPr anchor="ctr">
+                    <a:lnT w="12700" cap="flat" cmpd="sng" algn="ctr">
+                      <a:solidFill>
+                        <a:schemeClr val="bg1">
+                          <a:lumMod val="75000"/>
+                        </a:schemeClr>
+                      </a:solidFill>
+                      <a:prstDash val="solid"/>
+                      <a:round/>
+                      <a:headEnd type="none" w="med" len="med"/>
+                      <a:tailEnd type="none" w="med" len="med"/>
+                    </a:lnT>
+                    <a:lnB w="12700" cap="flat" cmpd="sng" algn="ctr">
+                      <a:solidFill>
+                        <a:schemeClr val="bg1">
+                          <a:lumMod val="75000"/>
+                        </a:schemeClr>
+                      </a:solidFill>
+                      <a:prstDash val="solid"/>
+                      <a:round/>
+                      <a:headEnd type="none" w="med" len="med"/>
+                      <a:tailEnd type="none" w="med" len="med"/>
+                    </a:lnB>
+                  </a:tcPr>
+                </a:tc>
+                <a:tc>
+                  <a:txBody>
+                    <a:bodyPr/>
+                    <a:lstStyle/>
+                    <a:p>
+                      <a:pPr marL="0" marR="0" lvl="0" indent="0" algn="ctr" defTabSz="914400" rtl="0" eaLnBrk="1" fontAlgn="auto" latinLnBrk="0" hangingPunct="1">
+                        <a:lnSpc>
+                          <a:spcPct val="100000"/>
+                        </a:lnSpc>
+                        <a:spcBef>
+                          <a:spcPts val="0"/>
+                        </a:spcBef>
+                        <a:spcAft>
+                          <a:spcPts val="0"/>
+                        </a:spcAft>
+                        <a:buClrTx/>
+                        <a:buSzTx/>
+                        <a:buFontTx/>
+                        <a:buNone/>
+                        <a:tabLst/>
+                        <a:defRPr/>
+                      </a:pPr>
+                      <a:r>
+                        <a:rPr lang="en-US" sz="1100" dirty="0">
+                          <a:solidFill>
+                            <a:schemeClr val="tx1">
+                              <a:lumMod val="50000"/>
+                              <a:lumOff val="50000"/>
+                            </a:schemeClr>
+                          </a:solidFill>
+                        </a:rPr>
+                        <a:t>1</a:t>
+                      </a:r>
+                    </a:p>
+                  </a:txBody>
+                  <a:tcPr anchor="ctr">
+                    <a:lnT w="12700" cap="flat" cmpd="sng" algn="ctr">
+                      <a:solidFill>
+                        <a:schemeClr val="bg1">
+                          <a:lumMod val="75000"/>
+                        </a:schemeClr>
+                      </a:solidFill>
+                      <a:prstDash val="solid"/>
+                      <a:round/>
+                      <a:headEnd type="none" w="med" len="med"/>
+                      <a:tailEnd type="none" w="med" len="med"/>
+                    </a:lnT>
+                    <a:lnB w="12700" cap="flat" cmpd="sng" algn="ctr">
+                      <a:solidFill>
+                        <a:schemeClr val="bg1">
+                          <a:lumMod val="75000"/>
+                        </a:schemeClr>
+                      </a:solidFill>
+                      <a:prstDash val="solid"/>
+                      <a:round/>
+                      <a:headEnd type="none" w="med" len="med"/>
+                      <a:tailEnd type="none" w="med" len="med"/>
+                    </a:lnB>
+                  </a:tcPr>
+                </a:tc>
+                <a:tc>
+                  <a:txBody>
+                    <a:bodyPr/>
+                    <a:lstStyle/>
+                    <a:p>
+                      <a:pPr marL="0" marR="0" lvl="0" indent="0" algn="ctr" defTabSz="914400" rtl="0" eaLnBrk="1" fontAlgn="auto" latinLnBrk="0" hangingPunct="1">
+                        <a:lnSpc>
+                          <a:spcPct val="100000"/>
+                        </a:lnSpc>
+                        <a:spcBef>
+                          <a:spcPts val="0"/>
+                        </a:spcBef>
+                        <a:spcAft>
+                          <a:spcPts val="0"/>
+                        </a:spcAft>
+                        <a:buClrTx/>
+                        <a:buSzTx/>
+                        <a:buFontTx/>
+                        <a:buNone/>
+                        <a:tabLst/>
+                        <a:defRPr/>
+                      </a:pPr>
+                      <a:r>
+                        <a:rPr lang="en-US" sz="1100" dirty="0">
+                          <a:solidFill>
+                            <a:schemeClr val="tx1">
+                              <a:lumMod val="50000"/>
+                              <a:lumOff val="50000"/>
+                            </a:schemeClr>
+                          </a:solidFill>
+                        </a:rPr>
+                        <a:t>2020-2Q</a:t>
+                      </a:r>
+                    </a:p>
+                  </a:txBody>
+                  <a:tcPr anchor="ctr">
+                    <a:lnT w="12700" cap="flat" cmpd="sng" algn="ctr">
+                      <a:solidFill>
+                        <a:schemeClr val="bg1">
+                          <a:lumMod val="75000"/>
+                        </a:schemeClr>
+                      </a:solidFill>
+                      <a:prstDash val="solid"/>
+                      <a:round/>
+                      <a:headEnd type="none" w="med" len="med"/>
+                      <a:tailEnd type="none" w="med" len="med"/>
+                    </a:lnT>
+                    <a:lnB w="12700" cap="flat" cmpd="sng" algn="ctr">
+                      <a:solidFill>
+                        <a:schemeClr val="bg1">
+                          <a:lumMod val="75000"/>
+                        </a:schemeClr>
+                      </a:solidFill>
+                      <a:prstDash val="solid"/>
+                      <a:round/>
+                      <a:headEnd type="none" w="med" len="med"/>
+                      <a:tailEnd type="none" w="med" len="med"/>
+                    </a:lnB>
+                  </a:tcPr>
+                </a:tc>
+                <a:tc>
+                  <a:txBody>
+                    <a:bodyPr/>
+                    <a:lstStyle/>
+                    <a:p>
+                      <a:pPr marL="0" marR="0" lvl="0" indent="0" algn="ctr" defTabSz="914400" rtl="0" eaLnBrk="1" fontAlgn="auto" latinLnBrk="0" hangingPunct="1">
+                        <a:lnSpc>
+                          <a:spcPct val="100000"/>
+                        </a:lnSpc>
+                        <a:spcBef>
+                          <a:spcPts val="0"/>
+                        </a:spcBef>
+                        <a:spcAft>
+                          <a:spcPts val="0"/>
+                        </a:spcAft>
+                        <a:buClrTx/>
+                        <a:buSzTx/>
+                        <a:buFontTx/>
+                        <a:buNone/>
+                        <a:tabLst/>
+                        <a:defRPr/>
+                      </a:pPr>
+                      <a:r>
+                        <a:rPr lang="en-US" sz="1100" dirty="0">
+                          <a:solidFill>
+                            <a:schemeClr val="tx1">
+                              <a:lumMod val="50000"/>
+                              <a:lumOff val="50000"/>
+                            </a:schemeClr>
+                          </a:solidFill>
+                        </a:rPr>
+                        <a:t>...</a:t>
+                      </a:r>
+                    </a:p>
+                  </a:txBody>
+                  <a:tcPr anchor="ctr">
+                    <a:lnT w="12700" cap="flat" cmpd="sng" algn="ctr">
+                      <a:solidFill>
+                        <a:schemeClr val="bg1">
+                          <a:lumMod val="75000"/>
+                        </a:schemeClr>
+                      </a:solidFill>
+                      <a:prstDash val="solid"/>
+                      <a:round/>
+                      <a:headEnd type="none" w="med" len="med"/>
+                      <a:tailEnd type="none" w="med" len="med"/>
+                    </a:lnT>
+                    <a:lnB w="12700" cap="flat" cmpd="sng" algn="ctr">
+                      <a:solidFill>
+                        <a:schemeClr val="bg1">
+                          <a:lumMod val="75000"/>
+                        </a:schemeClr>
+                      </a:solidFill>
+                      <a:prstDash val="solid"/>
+                      <a:round/>
+                      <a:headEnd type="none" w="med" len="med"/>
+                      <a:tailEnd type="none" w="med" len="med"/>
+                    </a:lnB>
+                  </a:tcPr>
+                </a:tc>
+                <a:tc>
+                  <a:txBody>
+                    <a:bodyPr/>
+                    <a:lstStyle/>
+                    <a:p>
+                      <a:pPr algn="ctr"/>
+                      <a:r>
+                        <a:rPr lang="en-US" sz="1100" dirty="0">
+                          <a:solidFill>
+                            <a:schemeClr val="tx1">
+                              <a:lumMod val="50000"/>
+                              <a:lumOff val="50000"/>
+                            </a:schemeClr>
+                          </a:solidFill>
+                        </a:rPr>
+                        <a:t>53</a:t>
+                      </a:r>
+                    </a:p>
+                  </a:txBody>
+                  <a:tcPr anchor="ctr">
+                    <a:lnT w="12700" cap="flat" cmpd="sng" algn="ctr">
+                      <a:solidFill>
+                        <a:schemeClr val="bg1">
+                          <a:lumMod val="75000"/>
+                        </a:schemeClr>
+                      </a:solidFill>
+                      <a:prstDash val="solid"/>
+                      <a:round/>
+                      <a:headEnd type="none" w="med" len="med"/>
+                      <a:tailEnd type="none" w="med" len="med"/>
+                    </a:lnT>
+                    <a:lnB w="12700" cap="flat" cmpd="sng" algn="ctr">
+                      <a:solidFill>
+                        <a:schemeClr val="bg1">
+                          <a:lumMod val="75000"/>
+                        </a:schemeClr>
+                      </a:solidFill>
+                      <a:prstDash val="solid"/>
+                      <a:round/>
+                      <a:headEnd type="none" w="med" len="med"/>
+                      <a:tailEnd type="none" w="med" len="med"/>
+                    </a:lnB>
+                  </a:tcPr>
+                </a:tc>
+                <a:extLst>
+                  <a:ext uri="{0D108BD9-81ED-4DB2-BD59-A6C34878D82A}">
+                    <a16:rowId xmlns:a16="http://schemas.microsoft.com/office/drawing/2014/main" val="3261103860"/>
+                  </a:ext>
+                </a:extLst>
+              </a:tr>
+              <a:tr h="280957">
+                <a:tc>
+                  <a:txBody>
+                    <a:bodyPr/>
+                    <a:lstStyle/>
+                    <a:p>
+                      <a:pPr marL="0" marR="0" lvl="0" indent="0" algn="ctr" defTabSz="914400" rtl="0" eaLnBrk="1" fontAlgn="auto" latinLnBrk="0" hangingPunct="1">
+                        <a:lnSpc>
+                          <a:spcPct val="100000"/>
+                        </a:lnSpc>
+                        <a:spcBef>
+                          <a:spcPts val="0"/>
+                        </a:spcBef>
+                        <a:spcAft>
+                          <a:spcPts val="0"/>
+                        </a:spcAft>
+                        <a:buClrTx/>
+                        <a:buSzTx/>
+                        <a:buFontTx/>
+                        <a:buNone/>
+                        <a:tabLst/>
+                        <a:defRPr/>
+                      </a:pPr>
+                      <a:r>
+                        <a:rPr lang="en-US" sz="1100" dirty="0">
+                          <a:solidFill>
+                            <a:schemeClr val="tx1">
+                              <a:lumMod val="50000"/>
+                              <a:lumOff val="50000"/>
+                            </a:schemeClr>
+                          </a:solidFill>
+                        </a:rPr>
+                        <a:t>6205</a:t>
+                      </a:r>
+                    </a:p>
+                  </a:txBody>
+                  <a:tcPr anchor="ctr">
+                    <a:lnT w="12700" cap="flat" cmpd="sng" algn="ctr">
+                      <a:solidFill>
+                        <a:schemeClr val="bg1">
+                          <a:lumMod val="75000"/>
+                        </a:schemeClr>
+                      </a:solidFill>
+                      <a:prstDash val="solid"/>
+                      <a:round/>
+                      <a:headEnd type="none" w="med" len="med"/>
+                      <a:tailEnd type="none" w="med" len="med"/>
+                    </a:lnT>
+                    <a:lnB w="12700" cap="flat" cmpd="sng" algn="ctr">
+                      <a:solidFill>
+                        <a:schemeClr val="bg1">
+                          <a:lumMod val="75000"/>
+                        </a:schemeClr>
+                      </a:solidFill>
+                      <a:prstDash val="solid"/>
+                      <a:round/>
+                      <a:headEnd type="none" w="med" len="med"/>
+                      <a:tailEnd type="none" w="med" len="med"/>
+                    </a:lnB>
+                  </a:tcPr>
+                </a:tc>
+                <a:tc>
+                  <a:txBody>
+                    <a:bodyPr/>
+                    <a:lstStyle/>
+                    <a:p>
+                      <a:pPr algn="ctr"/>
+                      <a:r>
+                        <a:rPr lang="en-US" sz="1100" dirty="0">
+                          <a:solidFill>
+                            <a:schemeClr val="tx1">
+                              <a:lumMod val="50000"/>
+                              <a:lumOff val="50000"/>
+                            </a:schemeClr>
+                          </a:solidFill>
+                        </a:rPr>
+                        <a:t>6</a:t>
+                      </a:r>
+                    </a:p>
+                  </a:txBody>
+                  <a:tcPr anchor="ctr">
+                    <a:lnT w="12700" cap="flat" cmpd="sng" algn="ctr">
+                      <a:solidFill>
+                        <a:schemeClr val="bg1">
+                          <a:lumMod val="75000"/>
+                        </a:schemeClr>
+                      </a:solidFill>
+                      <a:prstDash val="solid"/>
+                      <a:round/>
+                      <a:headEnd type="none" w="med" len="med"/>
+                      <a:tailEnd type="none" w="med" len="med"/>
+                    </a:lnT>
+                    <a:lnB w="12700" cap="flat" cmpd="sng" algn="ctr">
+                      <a:solidFill>
+                        <a:schemeClr val="bg1">
+                          <a:lumMod val="75000"/>
+                        </a:schemeClr>
+                      </a:solidFill>
+                      <a:prstDash val="solid"/>
+                      <a:round/>
+                      <a:headEnd type="none" w="med" len="med"/>
+                      <a:tailEnd type="none" w="med" len="med"/>
+                    </a:lnB>
+                  </a:tcPr>
+                </a:tc>
+                <a:tc>
+                  <a:txBody>
+                    <a:bodyPr/>
+                    <a:lstStyle/>
+                    <a:p>
+                      <a:pPr algn="ctr"/>
+                      <a:r>
+                        <a:rPr lang="en-US" sz="1100" dirty="0">
+                          <a:solidFill>
+                            <a:schemeClr val="tx1">
+                              <a:lumMod val="50000"/>
+                              <a:lumOff val="50000"/>
+                            </a:schemeClr>
+                          </a:solidFill>
+                        </a:rPr>
+                        <a:t>mobile</a:t>
+                      </a:r>
+                    </a:p>
+                  </a:txBody>
+                  <a:tcPr anchor="ctr">
+                    <a:lnT w="12700" cap="flat" cmpd="sng" algn="ctr">
+                      <a:solidFill>
+                        <a:schemeClr val="bg1">
+                          <a:lumMod val="75000"/>
+                        </a:schemeClr>
+                      </a:solidFill>
+                      <a:prstDash val="solid"/>
+                      <a:round/>
+                      <a:headEnd type="none" w="med" len="med"/>
+                      <a:tailEnd type="none" w="med" len="med"/>
+                    </a:lnT>
+                    <a:lnB w="12700" cap="flat" cmpd="sng" algn="ctr">
+                      <a:solidFill>
+                        <a:schemeClr val="bg1">
+                          <a:lumMod val="75000"/>
+                        </a:schemeClr>
+                      </a:solidFill>
+                      <a:prstDash val="solid"/>
+                      <a:round/>
+                      <a:headEnd type="none" w="med" len="med"/>
+                      <a:tailEnd type="none" w="med" len="med"/>
+                    </a:lnB>
+                  </a:tcPr>
+                </a:tc>
+                <a:tc>
+                  <a:txBody>
+                    <a:bodyPr/>
+                    <a:lstStyle/>
+                    <a:p>
+                      <a:pPr algn="ctr"/>
+                      <a:r>
+                        <a:rPr lang="en-US" sz="1100" dirty="0">
+                          <a:solidFill>
+                            <a:schemeClr val="tx1">
+                              <a:lumMod val="50000"/>
+                              <a:lumOff val="50000"/>
+                            </a:schemeClr>
+                          </a:solidFill>
+                        </a:rPr>
+                        <a:t>1</a:t>
+                      </a:r>
+                    </a:p>
+                  </a:txBody>
+                  <a:tcPr anchor="ctr">
+                    <a:lnT w="12700" cap="flat" cmpd="sng" algn="ctr">
+                      <a:solidFill>
+                        <a:schemeClr val="bg1">
+                          <a:lumMod val="75000"/>
+                        </a:schemeClr>
+                      </a:solidFill>
+                      <a:prstDash val="solid"/>
+                      <a:round/>
+                      <a:headEnd type="none" w="med" len="med"/>
+                      <a:tailEnd type="none" w="med" len="med"/>
+                    </a:lnT>
+                    <a:lnB w="12700" cap="flat" cmpd="sng" algn="ctr">
+                      <a:solidFill>
+                        <a:schemeClr val="bg1">
+                          <a:lumMod val="75000"/>
+                        </a:schemeClr>
+                      </a:solidFill>
+                      <a:prstDash val="solid"/>
+                      <a:round/>
+                      <a:headEnd type="none" w="med" len="med"/>
+                      <a:tailEnd type="none" w="med" len="med"/>
+                    </a:lnB>
+                  </a:tcPr>
+                </a:tc>
+                <a:tc>
+                  <a:txBody>
+                    <a:bodyPr/>
+                    <a:lstStyle/>
+                    <a:p>
+                      <a:pPr marL="0" marR="0" lvl="0" indent="0" algn="ctr" defTabSz="914400" rtl="0" eaLnBrk="1" fontAlgn="auto" latinLnBrk="0" hangingPunct="1">
+                        <a:lnSpc>
+                          <a:spcPct val="100000"/>
+                        </a:lnSpc>
+                        <a:spcBef>
+                          <a:spcPts val="0"/>
+                        </a:spcBef>
+                        <a:spcAft>
+                          <a:spcPts val="0"/>
+                        </a:spcAft>
+                        <a:buClrTx/>
+                        <a:buSzTx/>
+                        <a:buFontTx/>
+                        <a:buNone/>
+                        <a:tabLst/>
+                        <a:defRPr/>
+                      </a:pPr>
+                      <a:r>
+                        <a:rPr lang="en-US" sz="1100" dirty="0">
+                          <a:solidFill>
+                            <a:schemeClr val="tx1">
+                              <a:lumMod val="50000"/>
+                              <a:lumOff val="50000"/>
+                            </a:schemeClr>
+                          </a:solidFill>
+                        </a:rPr>
+                        <a:t>2020-2Q</a:t>
+                      </a:r>
+                    </a:p>
+                  </a:txBody>
+                  <a:tcPr anchor="ctr">
+                    <a:lnT w="12700" cap="flat" cmpd="sng" algn="ctr">
+                      <a:solidFill>
+                        <a:schemeClr val="bg1">
+                          <a:lumMod val="75000"/>
+                        </a:schemeClr>
+                      </a:solidFill>
+                      <a:prstDash val="solid"/>
+                      <a:round/>
+                      <a:headEnd type="none" w="med" len="med"/>
+                      <a:tailEnd type="none" w="med" len="med"/>
+                    </a:lnT>
+                    <a:lnB w="12700" cap="flat" cmpd="sng" algn="ctr">
+                      <a:solidFill>
+                        <a:schemeClr val="bg1">
+                          <a:lumMod val="75000"/>
+                        </a:schemeClr>
+                      </a:solidFill>
+                      <a:prstDash val="solid"/>
+                      <a:round/>
+                      <a:headEnd type="none" w="med" len="med"/>
+                      <a:tailEnd type="none" w="med" len="med"/>
+                    </a:lnB>
+                  </a:tcPr>
+                </a:tc>
+                <a:tc>
+                  <a:txBody>
+                    <a:bodyPr/>
+                    <a:lstStyle/>
+                    <a:p>
+                      <a:pPr marL="0" marR="0" lvl="0" indent="0" algn="ctr" defTabSz="914400" rtl="0" eaLnBrk="1" fontAlgn="auto" latinLnBrk="0" hangingPunct="1">
+                        <a:lnSpc>
+                          <a:spcPct val="100000"/>
+                        </a:lnSpc>
+                        <a:spcBef>
+                          <a:spcPts val="0"/>
+                        </a:spcBef>
+                        <a:spcAft>
+                          <a:spcPts val="0"/>
+                        </a:spcAft>
+                        <a:buClrTx/>
+                        <a:buSzTx/>
+                        <a:buFontTx/>
+                        <a:buNone/>
+                        <a:tabLst/>
+                        <a:defRPr/>
+                      </a:pPr>
+                      <a:r>
+                        <a:rPr lang="en-US" sz="1100" dirty="0">
+                          <a:solidFill>
+                            <a:schemeClr val="tx1">
+                              <a:lumMod val="50000"/>
+                              <a:lumOff val="50000"/>
+                            </a:schemeClr>
+                          </a:solidFill>
+                        </a:rPr>
+                        <a:t>...</a:t>
+                      </a:r>
+                    </a:p>
+                  </a:txBody>
+                  <a:tcPr anchor="ctr">
+                    <a:lnT w="12700" cap="flat" cmpd="sng" algn="ctr">
+                      <a:solidFill>
+                        <a:schemeClr val="bg1">
+                          <a:lumMod val="75000"/>
+                        </a:schemeClr>
+                      </a:solidFill>
+                      <a:prstDash val="solid"/>
+                      <a:round/>
+                      <a:headEnd type="none" w="med" len="med"/>
+                      <a:tailEnd type="none" w="med" len="med"/>
+                    </a:lnT>
+                    <a:lnB w="12700" cap="flat" cmpd="sng" algn="ctr">
+                      <a:solidFill>
+                        <a:schemeClr val="bg1">
+                          <a:lumMod val="75000"/>
+                        </a:schemeClr>
+                      </a:solidFill>
+                      <a:prstDash val="solid"/>
+                      <a:round/>
+                      <a:headEnd type="none" w="med" len="med"/>
+                      <a:tailEnd type="none" w="med" len="med"/>
+                    </a:lnB>
+                  </a:tcPr>
+                </a:tc>
+                <a:tc>
+                  <a:txBody>
+                    <a:bodyPr/>
+                    <a:lstStyle/>
+                    <a:p>
+                      <a:pPr algn="ctr"/>
+                      <a:r>
+                        <a:rPr lang="en-US" sz="1100" dirty="0">
+                          <a:solidFill>
+                            <a:schemeClr val="tx1">
+                              <a:lumMod val="50000"/>
+                              <a:lumOff val="50000"/>
+                            </a:schemeClr>
+                          </a:solidFill>
+                        </a:rPr>
+                        <a:t>30</a:t>
+                      </a:r>
+                    </a:p>
+                  </a:txBody>
+                  <a:tcPr anchor="ctr">
+                    <a:lnT w="12700" cap="flat" cmpd="sng" algn="ctr">
+                      <a:solidFill>
+                        <a:schemeClr val="bg1">
+                          <a:lumMod val="75000"/>
+                        </a:schemeClr>
+                      </a:solidFill>
+                      <a:prstDash val="solid"/>
+                      <a:round/>
+                      <a:headEnd type="none" w="med" len="med"/>
+                      <a:tailEnd type="none" w="med" len="med"/>
+                    </a:lnT>
+                    <a:lnB w="12700" cap="flat" cmpd="sng" algn="ctr">
+                      <a:solidFill>
+                        <a:schemeClr val="bg1">
+                          <a:lumMod val="75000"/>
+                        </a:schemeClr>
+                      </a:solidFill>
+                      <a:prstDash val="solid"/>
+                      <a:round/>
+                      <a:headEnd type="none" w="med" len="med"/>
+                      <a:tailEnd type="none" w="med" len="med"/>
+                    </a:lnB>
+                  </a:tcPr>
+                </a:tc>
+                <a:extLst>
+                  <a:ext uri="{0D108BD9-81ED-4DB2-BD59-A6C34878D82A}">
+                    <a16:rowId xmlns:a16="http://schemas.microsoft.com/office/drawing/2014/main" val="4132272036"/>
+                  </a:ext>
+                </a:extLst>
+              </a:tr>
+              <a:tr h="280957">
+                <a:tc>
+                  <a:txBody>
+                    <a:bodyPr/>
+                    <a:lstStyle/>
+                    <a:p>
+                      <a:pPr marL="0" marR="0" lvl="0" indent="0" algn="ctr" defTabSz="914400" rtl="0" eaLnBrk="1" fontAlgn="auto" latinLnBrk="0" hangingPunct="1">
+                        <a:lnSpc>
+                          <a:spcPct val="100000"/>
+                        </a:lnSpc>
+                        <a:spcBef>
+                          <a:spcPts val="0"/>
+                        </a:spcBef>
+                        <a:spcAft>
+                          <a:spcPts val="0"/>
+                        </a:spcAft>
+                        <a:buClrTx/>
+                        <a:buSzTx/>
+                        <a:buFontTx/>
+                        <a:buNone/>
+                        <a:tabLst/>
+                        <a:defRPr/>
+                      </a:pPr>
+                      <a:r>
+                        <a:rPr lang="en-US" sz="1100" dirty="0">
+                          <a:solidFill>
+                            <a:schemeClr val="tx1">
+                              <a:lumMod val="50000"/>
+                              <a:lumOff val="50000"/>
+                            </a:schemeClr>
+                          </a:solidFill>
+                        </a:rPr>
+                        <a:t>6106</a:t>
+                      </a:r>
+                    </a:p>
+                  </a:txBody>
+                  <a:tcPr anchor="ctr">
+                    <a:lnT w="12700" cap="flat" cmpd="sng" algn="ctr">
+                      <a:solidFill>
+                        <a:schemeClr val="bg1">
+                          <a:lumMod val="75000"/>
+                        </a:schemeClr>
+                      </a:solidFill>
+                      <a:prstDash val="solid"/>
+                      <a:round/>
+                      <a:headEnd type="none" w="med" len="med"/>
+                      <a:tailEnd type="none" w="med" len="med"/>
+                    </a:lnT>
+                    <a:lnB w="12700" cap="flat" cmpd="sng" algn="ctr">
+                      <a:solidFill>
+                        <a:schemeClr val="bg1">
+                          <a:lumMod val="75000"/>
+                        </a:schemeClr>
+                      </a:solidFill>
+                      <a:prstDash val="solid"/>
+                      <a:round/>
+                      <a:headEnd type="none" w="med" len="med"/>
+                      <a:tailEnd type="none" w="med" len="med"/>
+                    </a:lnB>
+                  </a:tcPr>
+                </a:tc>
+                <a:tc>
+                  <a:txBody>
+                    <a:bodyPr/>
+                    <a:lstStyle/>
+                    <a:p>
+                      <a:pPr algn="ctr"/>
+                      <a:r>
+                        <a:rPr lang="en-US" sz="1100" dirty="0">
+                          <a:solidFill>
+                            <a:schemeClr val="tx1">
+                              <a:lumMod val="50000"/>
+                              <a:lumOff val="50000"/>
+                            </a:schemeClr>
+                          </a:solidFill>
+                        </a:rPr>
+                        <a:t>6</a:t>
+                      </a:r>
+                    </a:p>
+                  </a:txBody>
+                  <a:tcPr anchor="ctr">
+                    <a:lnT w="12700" cap="flat" cmpd="sng" algn="ctr">
+                      <a:solidFill>
+                        <a:schemeClr val="bg1">
+                          <a:lumMod val="75000"/>
+                        </a:schemeClr>
+                      </a:solidFill>
+                      <a:prstDash val="solid"/>
+                      <a:round/>
+                      <a:headEnd type="none" w="med" len="med"/>
+                      <a:tailEnd type="none" w="med" len="med"/>
+                    </a:lnT>
+                    <a:lnB w="12700" cap="flat" cmpd="sng" algn="ctr">
+                      <a:solidFill>
+                        <a:schemeClr val="bg1">
+                          <a:lumMod val="75000"/>
+                        </a:schemeClr>
+                      </a:solidFill>
+                      <a:prstDash val="solid"/>
+                      <a:round/>
+                      <a:headEnd type="none" w="med" len="med"/>
+                      <a:tailEnd type="none" w="med" len="med"/>
+                    </a:lnB>
+                  </a:tcPr>
+                </a:tc>
+                <a:tc>
+                  <a:txBody>
+                    <a:bodyPr/>
+                    <a:lstStyle/>
+                    <a:p>
+                      <a:pPr algn="ctr"/>
+                      <a:r>
+                        <a:rPr lang="en-US" sz="1100" dirty="0">
+                          <a:solidFill>
+                            <a:schemeClr val="tx1">
+                              <a:lumMod val="50000"/>
+                              <a:lumOff val="50000"/>
+                            </a:schemeClr>
+                          </a:solidFill>
+                        </a:rPr>
+                        <a:t>mobile</a:t>
+                      </a:r>
+                    </a:p>
+                  </a:txBody>
+                  <a:tcPr anchor="ctr">
+                    <a:lnT w="12700" cap="flat" cmpd="sng" algn="ctr">
+                      <a:solidFill>
+                        <a:schemeClr val="bg1">
+                          <a:lumMod val="75000"/>
+                        </a:schemeClr>
+                      </a:solidFill>
+                      <a:prstDash val="solid"/>
+                      <a:round/>
+                      <a:headEnd type="none" w="med" len="med"/>
+                      <a:tailEnd type="none" w="med" len="med"/>
+                    </a:lnT>
+                    <a:lnB w="12700" cap="flat" cmpd="sng" algn="ctr">
+                      <a:solidFill>
+                        <a:schemeClr val="bg1">
+                          <a:lumMod val="75000"/>
+                        </a:schemeClr>
+                      </a:solidFill>
+                      <a:prstDash val="solid"/>
+                      <a:round/>
+                      <a:headEnd type="none" w="med" len="med"/>
+                      <a:tailEnd type="none" w="med" len="med"/>
+                    </a:lnB>
+                  </a:tcPr>
+                </a:tc>
+                <a:tc>
+                  <a:txBody>
+                    <a:bodyPr/>
+                    <a:lstStyle/>
+                    <a:p>
+                      <a:pPr algn="ctr"/>
+                      <a:r>
+                        <a:rPr lang="en-US" sz="1100" dirty="0">
+                          <a:solidFill>
+                            <a:schemeClr val="tx1">
+                              <a:lumMod val="50000"/>
+                              <a:lumOff val="50000"/>
+                            </a:schemeClr>
+                          </a:solidFill>
+                        </a:rPr>
+                        <a:t>1</a:t>
+                      </a:r>
+                    </a:p>
+                  </a:txBody>
+                  <a:tcPr anchor="ctr">
+                    <a:lnT w="12700" cap="flat" cmpd="sng" algn="ctr">
+                      <a:solidFill>
+                        <a:schemeClr val="bg1">
+                          <a:lumMod val="75000"/>
+                        </a:schemeClr>
+                      </a:solidFill>
+                      <a:prstDash val="solid"/>
+                      <a:round/>
+                      <a:headEnd type="none" w="med" len="med"/>
+                      <a:tailEnd type="none" w="med" len="med"/>
+                    </a:lnT>
+                    <a:lnB w="12700" cap="flat" cmpd="sng" algn="ctr">
+                      <a:solidFill>
+                        <a:schemeClr val="bg1">
+                          <a:lumMod val="75000"/>
+                        </a:schemeClr>
+                      </a:solidFill>
+                      <a:prstDash val="solid"/>
+                      <a:round/>
+                      <a:headEnd type="none" w="med" len="med"/>
+                      <a:tailEnd type="none" w="med" len="med"/>
+                    </a:lnB>
+                  </a:tcPr>
+                </a:tc>
+                <a:tc>
+                  <a:txBody>
+                    <a:bodyPr/>
+                    <a:lstStyle/>
+                    <a:p>
+                      <a:pPr marL="0" marR="0" lvl="0" indent="0" algn="ctr" defTabSz="914400" rtl="0" eaLnBrk="1" fontAlgn="auto" latinLnBrk="0" hangingPunct="1">
+                        <a:lnSpc>
+                          <a:spcPct val="100000"/>
+                        </a:lnSpc>
+                        <a:spcBef>
+                          <a:spcPts val="0"/>
+                        </a:spcBef>
+                        <a:spcAft>
+                          <a:spcPts val="0"/>
+                        </a:spcAft>
+                        <a:buClrTx/>
+                        <a:buSzTx/>
+                        <a:buFontTx/>
+                        <a:buNone/>
+                        <a:tabLst/>
+                        <a:defRPr/>
+                      </a:pPr>
+                      <a:r>
+                        <a:rPr lang="en-US" sz="1100" dirty="0">
+                          <a:solidFill>
+                            <a:schemeClr val="tx1">
+                              <a:lumMod val="50000"/>
+                              <a:lumOff val="50000"/>
+                            </a:schemeClr>
+                          </a:solidFill>
+                        </a:rPr>
+                        <a:t>2020-2Q</a:t>
+                      </a:r>
+                    </a:p>
+                  </a:txBody>
+                  <a:tcPr anchor="ctr">
+                    <a:lnT w="12700" cap="flat" cmpd="sng" algn="ctr">
+                      <a:solidFill>
+                        <a:schemeClr val="bg1">
+                          <a:lumMod val="75000"/>
+                        </a:schemeClr>
+                      </a:solidFill>
+                      <a:prstDash val="solid"/>
+                      <a:round/>
+                      <a:headEnd type="none" w="med" len="med"/>
+                      <a:tailEnd type="none" w="med" len="med"/>
+                    </a:lnT>
+                    <a:lnB w="12700" cap="flat" cmpd="sng" algn="ctr">
+                      <a:solidFill>
+                        <a:schemeClr val="bg1">
+                          <a:lumMod val="75000"/>
+                        </a:schemeClr>
+                      </a:solidFill>
+                      <a:prstDash val="solid"/>
+                      <a:round/>
+                      <a:headEnd type="none" w="med" len="med"/>
+                      <a:tailEnd type="none" w="med" len="med"/>
+                    </a:lnB>
+                  </a:tcPr>
+                </a:tc>
+                <a:tc>
+                  <a:txBody>
+                    <a:bodyPr/>
+                    <a:lstStyle/>
+                    <a:p>
+                      <a:pPr marL="0" marR="0" lvl="0" indent="0" algn="ctr" defTabSz="914400" rtl="0" eaLnBrk="1" fontAlgn="auto" latinLnBrk="0" hangingPunct="1">
+                        <a:lnSpc>
+                          <a:spcPct val="100000"/>
+                        </a:lnSpc>
+                        <a:spcBef>
+                          <a:spcPts val="0"/>
+                        </a:spcBef>
+                        <a:spcAft>
+                          <a:spcPts val="0"/>
+                        </a:spcAft>
+                        <a:buClrTx/>
+                        <a:buSzTx/>
+                        <a:buFontTx/>
+                        <a:buNone/>
+                        <a:tabLst/>
+                        <a:defRPr/>
+                      </a:pPr>
+                      <a:r>
+                        <a:rPr lang="en-US" sz="1100" dirty="0">
+                          <a:solidFill>
+                            <a:schemeClr val="tx1">
+                              <a:lumMod val="50000"/>
+                              <a:lumOff val="50000"/>
+                            </a:schemeClr>
+                          </a:solidFill>
+                        </a:rPr>
+                        <a:t>...</a:t>
+                      </a:r>
+                    </a:p>
+                  </a:txBody>
+                  <a:tcPr anchor="ctr">
+                    <a:lnT w="12700" cap="flat" cmpd="sng" algn="ctr">
+                      <a:solidFill>
+                        <a:schemeClr val="bg1">
+                          <a:lumMod val="75000"/>
+                        </a:schemeClr>
+                      </a:solidFill>
+                      <a:prstDash val="solid"/>
+                      <a:round/>
+                      <a:headEnd type="none" w="med" len="med"/>
+                      <a:tailEnd type="none" w="med" len="med"/>
+                    </a:lnT>
+                    <a:lnB w="12700" cap="flat" cmpd="sng" algn="ctr">
+                      <a:solidFill>
+                        <a:schemeClr val="bg1">
+                          <a:lumMod val="75000"/>
+                        </a:schemeClr>
+                      </a:solidFill>
+                      <a:prstDash val="solid"/>
+                      <a:round/>
+                      <a:headEnd type="none" w="med" len="med"/>
+                      <a:tailEnd type="none" w="med" len="med"/>
+                    </a:lnB>
+                  </a:tcPr>
+                </a:tc>
+                <a:tc>
+                  <a:txBody>
+                    <a:bodyPr/>
+                    <a:lstStyle/>
+                    <a:p>
+                      <a:pPr algn="ctr"/>
+                      <a:r>
+                        <a:rPr lang="en-US" sz="1100" dirty="0">
+                          <a:solidFill>
+                            <a:schemeClr val="tx1">
+                              <a:lumMod val="50000"/>
+                              <a:lumOff val="50000"/>
+                            </a:schemeClr>
+                          </a:solidFill>
+                        </a:rPr>
+                        <a:t>32</a:t>
+                      </a:r>
+                    </a:p>
+                  </a:txBody>
+                  <a:tcPr anchor="ctr">
+                    <a:lnT w="12700" cap="flat" cmpd="sng" algn="ctr">
+                      <a:solidFill>
+                        <a:schemeClr val="bg1">
+                          <a:lumMod val="75000"/>
+                        </a:schemeClr>
+                      </a:solidFill>
+                      <a:prstDash val="solid"/>
+                      <a:round/>
+                      <a:headEnd type="none" w="med" len="med"/>
+                      <a:tailEnd type="none" w="med" len="med"/>
+                    </a:lnT>
+                    <a:lnB w="12700" cap="flat" cmpd="sng" algn="ctr">
+                      <a:solidFill>
+                        <a:schemeClr val="bg1">
+                          <a:lumMod val="75000"/>
+                        </a:schemeClr>
+                      </a:solidFill>
+                      <a:prstDash val="solid"/>
+                      <a:round/>
+                      <a:headEnd type="none" w="med" len="med"/>
+                      <a:tailEnd type="none" w="med" len="med"/>
+                    </a:lnB>
+                  </a:tcPr>
+                </a:tc>
+                <a:extLst>
+                  <a:ext uri="{0D108BD9-81ED-4DB2-BD59-A6C34878D82A}">
+                    <a16:rowId xmlns:a16="http://schemas.microsoft.com/office/drawing/2014/main" val="3560812921"/>
+                  </a:ext>
+                </a:extLst>
+              </a:tr>
+            </a:tbl>
+          </a:graphicData>
+        </a:graphic>
+      </p:graphicFrame>
+      <p:sp>
+        <p:nvSpPr>
+          <p:cNvPr id="119" name="TextBox 118">
+            <a:extLst>
+              <a:ext uri="{FF2B5EF4-FFF2-40B4-BE49-F238E27FC236}">
+                <a16:creationId xmlns:a16="http://schemas.microsoft.com/office/drawing/2014/main" id="{DBFE9C81-DB2A-54C9-09C9-368DD99F3409}"/>
+              </a:ext>
+            </a:extLst>
+          </p:cNvPr>
+          <p:cNvSpPr txBox="1"/>
+          <p:nvPr/>
+        </p:nvSpPr>
+        <p:spPr>
+          <a:xfrm>
+            <a:off x="5405119" y="1743114"/>
+            <a:ext cx="4181720" cy="338554"/>
+          </a:xfrm>
+          <a:prstGeom prst="rect">
+            <a:avLst/>
+          </a:prstGeom>
+          <a:noFill/>
+        </p:spPr>
+        <p:txBody>
+          <a:bodyPr wrap="square">
+            <a:spAutoFit/>
+          </a:bodyPr>
+          <a:lstStyle/>
+          <a:p>
+            <a:r>
+              <a:rPr lang="en-US" sz="1600" dirty="0"/>
+              <a:t>Source 3: Regions that vary only in CDUID</a:t>
+            </a:r>
+          </a:p>
+        </p:txBody>
+      </p:sp>
+      <p:sp>
+        <p:nvSpPr>
+          <p:cNvPr id="2" name="TextBox 1">
+            <a:extLst>
+              <a:ext uri="{FF2B5EF4-FFF2-40B4-BE49-F238E27FC236}">
+                <a16:creationId xmlns:a16="http://schemas.microsoft.com/office/drawing/2014/main" id="{3FD742CB-FA1F-EAAA-9874-0C4DD1432FCE}"/>
+              </a:ext>
+            </a:extLst>
+          </p:cNvPr>
+          <p:cNvSpPr txBox="1"/>
+          <p:nvPr/>
+        </p:nvSpPr>
+        <p:spPr>
+          <a:xfrm>
+            <a:off x="627500" y="1748868"/>
+            <a:ext cx="4532116" cy="338554"/>
+          </a:xfrm>
+          <a:prstGeom prst="rect">
+            <a:avLst/>
+          </a:prstGeom>
+          <a:noFill/>
+        </p:spPr>
+        <p:txBody>
+          <a:bodyPr wrap="square" rtlCol="0">
+            <a:spAutoFit/>
+          </a:bodyPr>
+          <a:lstStyle/>
+          <a:p>
+            <a:r>
+              <a:rPr lang="en-US" sz="1600" dirty="0"/>
+              <a:t>Source 2: Regions that vary only in SACTYPE)</a:t>
+            </a:r>
+          </a:p>
+        </p:txBody>
+      </p:sp>
+      <p:graphicFrame>
+        <p:nvGraphicFramePr>
+          <p:cNvPr id="14" name="Table 4">
+            <a:extLst>
+              <a:ext uri="{FF2B5EF4-FFF2-40B4-BE49-F238E27FC236}">
+                <a16:creationId xmlns:a16="http://schemas.microsoft.com/office/drawing/2014/main" id="{B320DC15-8DB8-E9C3-3DDC-622A0A5ABFB0}"/>
+              </a:ext>
+            </a:extLst>
+          </p:cNvPr>
+          <p:cNvGraphicFramePr>
+            <a:graphicFrameLocks noGrp="1"/>
+          </p:cNvGraphicFramePr>
+          <p:nvPr>
+            <p:extLst>
+              <p:ext uri="{D42A27DB-BD31-4B8C-83A1-F6EECF244321}">
+                <p14:modId xmlns:p14="http://schemas.microsoft.com/office/powerpoint/2010/main" val="593146869"/>
+              </p:ext>
+            </p:extLst>
+          </p:nvPr>
+        </p:nvGraphicFramePr>
+        <p:xfrm>
+          <a:off x="622966" y="2117526"/>
+          <a:ext cx="4534963" cy="1550548"/>
+        </p:xfrm>
+        <a:graphic>
+          <a:graphicData uri="http://schemas.openxmlformats.org/drawingml/2006/table">
+            <a:tbl>
+              <a:tblPr firstRow="1" bandRow="1">
+                <a:tableStyleId>{2D5ABB26-0587-4C30-8999-92F81FD0307C}</a:tableStyleId>
+              </a:tblPr>
+              <a:tblGrid>
+                <a:gridCol w="590867">
+                  <a:extLst>
+                    <a:ext uri="{9D8B030D-6E8A-4147-A177-3AD203B41FA5}">
+                      <a16:colId xmlns:a16="http://schemas.microsoft.com/office/drawing/2014/main" val="640528194"/>
+                    </a:ext>
+                  </a:extLst>
+                </a:gridCol>
+                <a:gridCol w="725805">
+                  <a:extLst>
+                    <a:ext uri="{9D8B030D-6E8A-4147-A177-3AD203B41FA5}">
+                      <a16:colId xmlns:a16="http://schemas.microsoft.com/office/drawing/2014/main" val="2586490148"/>
+                    </a:ext>
+                  </a:extLst>
+                </a:gridCol>
+                <a:gridCol w="827405">
+                  <a:extLst>
+                    <a:ext uri="{9D8B030D-6E8A-4147-A177-3AD203B41FA5}">
+                      <a16:colId xmlns:a16="http://schemas.microsoft.com/office/drawing/2014/main" val="3800522496"/>
+                    </a:ext>
+                  </a:extLst>
+                </a:gridCol>
+                <a:gridCol w="651193">
+                  <a:extLst>
+                    <a:ext uri="{9D8B030D-6E8A-4147-A177-3AD203B41FA5}">
+                      <a16:colId xmlns:a16="http://schemas.microsoft.com/office/drawing/2014/main" val="3584529646"/>
+                    </a:ext>
+                  </a:extLst>
+                </a:gridCol>
+                <a:gridCol w="708343">
+                  <a:extLst>
+                    <a:ext uri="{9D8B030D-6E8A-4147-A177-3AD203B41FA5}">
+                      <a16:colId xmlns:a16="http://schemas.microsoft.com/office/drawing/2014/main" val="2947788383"/>
+                    </a:ext>
+                  </a:extLst>
+                </a:gridCol>
+                <a:gridCol w="328930">
+                  <a:extLst>
+                    <a:ext uri="{9D8B030D-6E8A-4147-A177-3AD203B41FA5}">
+                      <a16:colId xmlns:a16="http://schemas.microsoft.com/office/drawing/2014/main" val="3706352711"/>
+                    </a:ext>
+                  </a:extLst>
+                </a:gridCol>
+                <a:gridCol w="702420">
+                  <a:extLst>
+                    <a:ext uri="{9D8B030D-6E8A-4147-A177-3AD203B41FA5}">
+                      <a16:colId xmlns:a16="http://schemas.microsoft.com/office/drawing/2014/main" val="3907699407"/>
+                    </a:ext>
+                  </a:extLst>
+                </a:gridCol>
+              </a:tblGrid>
+              <a:tr h="174476">
+                <a:tc>
+                  <a:txBody>
+                    <a:bodyPr/>
+                    <a:lstStyle/>
+                    <a:p>
+                      <a:pPr algn="ctr"/>
+                      <a:r>
+                        <a:rPr lang="en-US" sz="1100" b="1" dirty="0"/>
+                        <a:t>CDUID</a:t>
+                      </a:r>
+                    </a:p>
+                  </a:txBody>
+                  <a:tcPr anchor="ctr">
+                    <a:lnB w="12700" cap="flat" cmpd="sng" algn="ctr">
+                      <a:solidFill>
+                        <a:schemeClr val="bg1">
+                          <a:lumMod val="75000"/>
+                        </a:schemeClr>
+                      </a:solidFill>
+                      <a:prstDash val="solid"/>
+                      <a:round/>
+                      <a:headEnd type="none" w="med" len="med"/>
+                      <a:tailEnd type="none" w="med" len="med"/>
+                    </a:lnB>
+                    <a:solidFill>
+                      <a:schemeClr val="bg2">
+                        <a:lumMod val="90000"/>
+                      </a:schemeClr>
+                    </a:solidFill>
+                  </a:tcPr>
+                </a:tc>
+                <a:tc>
+                  <a:txBody>
+                    <a:bodyPr/>
+                    <a:lstStyle/>
+                    <a:p>
+                      <a:pPr algn="ctr"/>
+                      <a:r>
+                        <a:rPr lang="en-US" sz="1100" b="1" dirty="0"/>
+                        <a:t>SACTYPE</a:t>
+                      </a:r>
+                    </a:p>
+                  </a:txBody>
+                  <a:tcPr anchor="ctr">
+                    <a:lnB w="12700" cap="flat" cmpd="sng" algn="ctr">
+                      <a:solidFill>
+                        <a:schemeClr val="bg1">
+                          <a:lumMod val="75000"/>
+                        </a:schemeClr>
+                      </a:solidFill>
+                      <a:prstDash val="solid"/>
+                      <a:round/>
+                      <a:headEnd type="none" w="med" len="med"/>
+                      <a:tailEnd type="none" w="med" len="med"/>
+                    </a:lnB>
+                    <a:solidFill>
+                      <a:schemeClr val="bg2">
+                        <a:lumMod val="90000"/>
+                      </a:schemeClr>
+                    </a:solidFill>
+                  </a:tcPr>
+                </a:tc>
+                <a:tc>
+                  <a:txBody>
+                    <a:bodyPr/>
+                    <a:lstStyle/>
+                    <a:p>
+                      <a:pPr algn="ctr"/>
+                      <a:r>
+                        <a:rPr lang="en-US" sz="1100" b="1" dirty="0" err="1"/>
+                        <a:t>conn_type</a:t>
+                      </a:r>
+                      <a:endParaRPr lang="en-US" sz="1100" b="1" dirty="0"/>
+                    </a:p>
+                  </a:txBody>
+                  <a:tcPr anchor="ctr">
+                    <a:lnB w="12700" cap="flat" cmpd="sng" algn="ctr">
+                      <a:solidFill>
+                        <a:schemeClr val="bg1">
+                          <a:lumMod val="75000"/>
+                        </a:schemeClr>
+                      </a:solidFill>
+                      <a:prstDash val="solid"/>
+                      <a:round/>
+                      <a:headEnd type="none" w="med" len="med"/>
+                      <a:tailEnd type="none" w="med" len="med"/>
+                    </a:lnB>
+                    <a:solidFill>
+                      <a:schemeClr val="bg2">
+                        <a:lumMod val="90000"/>
+                      </a:schemeClr>
+                    </a:solidFill>
+                  </a:tcPr>
+                </a:tc>
+                <a:tc>
+                  <a:txBody>
+                    <a:bodyPr/>
+                    <a:lstStyle/>
+                    <a:p>
+                      <a:pPr algn="ctr"/>
+                      <a:r>
+                        <a:rPr lang="en-US" sz="1100" b="1" dirty="0" err="1"/>
+                        <a:t>is_rural</a:t>
+                      </a:r>
+                      <a:endParaRPr lang="en-US" sz="1100" b="1" dirty="0"/>
+                    </a:p>
+                  </a:txBody>
+                  <a:tcPr anchor="ctr">
+                    <a:lnB w="12700" cap="flat" cmpd="sng" algn="ctr">
+                      <a:solidFill>
+                        <a:schemeClr val="bg1">
+                          <a:lumMod val="75000"/>
+                        </a:schemeClr>
+                      </a:solidFill>
+                      <a:prstDash val="solid"/>
+                      <a:round/>
+                      <a:headEnd type="none" w="med" len="med"/>
+                      <a:tailEnd type="none" w="med" len="med"/>
+                    </a:lnB>
+                    <a:solidFill>
+                      <a:schemeClr val="bg2">
+                        <a:lumMod val="90000"/>
+                      </a:schemeClr>
+                    </a:solidFill>
+                  </a:tcPr>
+                </a:tc>
+                <a:tc>
+                  <a:txBody>
+                    <a:bodyPr/>
+                    <a:lstStyle/>
+                    <a:p>
+                      <a:pPr algn="ctr"/>
+                      <a:r>
+                        <a:rPr lang="en-US" sz="1100" b="1" dirty="0"/>
+                        <a:t>time</a:t>
+                      </a:r>
+                    </a:p>
+                  </a:txBody>
+                  <a:tcPr anchor="ctr">
+                    <a:lnB w="12700" cap="flat" cmpd="sng" algn="ctr">
+                      <a:solidFill>
+                        <a:schemeClr val="bg1">
+                          <a:lumMod val="75000"/>
+                        </a:schemeClr>
+                      </a:solidFill>
+                      <a:prstDash val="solid"/>
+                      <a:round/>
+                      <a:headEnd type="none" w="med" len="med"/>
+                      <a:tailEnd type="none" w="med" len="med"/>
+                    </a:lnB>
+                    <a:solidFill>
+                      <a:schemeClr val="bg2">
+                        <a:lumMod val="90000"/>
+                      </a:schemeClr>
+                    </a:solidFill>
+                  </a:tcPr>
+                </a:tc>
+                <a:tc>
+                  <a:txBody>
+                    <a:bodyPr/>
+                    <a:lstStyle/>
+                    <a:p>
+                      <a:pPr marL="0" marR="0" lvl="0" indent="0" algn="ctr" defTabSz="914400" rtl="0" eaLnBrk="1" fontAlgn="auto" latinLnBrk="0" hangingPunct="1">
+                        <a:lnSpc>
+                          <a:spcPct val="100000"/>
+                        </a:lnSpc>
+                        <a:spcBef>
+                          <a:spcPts val="0"/>
+                        </a:spcBef>
+                        <a:spcAft>
+                          <a:spcPts val="0"/>
+                        </a:spcAft>
+                        <a:buClrTx/>
+                        <a:buSzTx/>
+                        <a:buFontTx/>
+                        <a:buNone/>
+                        <a:tabLst/>
+                        <a:defRPr/>
+                      </a:pPr>
+                      <a:r>
+                        <a:rPr lang="en-US" sz="1100" b="1" dirty="0"/>
+                        <a:t>...</a:t>
+                      </a:r>
+                    </a:p>
+                  </a:txBody>
+                  <a:tcPr anchor="ctr">
+                    <a:lnB w="12700" cap="flat" cmpd="sng" algn="ctr">
+                      <a:solidFill>
+                        <a:schemeClr val="bg1">
+                          <a:lumMod val="75000"/>
+                        </a:schemeClr>
+                      </a:solidFill>
+                      <a:prstDash val="solid"/>
+                      <a:round/>
+                      <a:headEnd type="none" w="med" len="med"/>
+                      <a:tailEnd type="none" w="med" len="med"/>
+                    </a:lnB>
+                    <a:solidFill>
+                      <a:schemeClr val="bg2">
+                        <a:lumMod val="90000"/>
+                      </a:schemeClr>
+                    </a:solidFill>
+                  </a:tcPr>
+                </a:tc>
+                <a:tc>
+                  <a:txBody>
+                    <a:bodyPr/>
+                    <a:lstStyle/>
+                    <a:p>
+                      <a:pPr algn="ctr"/>
+                      <a:r>
+                        <a:rPr lang="en-US" sz="1100" b="1" dirty="0" err="1"/>
+                        <a:t>avg_d</a:t>
+                      </a:r>
+                      <a:br>
+                        <a:rPr lang="en-US" sz="1100" b="1" dirty="0"/>
+                      </a:br>
+                      <a:r>
+                        <a:rPr lang="en-US" sz="1100" b="1" dirty="0"/>
+                        <a:t>_</a:t>
+                      </a:r>
+                      <a:r>
+                        <a:rPr lang="en-US" sz="1100" b="1" dirty="0" err="1"/>
+                        <a:t>mbps</a:t>
+                      </a:r>
+                      <a:endParaRPr lang="en-US" sz="1100" b="1" dirty="0"/>
+                    </a:p>
+                  </a:txBody>
+                  <a:tcPr anchor="ctr">
+                    <a:lnB w="12700" cap="flat" cmpd="sng" algn="ctr">
+                      <a:solidFill>
+                        <a:schemeClr val="bg1">
+                          <a:lumMod val="75000"/>
+                        </a:schemeClr>
+                      </a:solidFill>
+                      <a:prstDash val="solid"/>
+                      <a:round/>
+                      <a:headEnd type="none" w="med" len="med"/>
+                      <a:tailEnd type="none" w="med" len="med"/>
+                    </a:lnB>
+                    <a:solidFill>
+                      <a:schemeClr val="bg2">
+                        <a:lumMod val="90000"/>
+                      </a:schemeClr>
+                    </a:solidFill>
+                  </a:tcPr>
+                </a:tc>
+                <a:extLst>
+                  <a:ext uri="{0D108BD9-81ED-4DB2-BD59-A6C34878D82A}">
+                    <a16:rowId xmlns:a16="http://schemas.microsoft.com/office/drawing/2014/main" val="3441376129"/>
+                  </a:ext>
+                </a:extLst>
+              </a:tr>
+              <a:tr h="280957">
+                <a:tc>
+                  <a:txBody>
+                    <a:bodyPr/>
+                    <a:lstStyle/>
+                    <a:p>
+                      <a:pPr marL="0" marR="0" lvl="0" indent="0" algn="ctr" defTabSz="914400" rtl="0" eaLnBrk="1" fontAlgn="auto" latinLnBrk="0" hangingPunct="1">
+                        <a:lnSpc>
+                          <a:spcPct val="100000"/>
+                        </a:lnSpc>
+                        <a:spcBef>
+                          <a:spcPts val="0"/>
+                        </a:spcBef>
+                        <a:spcAft>
+                          <a:spcPts val="0"/>
+                        </a:spcAft>
+                        <a:buClrTx/>
+                        <a:buSzTx/>
+                        <a:buFontTx/>
+                        <a:buNone/>
+                        <a:tabLst/>
+                        <a:defRPr/>
+                      </a:pPr>
+                      <a:r>
+                        <a:rPr lang="en-US" sz="1100" dirty="0">
+                          <a:solidFill>
+                            <a:schemeClr val="tx1">
+                              <a:lumMod val="50000"/>
+                              <a:lumOff val="50000"/>
+                            </a:schemeClr>
+                          </a:solidFill>
+                        </a:rPr>
+                        <a:t>6204</a:t>
+                      </a:r>
+                    </a:p>
+                  </a:txBody>
+                  <a:tcPr anchor="ctr">
+                    <a:lnT w="12700" cap="flat" cmpd="sng" algn="ctr">
+                      <a:solidFill>
+                        <a:schemeClr val="bg1">
+                          <a:lumMod val="75000"/>
+                        </a:schemeClr>
+                      </a:solidFill>
+                      <a:prstDash val="solid"/>
+                      <a:round/>
+                      <a:headEnd type="none" w="med" len="med"/>
+                      <a:tailEnd type="none" w="med" len="med"/>
+                    </a:lnT>
+                    <a:lnB w="12700" cap="flat" cmpd="sng" algn="ctr">
+                      <a:solidFill>
+                        <a:schemeClr val="bg1">
+                          <a:lumMod val="75000"/>
+                        </a:schemeClr>
+                      </a:solidFill>
+                      <a:prstDash val="solid"/>
+                      <a:round/>
+                      <a:headEnd type="none" w="med" len="med"/>
+                      <a:tailEnd type="none" w="med" len="med"/>
+                    </a:lnB>
+                  </a:tcPr>
+                </a:tc>
+                <a:tc>
+                  <a:txBody>
+                    <a:bodyPr/>
+                    <a:lstStyle/>
+                    <a:p>
+                      <a:pPr algn="ctr"/>
+                      <a:r>
+                        <a:rPr lang="en-US" sz="1100" dirty="0">
+                          <a:solidFill>
+                            <a:schemeClr val="tx1">
+                              <a:lumMod val="50000"/>
+                              <a:lumOff val="50000"/>
+                            </a:schemeClr>
+                          </a:solidFill>
+                        </a:rPr>
+                        <a:t>3</a:t>
+                      </a:r>
+                    </a:p>
+                  </a:txBody>
+                  <a:tcPr anchor="ctr">
+                    <a:lnT w="12700" cap="flat" cmpd="sng" algn="ctr">
+                      <a:solidFill>
+                        <a:schemeClr val="bg1">
+                          <a:lumMod val="75000"/>
+                        </a:schemeClr>
+                      </a:solidFill>
+                      <a:prstDash val="solid"/>
+                      <a:round/>
+                      <a:headEnd type="none" w="med" len="med"/>
+                      <a:tailEnd type="none" w="med" len="med"/>
+                    </a:lnT>
+                    <a:lnB w="12700" cap="flat" cmpd="sng" algn="ctr">
+                      <a:solidFill>
+                        <a:schemeClr val="bg1">
+                          <a:lumMod val="75000"/>
+                        </a:schemeClr>
+                      </a:solidFill>
+                      <a:prstDash val="solid"/>
+                      <a:round/>
+                      <a:headEnd type="none" w="med" len="med"/>
+                      <a:tailEnd type="none" w="med" len="med"/>
+                    </a:lnB>
+                  </a:tcPr>
+                </a:tc>
+                <a:tc>
+                  <a:txBody>
+                    <a:bodyPr/>
+                    <a:lstStyle/>
+                    <a:p>
+                      <a:pPr algn="ctr"/>
+                      <a:r>
+                        <a:rPr lang="en-US" sz="1100" dirty="0">
+                          <a:solidFill>
+                            <a:schemeClr val="tx1">
+                              <a:lumMod val="50000"/>
+                              <a:lumOff val="50000"/>
+                            </a:schemeClr>
+                          </a:solidFill>
+                        </a:rPr>
+                        <a:t>mobile</a:t>
+                      </a:r>
+                    </a:p>
+                  </a:txBody>
+                  <a:tcPr anchor="ctr">
+                    <a:lnT w="12700" cap="flat" cmpd="sng" algn="ctr">
+                      <a:solidFill>
+                        <a:schemeClr val="bg1">
+                          <a:lumMod val="75000"/>
+                        </a:schemeClr>
+                      </a:solidFill>
+                      <a:prstDash val="solid"/>
+                      <a:round/>
+                      <a:headEnd type="none" w="med" len="med"/>
+                      <a:tailEnd type="none" w="med" len="med"/>
+                    </a:lnT>
+                    <a:lnB w="12700" cap="flat" cmpd="sng" algn="ctr">
+                      <a:solidFill>
+                        <a:schemeClr val="bg1">
+                          <a:lumMod val="75000"/>
+                        </a:schemeClr>
+                      </a:solidFill>
+                      <a:prstDash val="solid"/>
+                      <a:round/>
+                      <a:headEnd type="none" w="med" len="med"/>
+                      <a:tailEnd type="none" w="med" len="med"/>
+                    </a:lnB>
+                  </a:tcPr>
+                </a:tc>
+                <a:tc>
+                  <a:txBody>
+                    <a:bodyPr/>
+                    <a:lstStyle/>
+                    <a:p>
+                      <a:pPr algn="ctr"/>
+                      <a:r>
+                        <a:rPr lang="en-US" sz="1100" dirty="0">
+                          <a:solidFill>
+                            <a:schemeClr val="tx1">
+                              <a:lumMod val="50000"/>
+                              <a:lumOff val="50000"/>
+                            </a:schemeClr>
+                          </a:solidFill>
+                        </a:rPr>
+                        <a:t>1</a:t>
+                      </a:r>
+                    </a:p>
+                  </a:txBody>
+                  <a:tcPr anchor="ctr">
+                    <a:lnT w="12700" cap="flat" cmpd="sng" algn="ctr">
+                      <a:solidFill>
+                        <a:schemeClr val="bg1">
+                          <a:lumMod val="75000"/>
+                        </a:schemeClr>
+                      </a:solidFill>
+                      <a:prstDash val="solid"/>
+                      <a:round/>
+                      <a:headEnd type="none" w="med" len="med"/>
+                      <a:tailEnd type="none" w="med" len="med"/>
+                    </a:lnT>
+                    <a:lnB w="12700" cap="flat" cmpd="sng" algn="ctr">
+                      <a:solidFill>
+                        <a:schemeClr val="bg1">
+                          <a:lumMod val="75000"/>
+                        </a:schemeClr>
+                      </a:solidFill>
+                      <a:prstDash val="solid"/>
+                      <a:round/>
+                      <a:headEnd type="none" w="med" len="med"/>
+                      <a:tailEnd type="none" w="med" len="med"/>
+                    </a:lnB>
+                  </a:tcPr>
+                </a:tc>
+                <a:tc>
+                  <a:txBody>
+                    <a:bodyPr/>
+                    <a:lstStyle/>
+                    <a:p>
+                      <a:pPr marL="0" marR="0" lvl="0" indent="0" algn="ctr" defTabSz="914400" rtl="0" eaLnBrk="1" fontAlgn="auto" latinLnBrk="0" hangingPunct="1">
+                        <a:lnSpc>
+                          <a:spcPct val="100000"/>
+                        </a:lnSpc>
+                        <a:spcBef>
+                          <a:spcPts val="0"/>
+                        </a:spcBef>
+                        <a:spcAft>
+                          <a:spcPts val="0"/>
+                        </a:spcAft>
+                        <a:buClrTx/>
+                        <a:buSzTx/>
+                        <a:buFontTx/>
+                        <a:buNone/>
+                        <a:tabLst/>
+                        <a:defRPr/>
+                      </a:pPr>
+                      <a:r>
+                        <a:rPr lang="en-US" sz="1100" dirty="0">
+                          <a:solidFill>
+                            <a:schemeClr val="tx1">
+                              <a:lumMod val="50000"/>
+                              <a:lumOff val="50000"/>
+                            </a:schemeClr>
+                          </a:solidFill>
+                        </a:rPr>
+                        <a:t>2020-2Q</a:t>
+                      </a:r>
+                    </a:p>
+                  </a:txBody>
+                  <a:tcPr anchor="ctr">
+                    <a:lnT w="12700" cap="flat" cmpd="sng" algn="ctr">
+                      <a:solidFill>
+                        <a:schemeClr val="bg1">
+                          <a:lumMod val="75000"/>
+                        </a:schemeClr>
+                      </a:solidFill>
+                      <a:prstDash val="solid"/>
+                      <a:round/>
+                      <a:headEnd type="none" w="med" len="med"/>
+                      <a:tailEnd type="none" w="med" len="med"/>
+                    </a:lnT>
+                    <a:lnB w="12700" cap="flat" cmpd="sng" algn="ctr">
+                      <a:solidFill>
+                        <a:schemeClr val="bg1">
+                          <a:lumMod val="75000"/>
+                        </a:schemeClr>
+                      </a:solidFill>
+                      <a:prstDash val="solid"/>
+                      <a:round/>
+                      <a:headEnd type="none" w="med" len="med"/>
+                      <a:tailEnd type="none" w="med" len="med"/>
+                    </a:lnB>
+                  </a:tcPr>
+                </a:tc>
+                <a:tc>
+                  <a:txBody>
+                    <a:bodyPr/>
+                    <a:lstStyle/>
+                    <a:p>
+                      <a:pPr marL="0" marR="0" lvl="0" indent="0" algn="ctr" defTabSz="914400" rtl="0" eaLnBrk="1" fontAlgn="auto" latinLnBrk="0" hangingPunct="1">
+                        <a:lnSpc>
+                          <a:spcPct val="100000"/>
+                        </a:lnSpc>
+                        <a:spcBef>
+                          <a:spcPts val="0"/>
+                        </a:spcBef>
+                        <a:spcAft>
+                          <a:spcPts val="0"/>
+                        </a:spcAft>
+                        <a:buClrTx/>
+                        <a:buSzTx/>
+                        <a:buFontTx/>
+                        <a:buNone/>
+                        <a:tabLst/>
+                        <a:defRPr/>
+                      </a:pPr>
+                      <a:r>
+                        <a:rPr lang="en-US" sz="1100" dirty="0">
+                          <a:solidFill>
+                            <a:schemeClr val="tx1">
+                              <a:lumMod val="50000"/>
+                              <a:lumOff val="50000"/>
+                            </a:schemeClr>
+                          </a:solidFill>
+                        </a:rPr>
+                        <a:t>...</a:t>
+                      </a:r>
+                    </a:p>
+                  </a:txBody>
+                  <a:tcPr anchor="ctr">
+                    <a:lnT w="12700" cap="flat" cmpd="sng" algn="ctr">
+                      <a:solidFill>
+                        <a:schemeClr val="bg1">
+                          <a:lumMod val="75000"/>
+                        </a:schemeClr>
+                      </a:solidFill>
+                      <a:prstDash val="solid"/>
+                      <a:round/>
+                      <a:headEnd type="none" w="med" len="med"/>
+                      <a:tailEnd type="none" w="med" len="med"/>
+                    </a:lnT>
+                    <a:lnB w="12700" cap="flat" cmpd="sng" algn="ctr">
+                      <a:solidFill>
+                        <a:schemeClr val="bg1">
+                          <a:lumMod val="75000"/>
+                        </a:schemeClr>
+                      </a:solidFill>
+                      <a:prstDash val="solid"/>
+                      <a:round/>
+                      <a:headEnd type="none" w="med" len="med"/>
+                      <a:tailEnd type="none" w="med" len="med"/>
+                    </a:lnB>
+                  </a:tcPr>
+                </a:tc>
+                <a:tc>
+                  <a:txBody>
+                    <a:bodyPr/>
+                    <a:lstStyle/>
+                    <a:p>
+                      <a:pPr algn="ctr"/>
+                      <a:r>
+                        <a:rPr lang="en-US" sz="1100" dirty="0">
+                          <a:solidFill>
+                            <a:schemeClr val="tx1">
+                              <a:lumMod val="50000"/>
+                              <a:lumOff val="50000"/>
+                            </a:schemeClr>
+                          </a:solidFill>
+                        </a:rPr>
+                        <a:t>99</a:t>
+                      </a:r>
+                    </a:p>
+                  </a:txBody>
+                  <a:tcPr anchor="ctr">
+                    <a:lnT w="12700" cap="flat" cmpd="sng" algn="ctr">
+                      <a:solidFill>
+                        <a:schemeClr val="bg1">
+                          <a:lumMod val="75000"/>
+                        </a:schemeClr>
+                      </a:solidFill>
+                      <a:prstDash val="solid"/>
+                      <a:round/>
+                      <a:headEnd type="none" w="med" len="med"/>
+                      <a:tailEnd type="none" w="med" len="med"/>
+                    </a:lnT>
+                    <a:lnB w="12700" cap="flat" cmpd="sng" algn="ctr">
+                      <a:solidFill>
+                        <a:schemeClr val="bg1">
+                          <a:lumMod val="75000"/>
+                        </a:schemeClr>
+                      </a:solidFill>
+                      <a:prstDash val="solid"/>
+                      <a:round/>
+                      <a:headEnd type="none" w="med" len="med"/>
+                      <a:tailEnd type="none" w="med" len="med"/>
+                    </a:lnB>
+                  </a:tcPr>
+                </a:tc>
+                <a:extLst>
+                  <a:ext uri="{0D108BD9-81ED-4DB2-BD59-A6C34878D82A}">
+                    <a16:rowId xmlns:a16="http://schemas.microsoft.com/office/drawing/2014/main" val="3370675143"/>
+                  </a:ext>
+                </a:extLst>
+              </a:tr>
+              <a:tr h="280957">
+                <a:tc>
+                  <a:txBody>
+                    <a:bodyPr/>
+                    <a:lstStyle/>
+                    <a:p>
+                      <a:pPr marL="0" marR="0" lvl="0" indent="0" algn="ctr" defTabSz="914400" rtl="0" eaLnBrk="1" fontAlgn="auto" latinLnBrk="0" hangingPunct="1">
+                        <a:lnSpc>
+                          <a:spcPct val="100000"/>
+                        </a:lnSpc>
+                        <a:spcBef>
+                          <a:spcPts val="0"/>
+                        </a:spcBef>
+                        <a:spcAft>
+                          <a:spcPts val="0"/>
+                        </a:spcAft>
+                        <a:buClrTx/>
+                        <a:buSzTx/>
+                        <a:buFontTx/>
+                        <a:buNone/>
+                        <a:tabLst/>
+                        <a:defRPr/>
+                      </a:pPr>
+                      <a:r>
+                        <a:rPr lang="en-US" sz="1100" dirty="0">
+                          <a:solidFill>
+                            <a:schemeClr val="tx1">
+                              <a:lumMod val="50000"/>
+                              <a:lumOff val="50000"/>
+                            </a:schemeClr>
+                          </a:solidFill>
+                        </a:rPr>
+                        <a:t>6204</a:t>
+                      </a:r>
+                    </a:p>
+                  </a:txBody>
+                  <a:tcPr anchor="ctr">
+                    <a:lnT w="12700" cap="flat" cmpd="sng" algn="ctr">
+                      <a:solidFill>
+                        <a:schemeClr val="bg1">
+                          <a:lumMod val="75000"/>
+                        </a:schemeClr>
+                      </a:solidFill>
+                      <a:prstDash val="solid"/>
+                      <a:round/>
+                      <a:headEnd type="none" w="med" len="med"/>
+                      <a:tailEnd type="none" w="med" len="med"/>
+                    </a:lnT>
+                    <a:lnB w="12700" cap="flat" cmpd="sng" algn="ctr">
+                      <a:solidFill>
+                        <a:schemeClr val="bg1">
+                          <a:lumMod val="75000"/>
+                        </a:schemeClr>
+                      </a:solidFill>
+                      <a:prstDash val="solid"/>
+                      <a:round/>
+                      <a:headEnd type="none" w="med" len="med"/>
+                      <a:tailEnd type="none" w="med" len="med"/>
+                    </a:lnB>
+                  </a:tcPr>
+                </a:tc>
+                <a:tc>
+                  <a:txBody>
+                    <a:bodyPr/>
+                    <a:lstStyle/>
+                    <a:p>
+                      <a:pPr marL="0" marR="0" lvl="0" indent="0" algn="ctr" defTabSz="914400" rtl="0" eaLnBrk="1" fontAlgn="auto" latinLnBrk="0" hangingPunct="1">
+                        <a:lnSpc>
+                          <a:spcPct val="100000"/>
+                        </a:lnSpc>
+                        <a:spcBef>
+                          <a:spcPts val="0"/>
+                        </a:spcBef>
+                        <a:spcAft>
+                          <a:spcPts val="0"/>
+                        </a:spcAft>
+                        <a:buClrTx/>
+                        <a:buSzTx/>
+                        <a:buFontTx/>
+                        <a:buNone/>
+                        <a:tabLst/>
+                        <a:defRPr/>
+                      </a:pPr>
+                      <a:r>
+                        <a:rPr lang="en-US" sz="1100" dirty="0">
+                          <a:solidFill>
+                            <a:schemeClr val="tx1">
+                              <a:lumMod val="50000"/>
+                              <a:lumOff val="50000"/>
+                            </a:schemeClr>
+                          </a:solidFill>
+                        </a:rPr>
+                        <a:t>6</a:t>
+                      </a:r>
+                    </a:p>
+                  </a:txBody>
+                  <a:tcPr anchor="ctr">
+                    <a:lnT w="12700" cap="flat" cmpd="sng" algn="ctr">
+                      <a:solidFill>
+                        <a:schemeClr val="bg1">
+                          <a:lumMod val="75000"/>
+                        </a:schemeClr>
+                      </a:solidFill>
+                      <a:prstDash val="solid"/>
+                      <a:round/>
+                      <a:headEnd type="none" w="med" len="med"/>
+                      <a:tailEnd type="none" w="med" len="med"/>
+                    </a:lnT>
+                    <a:lnB w="12700" cap="flat" cmpd="sng" algn="ctr">
+                      <a:solidFill>
+                        <a:schemeClr val="bg1">
+                          <a:lumMod val="75000"/>
+                        </a:schemeClr>
+                      </a:solidFill>
+                      <a:prstDash val="solid"/>
+                      <a:round/>
+                      <a:headEnd type="none" w="med" len="med"/>
+                      <a:tailEnd type="none" w="med" len="med"/>
+                    </a:lnB>
+                  </a:tcPr>
+                </a:tc>
+                <a:tc>
+                  <a:txBody>
+                    <a:bodyPr/>
+                    <a:lstStyle/>
+                    <a:p>
+                      <a:pPr marL="0" marR="0" lvl="0" indent="0" algn="ctr" defTabSz="914400" rtl="0" eaLnBrk="1" fontAlgn="auto" latinLnBrk="0" hangingPunct="1">
+                        <a:lnSpc>
+                          <a:spcPct val="100000"/>
+                        </a:lnSpc>
+                        <a:spcBef>
+                          <a:spcPts val="0"/>
+                        </a:spcBef>
+                        <a:spcAft>
+                          <a:spcPts val="0"/>
+                        </a:spcAft>
+                        <a:buClrTx/>
+                        <a:buSzTx/>
+                        <a:buFontTx/>
+                        <a:buNone/>
+                        <a:tabLst/>
+                        <a:defRPr/>
+                      </a:pPr>
+                      <a:r>
+                        <a:rPr lang="en-US" sz="1100" dirty="0">
+                          <a:solidFill>
+                            <a:schemeClr val="tx1">
+                              <a:lumMod val="50000"/>
+                              <a:lumOff val="50000"/>
+                            </a:schemeClr>
+                          </a:solidFill>
+                        </a:rPr>
+                        <a:t>mobile</a:t>
+                      </a:r>
+                    </a:p>
+                  </a:txBody>
+                  <a:tcPr anchor="ctr">
+                    <a:lnT w="12700" cap="flat" cmpd="sng" algn="ctr">
+                      <a:solidFill>
+                        <a:schemeClr val="bg1">
+                          <a:lumMod val="75000"/>
+                        </a:schemeClr>
+                      </a:solidFill>
+                      <a:prstDash val="solid"/>
+                      <a:round/>
+                      <a:headEnd type="none" w="med" len="med"/>
+                      <a:tailEnd type="none" w="med" len="med"/>
+                    </a:lnT>
+                    <a:lnB w="12700" cap="flat" cmpd="sng" algn="ctr">
+                      <a:solidFill>
+                        <a:schemeClr val="bg1">
+                          <a:lumMod val="75000"/>
+                        </a:schemeClr>
+                      </a:solidFill>
+                      <a:prstDash val="solid"/>
+                      <a:round/>
+                      <a:headEnd type="none" w="med" len="med"/>
+                      <a:tailEnd type="none" w="med" len="med"/>
+                    </a:lnB>
+                  </a:tcPr>
+                </a:tc>
+                <a:tc>
+                  <a:txBody>
+                    <a:bodyPr/>
+                    <a:lstStyle/>
+                    <a:p>
+                      <a:pPr marL="0" marR="0" lvl="0" indent="0" algn="ctr" defTabSz="914400" rtl="0" eaLnBrk="1" fontAlgn="auto" latinLnBrk="0" hangingPunct="1">
+                        <a:lnSpc>
+                          <a:spcPct val="100000"/>
+                        </a:lnSpc>
+                        <a:spcBef>
+                          <a:spcPts val="0"/>
+                        </a:spcBef>
+                        <a:spcAft>
+                          <a:spcPts val="0"/>
+                        </a:spcAft>
+                        <a:buClrTx/>
+                        <a:buSzTx/>
+                        <a:buFontTx/>
+                        <a:buNone/>
+                        <a:tabLst/>
+                        <a:defRPr/>
+                      </a:pPr>
+                      <a:r>
+                        <a:rPr lang="en-US" sz="1100" dirty="0">
+                          <a:solidFill>
+                            <a:schemeClr val="tx1">
+                              <a:lumMod val="50000"/>
+                              <a:lumOff val="50000"/>
+                            </a:schemeClr>
+                          </a:solidFill>
+                        </a:rPr>
+                        <a:t>1</a:t>
+                      </a:r>
+                    </a:p>
+                  </a:txBody>
+                  <a:tcPr anchor="ctr">
+                    <a:lnT w="12700" cap="flat" cmpd="sng" algn="ctr">
+                      <a:solidFill>
+                        <a:schemeClr val="bg1">
+                          <a:lumMod val="75000"/>
+                        </a:schemeClr>
+                      </a:solidFill>
+                      <a:prstDash val="solid"/>
+                      <a:round/>
+                      <a:headEnd type="none" w="med" len="med"/>
+                      <a:tailEnd type="none" w="med" len="med"/>
+                    </a:lnT>
+                    <a:lnB w="12700" cap="flat" cmpd="sng" algn="ctr">
+                      <a:solidFill>
+                        <a:schemeClr val="bg1">
+                          <a:lumMod val="75000"/>
+                        </a:schemeClr>
+                      </a:solidFill>
+                      <a:prstDash val="solid"/>
+                      <a:round/>
+                      <a:headEnd type="none" w="med" len="med"/>
+                      <a:tailEnd type="none" w="med" len="med"/>
+                    </a:lnB>
+                  </a:tcPr>
+                </a:tc>
+                <a:tc>
+                  <a:txBody>
+                    <a:bodyPr/>
+                    <a:lstStyle/>
+                    <a:p>
+                      <a:pPr marL="0" marR="0" lvl="0" indent="0" algn="ctr" defTabSz="914400" rtl="0" eaLnBrk="1" fontAlgn="auto" latinLnBrk="0" hangingPunct="1">
+                        <a:lnSpc>
+                          <a:spcPct val="100000"/>
+                        </a:lnSpc>
+                        <a:spcBef>
+                          <a:spcPts val="0"/>
+                        </a:spcBef>
+                        <a:spcAft>
+                          <a:spcPts val="0"/>
+                        </a:spcAft>
+                        <a:buClrTx/>
+                        <a:buSzTx/>
+                        <a:buFontTx/>
+                        <a:buNone/>
+                        <a:tabLst/>
+                        <a:defRPr/>
+                      </a:pPr>
+                      <a:r>
+                        <a:rPr lang="en-US" sz="1100" dirty="0">
+                          <a:solidFill>
+                            <a:schemeClr val="tx1">
+                              <a:lumMod val="50000"/>
+                              <a:lumOff val="50000"/>
+                            </a:schemeClr>
+                          </a:solidFill>
+                        </a:rPr>
+                        <a:t>2020-2Q</a:t>
+                      </a:r>
+                    </a:p>
+                  </a:txBody>
+                  <a:tcPr anchor="ctr">
+                    <a:lnT w="12700" cap="flat" cmpd="sng" algn="ctr">
+                      <a:solidFill>
+                        <a:schemeClr val="bg1">
+                          <a:lumMod val="75000"/>
+                        </a:schemeClr>
+                      </a:solidFill>
+                      <a:prstDash val="solid"/>
+                      <a:round/>
+                      <a:headEnd type="none" w="med" len="med"/>
+                      <a:tailEnd type="none" w="med" len="med"/>
+                    </a:lnT>
+                    <a:lnB w="12700" cap="flat" cmpd="sng" algn="ctr">
+                      <a:solidFill>
+                        <a:schemeClr val="bg1">
+                          <a:lumMod val="75000"/>
+                        </a:schemeClr>
+                      </a:solidFill>
+                      <a:prstDash val="solid"/>
+                      <a:round/>
+                      <a:headEnd type="none" w="med" len="med"/>
+                      <a:tailEnd type="none" w="med" len="med"/>
+                    </a:lnB>
+                  </a:tcPr>
+                </a:tc>
+                <a:tc>
+                  <a:txBody>
+                    <a:bodyPr/>
+                    <a:lstStyle/>
+                    <a:p>
+                      <a:pPr marL="0" marR="0" lvl="0" indent="0" algn="ctr" defTabSz="914400" rtl="0" eaLnBrk="1" fontAlgn="auto" latinLnBrk="0" hangingPunct="1">
+                        <a:lnSpc>
+                          <a:spcPct val="100000"/>
+                        </a:lnSpc>
+                        <a:spcBef>
+                          <a:spcPts val="0"/>
+                        </a:spcBef>
+                        <a:spcAft>
+                          <a:spcPts val="0"/>
+                        </a:spcAft>
+                        <a:buClrTx/>
+                        <a:buSzTx/>
+                        <a:buFontTx/>
+                        <a:buNone/>
+                        <a:tabLst/>
+                        <a:defRPr/>
+                      </a:pPr>
+                      <a:r>
+                        <a:rPr lang="en-US" sz="1100" dirty="0">
+                          <a:solidFill>
+                            <a:schemeClr val="tx1">
+                              <a:lumMod val="50000"/>
+                              <a:lumOff val="50000"/>
+                            </a:schemeClr>
+                          </a:solidFill>
+                        </a:rPr>
+                        <a:t>...</a:t>
+                      </a:r>
+                    </a:p>
+                  </a:txBody>
+                  <a:tcPr anchor="ctr">
+                    <a:lnT w="12700" cap="flat" cmpd="sng" algn="ctr">
+                      <a:solidFill>
+                        <a:schemeClr val="bg1">
+                          <a:lumMod val="75000"/>
+                        </a:schemeClr>
+                      </a:solidFill>
+                      <a:prstDash val="solid"/>
+                      <a:round/>
+                      <a:headEnd type="none" w="med" len="med"/>
+                      <a:tailEnd type="none" w="med" len="med"/>
+                    </a:lnT>
+                    <a:lnB w="12700" cap="flat" cmpd="sng" algn="ctr">
+                      <a:solidFill>
+                        <a:schemeClr val="bg1">
+                          <a:lumMod val="75000"/>
+                        </a:schemeClr>
+                      </a:solidFill>
+                      <a:prstDash val="solid"/>
+                      <a:round/>
+                      <a:headEnd type="none" w="med" len="med"/>
+                      <a:tailEnd type="none" w="med" len="med"/>
+                    </a:lnB>
+                  </a:tcPr>
+                </a:tc>
+                <a:tc>
+                  <a:txBody>
+                    <a:bodyPr/>
+                    <a:lstStyle/>
+                    <a:p>
+                      <a:pPr algn="ctr"/>
+                      <a:r>
+                        <a:rPr lang="en-US" sz="1100" dirty="0">
+                          <a:solidFill>
+                            <a:schemeClr val="tx1">
+                              <a:lumMod val="50000"/>
+                              <a:lumOff val="50000"/>
+                            </a:schemeClr>
+                          </a:solidFill>
+                        </a:rPr>
+                        <a:t>82</a:t>
+                      </a:r>
+                    </a:p>
+                  </a:txBody>
+                  <a:tcPr anchor="ctr">
+                    <a:lnT w="12700" cap="flat" cmpd="sng" algn="ctr">
+                      <a:solidFill>
+                        <a:schemeClr val="bg1">
+                          <a:lumMod val="75000"/>
+                        </a:schemeClr>
+                      </a:solidFill>
+                      <a:prstDash val="solid"/>
+                      <a:round/>
+                      <a:headEnd type="none" w="med" len="med"/>
+                      <a:tailEnd type="none" w="med" len="med"/>
+                    </a:lnT>
+                    <a:lnB w="12700" cap="flat" cmpd="sng" algn="ctr">
+                      <a:solidFill>
+                        <a:schemeClr val="bg1">
+                          <a:lumMod val="75000"/>
+                        </a:schemeClr>
+                      </a:solidFill>
+                      <a:prstDash val="solid"/>
+                      <a:round/>
+                      <a:headEnd type="none" w="med" len="med"/>
+                      <a:tailEnd type="none" w="med" len="med"/>
+                    </a:lnB>
+                  </a:tcPr>
+                </a:tc>
+                <a:extLst>
+                  <a:ext uri="{0D108BD9-81ED-4DB2-BD59-A6C34878D82A}">
+                    <a16:rowId xmlns:a16="http://schemas.microsoft.com/office/drawing/2014/main" val="3261103860"/>
+                  </a:ext>
+                </a:extLst>
+              </a:tr>
+              <a:tr h="280957">
+                <a:tc>
+                  <a:txBody>
+                    <a:bodyPr/>
+                    <a:lstStyle/>
+                    <a:p>
+                      <a:pPr marL="0" marR="0" lvl="0" indent="0" algn="ctr" defTabSz="914400" rtl="0" eaLnBrk="1" fontAlgn="auto" latinLnBrk="0" hangingPunct="1">
+                        <a:lnSpc>
+                          <a:spcPct val="100000"/>
+                        </a:lnSpc>
+                        <a:spcBef>
+                          <a:spcPts val="0"/>
+                        </a:spcBef>
+                        <a:spcAft>
+                          <a:spcPts val="0"/>
+                        </a:spcAft>
+                        <a:buClrTx/>
+                        <a:buSzTx/>
+                        <a:buFontTx/>
+                        <a:buNone/>
+                        <a:tabLst/>
+                        <a:defRPr/>
+                      </a:pPr>
+                      <a:r>
+                        <a:rPr lang="en-US" sz="1100" dirty="0">
+                          <a:solidFill>
+                            <a:schemeClr val="tx1">
+                              <a:lumMod val="50000"/>
+                              <a:lumOff val="50000"/>
+                            </a:schemeClr>
+                          </a:solidFill>
+                        </a:rPr>
+                        <a:t>6204</a:t>
+                      </a:r>
+                    </a:p>
+                  </a:txBody>
+                  <a:tcPr anchor="ctr">
+                    <a:lnT w="12700" cap="flat" cmpd="sng" algn="ctr">
+                      <a:solidFill>
+                        <a:schemeClr val="bg1">
+                          <a:lumMod val="75000"/>
+                        </a:schemeClr>
+                      </a:solidFill>
+                      <a:prstDash val="solid"/>
+                      <a:round/>
+                      <a:headEnd type="none" w="med" len="med"/>
+                      <a:tailEnd type="none" w="med" len="med"/>
+                    </a:lnT>
+                    <a:lnB w="12700" cap="flat" cmpd="sng" algn="ctr">
+                      <a:solidFill>
+                        <a:schemeClr val="bg1">
+                          <a:lumMod val="75000"/>
+                        </a:schemeClr>
+                      </a:solidFill>
+                      <a:prstDash val="solid"/>
+                      <a:round/>
+                      <a:headEnd type="none" w="med" len="med"/>
+                      <a:tailEnd type="none" w="med" len="med"/>
+                    </a:lnB>
+                  </a:tcPr>
+                </a:tc>
+                <a:tc>
+                  <a:txBody>
+                    <a:bodyPr/>
+                    <a:lstStyle/>
+                    <a:p>
+                      <a:pPr algn="ctr"/>
+                      <a:r>
+                        <a:rPr lang="en-US" sz="1100" dirty="0">
+                          <a:solidFill>
+                            <a:schemeClr val="tx1">
+                              <a:lumMod val="50000"/>
+                              <a:lumOff val="50000"/>
+                            </a:schemeClr>
+                          </a:solidFill>
+                        </a:rPr>
+                        <a:t>7</a:t>
+                      </a:r>
+                    </a:p>
+                  </a:txBody>
+                  <a:tcPr anchor="ctr">
+                    <a:lnT w="12700" cap="flat" cmpd="sng" algn="ctr">
+                      <a:solidFill>
+                        <a:schemeClr val="bg1">
+                          <a:lumMod val="75000"/>
+                        </a:schemeClr>
+                      </a:solidFill>
+                      <a:prstDash val="solid"/>
+                      <a:round/>
+                      <a:headEnd type="none" w="med" len="med"/>
+                      <a:tailEnd type="none" w="med" len="med"/>
+                    </a:lnT>
+                    <a:lnB w="12700" cap="flat" cmpd="sng" algn="ctr">
+                      <a:solidFill>
+                        <a:schemeClr val="bg1">
+                          <a:lumMod val="75000"/>
+                        </a:schemeClr>
+                      </a:solidFill>
+                      <a:prstDash val="solid"/>
+                      <a:round/>
+                      <a:headEnd type="none" w="med" len="med"/>
+                      <a:tailEnd type="none" w="med" len="med"/>
+                    </a:lnB>
+                  </a:tcPr>
+                </a:tc>
+                <a:tc>
+                  <a:txBody>
+                    <a:bodyPr/>
+                    <a:lstStyle/>
+                    <a:p>
+                      <a:pPr algn="ctr"/>
+                      <a:r>
+                        <a:rPr lang="en-US" sz="1100" dirty="0">
+                          <a:solidFill>
+                            <a:schemeClr val="tx1">
+                              <a:lumMod val="50000"/>
+                              <a:lumOff val="50000"/>
+                            </a:schemeClr>
+                          </a:solidFill>
+                        </a:rPr>
+                        <a:t>mobile</a:t>
+                      </a:r>
+                    </a:p>
+                  </a:txBody>
+                  <a:tcPr anchor="ctr">
+                    <a:lnT w="12700" cap="flat" cmpd="sng" algn="ctr">
+                      <a:solidFill>
+                        <a:schemeClr val="bg1">
+                          <a:lumMod val="75000"/>
+                        </a:schemeClr>
+                      </a:solidFill>
+                      <a:prstDash val="solid"/>
+                      <a:round/>
+                      <a:headEnd type="none" w="med" len="med"/>
+                      <a:tailEnd type="none" w="med" len="med"/>
+                    </a:lnT>
+                    <a:lnB w="12700" cap="flat" cmpd="sng" algn="ctr">
+                      <a:solidFill>
+                        <a:schemeClr val="bg1">
+                          <a:lumMod val="75000"/>
+                        </a:schemeClr>
+                      </a:solidFill>
+                      <a:prstDash val="solid"/>
+                      <a:round/>
+                      <a:headEnd type="none" w="med" len="med"/>
+                      <a:tailEnd type="none" w="med" len="med"/>
+                    </a:lnB>
+                  </a:tcPr>
+                </a:tc>
+                <a:tc>
+                  <a:txBody>
+                    <a:bodyPr/>
+                    <a:lstStyle/>
+                    <a:p>
+                      <a:pPr algn="ctr"/>
+                      <a:r>
+                        <a:rPr lang="en-US" sz="1100" dirty="0">
+                          <a:solidFill>
+                            <a:schemeClr val="tx1">
+                              <a:lumMod val="50000"/>
+                              <a:lumOff val="50000"/>
+                            </a:schemeClr>
+                          </a:solidFill>
+                        </a:rPr>
+                        <a:t>1</a:t>
+                      </a:r>
+                    </a:p>
+                  </a:txBody>
+                  <a:tcPr anchor="ctr">
+                    <a:lnT w="12700" cap="flat" cmpd="sng" algn="ctr">
+                      <a:solidFill>
+                        <a:schemeClr val="bg1">
+                          <a:lumMod val="75000"/>
+                        </a:schemeClr>
+                      </a:solidFill>
+                      <a:prstDash val="solid"/>
+                      <a:round/>
+                      <a:headEnd type="none" w="med" len="med"/>
+                      <a:tailEnd type="none" w="med" len="med"/>
+                    </a:lnT>
+                    <a:lnB w="12700" cap="flat" cmpd="sng" algn="ctr">
+                      <a:solidFill>
+                        <a:schemeClr val="bg1">
+                          <a:lumMod val="75000"/>
+                        </a:schemeClr>
+                      </a:solidFill>
+                      <a:prstDash val="solid"/>
+                      <a:round/>
+                      <a:headEnd type="none" w="med" len="med"/>
+                      <a:tailEnd type="none" w="med" len="med"/>
+                    </a:lnB>
+                  </a:tcPr>
+                </a:tc>
+                <a:tc>
+                  <a:txBody>
+                    <a:bodyPr/>
+                    <a:lstStyle/>
+                    <a:p>
+                      <a:pPr marL="0" marR="0" lvl="0" indent="0" algn="ctr" defTabSz="914400" rtl="0" eaLnBrk="1" fontAlgn="auto" latinLnBrk="0" hangingPunct="1">
+                        <a:lnSpc>
+                          <a:spcPct val="100000"/>
+                        </a:lnSpc>
+                        <a:spcBef>
+                          <a:spcPts val="0"/>
+                        </a:spcBef>
+                        <a:spcAft>
+                          <a:spcPts val="0"/>
+                        </a:spcAft>
+                        <a:buClrTx/>
+                        <a:buSzTx/>
+                        <a:buFontTx/>
+                        <a:buNone/>
+                        <a:tabLst/>
+                        <a:defRPr/>
+                      </a:pPr>
+                      <a:r>
+                        <a:rPr lang="en-US" sz="1100" dirty="0">
+                          <a:solidFill>
+                            <a:schemeClr val="tx1">
+                              <a:lumMod val="50000"/>
+                              <a:lumOff val="50000"/>
+                            </a:schemeClr>
+                          </a:solidFill>
+                        </a:rPr>
+                        <a:t>2020-2Q</a:t>
+                      </a:r>
+                    </a:p>
+                  </a:txBody>
+                  <a:tcPr anchor="ctr">
+                    <a:lnT w="12700" cap="flat" cmpd="sng" algn="ctr">
+                      <a:solidFill>
+                        <a:schemeClr val="bg1">
+                          <a:lumMod val="75000"/>
+                        </a:schemeClr>
+                      </a:solidFill>
+                      <a:prstDash val="solid"/>
+                      <a:round/>
+                      <a:headEnd type="none" w="med" len="med"/>
+                      <a:tailEnd type="none" w="med" len="med"/>
+                    </a:lnT>
+                    <a:lnB w="12700" cap="flat" cmpd="sng" algn="ctr">
+                      <a:solidFill>
+                        <a:schemeClr val="bg1">
+                          <a:lumMod val="75000"/>
+                        </a:schemeClr>
+                      </a:solidFill>
+                      <a:prstDash val="solid"/>
+                      <a:round/>
+                      <a:headEnd type="none" w="med" len="med"/>
+                      <a:tailEnd type="none" w="med" len="med"/>
+                    </a:lnB>
+                  </a:tcPr>
+                </a:tc>
+                <a:tc>
+                  <a:txBody>
+                    <a:bodyPr/>
+                    <a:lstStyle/>
+                    <a:p>
+                      <a:pPr marL="0" marR="0" lvl="0" indent="0" algn="ctr" defTabSz="914400" rtl="0" eaLnBrk="1" fontAlgn="auto" latinLnBrk="0" hangingPunct="1">
+                        <a:lnSpc>
+                          <a:spcPct val="100000"/>
+                        </a:lnSpc>
+                        <a:spcBef>
+                          <a:spcPts val="0"/>
+                        </a:spcBef>
+                        <a:spcAft>
+                          <a:spcPts val="0"/>
+                        </a:spcAft>
+                        <a:buClrTx/>
+                        <a:buSzTx/>
+                        <a:buFontTx/>
+                        <a:buNone/>
+                        <a:tabLst/>
+                        <a:defRPr/>
+                      </a:pPr>
+                      <a:r>
+                        <a:rPr lang="en-US" sz="1100" dirty="0">
+                          <a:solidFill>
+                            <a:schemeClr val="tx1">
+                              <a:lumMod val="50000"/>
+                              <a:lumOff val="50000"/>
+                            </a:schemeClr>
+                          </a:solidFill>
+                        </a:rPr>
+                        <a:t>...</a:t>
+                      </a:r>
+                    </a:p>
+                  </a:txBody>
+                  <a:tcPr anchor="ctr">
+                    <a:lnT w="12700" cap="flat" cmpd="sng" algn="ctr">
+                      <a:solidFill>
+                        <a:schemeClr val="bg1">
+                          <a:lumMod val="75000"/>
+                        </a:schemeClr>
+                      </a:solidFill>
+                      <a:prstDash val="solid"/>
+                      <a:round/>
+                      <a:headEnd type="none" w="med" len="med"/>
+                      <a:tailEnd type="none" w="med" len="med"/>
+                    </a:lnT>
+                    <a:lnB w="12700" cap="flat" cmpd="sng" algn="ctr">
+                      <a:solidFill>
+                        <a:schemeClr val="bg1">
+                          <a:lumMod val="75000"/>
+                        </a:schemeClr>
+                      </a:solidFill>
+                      <a:prstDash val="solid"/>
+                      <a:round/>
+                      <a:headEnd type="none" w="med" len="med"/>
+                      <a:tailEnd type="none" w="med" len="med"/>
+                    </a:lnB>
+                  </a:tcPr>
+                </a:tc>
+                <a:tc>
+                  <a:txBody>
+                    <a:bodyPr/>
+                    <a:lstStyle/>
+                    <a:p>
+                      <a:pPr algn="ctr"/>
+                      <a:r>
+                        <a:rPr lang="en-US" sz="1100" dirty="0">
+                          <a:solidFill>
+                            <a:schemeClr val="tx1">
+                              <a:lumMod val="50000"/>
+                              <a:lumOff val="50000"/>
+                            </a:schemeClr>
+                          </a:solidFill>
+                        </a:rPr>
+                        <a:t>44</a:t>
+                      </a:r>
+                    </a:p>
+                  </a:txBody>
+                  <a:tcPr anchor="ctr">
+                    <a:lnT w="12700" cap="flat" cmpd="sng" algn="ctr">
+                      <a:solidFill>
+                        <a:schemeClr val="bg1">
+                          <a:lumMod val="75000"/>
+                        </a:schemeClr>
+                      </a:solidFill>
+                      <a:prstDash val="solid"/>
+                      <a:round/>
+                      <a:headEnd type="none" w="med" len="med"/>
+                      <a:tailEnd type="none" w="med" len="med"/>
+                    </a:lnT>
+                    <a:lnB w="12700" cap="flat" cmpd="sng" algn="ctr">
+                      <a:solidFill>
+                        <a:schemeClr val="bg1">
+                          <a:lumMod val="75000"/>
+                        </a:schemeClr>
+                      </a:solidFill>
+                      <a:prstDash val="solid"/>
+                      <a:round/>
+                      <a:headEnd type="none" w="med" len="med"/>
+                      <a:tailEnd type="none" w="med" len="med"/>
+                    </a:lnB>
+                  </a:tcPr>
+                </a:tc>
+                <a:extLst>
+                  <a:ext uri="{0D108BD9-81ED-4DB2-BD59-A6C34878D82A}">
+                    <a16:rowId xmlns:a16="http://schemas.microsoft.com/office/drawing/2014/main" val="4132272036"/>
+                  </a:ext>
+                </a:extLst>
+              </a:tr>
+              <a:tr h="280957">
+                <a:tc>
+                  <a:txBody>
+                    <a:bodyPr/>
+                    <a:lstStyle/>
+                    <a:p>
+                      <a:pPr marL="0" marR="0" lvl="0" indent="0" algn="ctr" defTabSz="914400" rtl="0" eaLnBrk="1" fontAlgn="auto" latinLnBrk="0" hangingPunct="1">
+                        <a:lnSpc>
+                          <a:spcPct val="100000"/>
+                        </a:lnSpc>
+                        <a:spcBef>
+                          <a:spcPts val="0"/>
+                        </a:spcBef>
+                        <a:spcAft>
+                          <a:spcPts val="0"/>
+                        </a:spcAft>
+                        <a:buClrTx/>
+                        <a:buSzTx/>
+                        <a:buFontTx/>
+                        <a:buNone/>
+                        <a:tabLst/>
+                        <a:defRPr/>
+                      </a:pPr>
+                      <a:r>
+                        <a:rPr lang="en-US" sz="1100" dirty="0">
+                          <a:solidFill>
+                            <a:schemeClr val="tx1">
+                              <a:lumMod val="50000"/>
+                              <a:lumOff val="50000"/>
+                            </a:schemeClr>
+                          </a:solidFill>
+                        </a:rPr>
+                        <a:t>6204</a:t>
+                      </a:r>
+                    </a:p>
+                  </a:txBody>
+                  <a:tcPr anchor="ctr">
+                    <a:lnT w="12700" cap="flat" cmpd="sng" algn="ctr">
+                      <a:solidFill>
+                        <a:schemeClr val="bg1">
+                          <a:lumMod val="75000"/>
+                        </a:schemeClr>
+                      </a:solidFill>
+                      <a:prstDash val="solid"/>
+                      <a:round/>
+                      <a:headEnd type="none" w="med" len="med"/>
+                      <a:tailEnd type="none" w="med" len="med"/>
+                    </a:lnT>
+                    <a:lnB w="12700" cap="flat" cmpd="sng" algn="ctr">
+                      <a:solidFill>
+                        <a:schemeClr val="bg1">
+                          <a:lumMod val="75000"/>
+                        </a:schemeClr>
+                      </a:solidFill>
+                      <a:prstDash val="solid"/>
+                      <a:round/>
+                      <a:headEnd type="none" w="med" len="med"/>
+                      <a:tailEnd type="none" w="med" len="med"/>
+                    </a:lnB>
+                  </a:tcPr>
+                </a:tc>
+                <a:tc>
+                  <a:txBody>
+                    <a:bodyPr/>
+                    <a:lstStyle/>
+                    <a:p>
+                      <a:pPr algn="ctr"/>
+                      <a:r>
+                        <a:rPr lang="en-US" sz="1100" dirty="0">
+                          <a:solidFill>
+                            <a:schemeClr val="tx1">
+                              <a:lumMod val="50000"/>
+                              <a:lumOff val="50000"/>
+                            </a:schemeClr>
+                          </a:solidFill>
+                        </a:rPr>
+                        <a:t>8</a:t>
+                      </a:r>
+                    </a:p>
+                  </a:txBody>
+                  <a:tcPr anchor="ctr">
+                    <a:lnT w="12700" cap="flat" cmpd="sng" algn="ctr">
+                      <a:solidFill>
+                        <a:schemeClr val="bg1">
+                          <a:lumMod val="75000"/>
+                        </a:schemeClr>
+                      </a:solidFill>
+                      <a:prstDash val="solid"/>
+                      <a:round/>
+                      <a:headEnd type="none" w="med" len="med"/>
+                      <a:tailEnd type="none" w="med" len="med"/>
+                    </a:lnT>
+                    <a:lnB w="12700" cap="flat" cmpd="sng" algn="ctr">
+                      <a:solidFill>
+                        <a:schemeClr val="bg1">
+                          <a:lumMod val="75000"/>
+                        </a:schemeClr>
+                      </a:solidFill>
+                      <a:prstDash val="solid"/>
+                      <a:round/>
+                      <a:headEnd type="none" w="med" len="med"/>
+                      <a:tailEnd type="none" w="med" len="med"/>
+                    </a:lnB>
+                  </a:tcPr>
+                </a:tc>
+                <a:tc>
+                  <a:txBody>
+                    <a:bodyPr/>
+                    <a:lstStyle/>
+                    <a:p>
+                      <a:pPr algn="ctr"/>
+                      <a:r>
+                        <a:rPr lang="en-US" sz="1100" dirty="0">
+                          <a:solidFill>
+                            <a:schemeClr val="tx1">
+                              <a:lumMod val="50000"/>
+                              <a:lumOff val="50000"/>
+                            </a:schemeClr>
+                          </a:solidFill>
+                        </a:rPr>
+                        <a:t>mobile</a:t>
+                      </a:r>
+                    </a:p>
+                  </a:txBody>
+                  <a:tcPr anchor="ctr">
+                    <a:lnT w="12700" cap="flat" cmpd="sng" algn="ctr">
+                      <a:solidFill>
+                        <a:schemeClr val="bg1">
+                          <a:lumMod val="75000"/>
+                        </a:schemeClr>
+                      </a:solidFill>
+                      <a:prstDash val="solid"/>
+                      <a:round/>
+                      <a:headEnd type="none" w="med" len="med"/>
+                      <a:tailEnd type="none" w="med" len="med"/>
+                    </a:lnT>
+                    <a:lnB w="12700" cap="flat" cmpd="sng" algn="ctr">
+                      <a:solidFill>
+                        <a:schemeClr val="bg1">
+                          <a:lumMod val="75000"/>
+                        </a:schemeClr>
+                      </a:solidFill>
+                      <a:prstDash val="solid"/>
+                      <a:round/>
+                      <a:headEnd type="none" w="med" len="med"/>
+                      <a:tailEnd type="none" w="med" len="med"/>
+                    </a:lnB>
+                  </a:tcPr>
+                </a:tc>
+                <a:tc>
+                  <a:txBody>
+                    <a:bodyPr/>
+                    <a:lstStyle/>
+                    <a:p>
+                      <a:pPr algn="ctr"/>
+                      <a:r>
+                        <a:rPr lang="en-US" sz="1100" dirty="0">
+                          <a:solidFill>
+                            <a:schemeClr val="tx1">
+                              <a:lumMod val="50000"/>
+                              <a:lumOff val="50000"/>
+                            </a:schemeClr>
+                          </a:solidFill>
+                        </a:rPr>
+                        <a:t>1</a:t>
+                      </a:r>
+                    </a:p>
+                  </a:txBody>
+                  <a:tcPr anchor="ctr">
+                    <a:lnT w="12700" cap="flat" cmpd="sng" algn="ctr">
+                      <a:solidFill>
+                        <a:schemeClr val="bg1">
+                          <a:lumMod val="75000"/>
+                        </a:schemeClr>
+                      </a:solidFill>
+                      <a:prstDash val="solid"/>
+                      <a:round/>
+                      <a:headEnd type="none" w="med" len="med"/>
+                      <a:tailEnd type="none" w="med" len="med"/>
+                    </a:lnT>
+                    <a:lnB w="12700" cap="flat" cmpd="sng" algn="ctr">
+                      <a:solidFill>
+                        <a:schemeClr val="bg1">
+                          <a:lumMod val="75000"/>
+                        </a:schemeClr>
+                      </a:solidFill>
+                      <a:prstDash val="solid"/>
+                      <a:round/>
+                      <a:headEnd type="none" w="med" len="med"/>
+                      <a:tailEnd type="none" w="med" len="med"/>
+                    </a:lnB>
+                  </a:tcPr>
+                </a:tc>
+                <a:tc>
+                  <a:txBody>
+                    <a:bodyPr/>
+                    <a:lstStyle/>
+                    <a:p>
+                      <a:pPr marL="0" marR="0" lvl="0" indent="0" algn="ctr" defTabSz="914400" rtl="0" eaLnBrk="1" fontAlgn="auto" latinLnBrk="0" hangingPunct="1">
+                        <a:lnSpc>
+                          <a:spcPct val="100000"/>
+                        </a:lnSpc>
+                        <a:spcBef>
+                          <a:spcPts val="0"/>
+                        </a:spcBef>
+                        <a:spcAft>
+                          <a:spcPts val="0"/>
+                        </a:spcAft>
+                        <a:buClrTx/>
+                        <a:buSzTx/>
+                        <a:buFontTx/>
+                        <a:buNone/>
+                        <a:tabLst/>
+                        <a:defRPr/>
+                      </a:pPr>
+                      <a:r>
+                        <a:rPr lang="en-US" sz="1100" dirty="0">
+                          <a:solidFill>
+                            <a:schemeClr val="tx1">
+                              <a:lumMod val="50000"/>
+                              <a:lumOff val="50000"/>
+                            </a:schemeClr>
+                          </a:solidFill>
+                        </a:rPr>
+                        <a:t>2020-2Q</a:t>
+                      </a:r>
+                    </a:p>
+                  </a:txBody>
+                  <a:tcPr anchor="ctr">
+                    <a:lnT w="12700" cap="flat" cmpd="sng" algn="ctr">
+                      <a:solidFill>
+                        <a:schemeClr val="bg1">
+                          <a:lumMod val="75000"/>
+                        </a:schemeClr>
+                      </a:solidFill>
+                      <a:prstDash val="solid"/>
+                      <a:round/>
+                      <a:headEnd type="none" w="med" len="med"/>
+                      <a:tailEnd type="none" w="med" len="med"/>
+                    </a:lnT>
+                    <a:lnB w="12700" cap="flat" cmpd="sng" algn="ctr">
+                      <a:solidFill>
+                        <a:schemeClr val="bg1">
+                          <a:lumMod val="75000"/>
+                        </a:schemeClr>
+                      </a:solidFill>
+                      <a:prstDash val="solid"/>
+                      <a:round/>
+                      <a:headEnd type="none" w="med" len="med"/>
+                      <a:tailEnd type="none" w="med" len="med"/>
+                    </a:lnB>
+                  </a:tcPr>
+                </a:tc>
+                <a:tc>
+                  <a:txBody>
+                    <a:bodyPr/>
+                    <a:lstStyle/>
+                    <a:p>
+                      <a:pPr marL="0" marR="0" lvl="0" indent="0" algn="ctr" defTabSz="914400" rtl="0" eaLnBrk="1" fontAlgn="auto" latinLnBrk="0" hangingPunct="1">
+                        <a:lnSpc>
+                          <a:spcPct val="100000"/>
+                        </a:lnSpc>
+                        <a:spcBef>
+                          <a:spcPts val="0"/>
+                        </a:spcBef>
+                        <a:spcAft>
+                          <a:spcPts val="0"/>
+                        </a:spcAft>
+                        <a:buClrTx/>
+                        <a:buSzTx/>
+                        <a:buFontTx/>
+                        <a:buNone/>
+                        <a:tabLst/>
+                        <a:defRPr/>
+                      </a:pPr>
+                      <a:r>
+                        <a:rPr lang="en-US" sz="1100" dirty="0">
+                          <a:solidFill>
+                            <a:schemeClr val="tx1">
+                              <a:lumMod val="50000"/>
+                              <a:lumOff val="50000"/>
+                            </a:schemeClr>
+                          </a:solidFill>
+                        </a:rPr>
+                        <a:t>...</a:t>
+                      </a:r>
+                    </a:p>
+                  </a:txBody>
+                  <a:tcPr anchor="ctr">
+                    <a:lnT w="12700" cap="flat" cmpd="sng" algn="ctr">
+                      <a:solidFill>
+                        <a:schemeClr val="bg1">
+                          <a:lumMod val="75000"/>
+                        </a:schemeClr>
+                      </a:solidFill>
+                      <a:prstDash val="solid"/>
+                      <a:round/>
+                      <a:headEnd type="none" w="med" len="med"/>
+                      <a:tailEnd type="none" w="med" len="med"/>
+                    </a:lnT>
+                    <a:lnB w="12700" cap="flat" cmpd="sng" algn="ctr">
+                      <a:solidFill>
+                        <a:schemeClr val="bg1">
+                          <a:lumMod val="75000"/>
+                        </a:schemeClr>
+                      </a:solidFill>
+                      <a:prstDash val="solid"/>
+                      <a:round/>
+                      <a:headEnd type="none" w="med" len="med"/>
+                      <a:tailEnd type="none" w="med" len="med"/>
+                    </a:lnB>
+                  </a:tcPr>
+                </a:tc>
+                <a:tc>
+                  <a:txBody>
+                    <a:bodyPr/>
+                    <a:lstStyle/>
+                    <a:p>
+                      <a:pPr algn="ctr"/>
+                      <a:r>
+                        <a:rPr lang="en-US" sz="1100" dirty="0">
+                          <a:solidFill>
+                            <a:schemeClr val="tx1">
+                              <a:lumMod val="50000"/>
+                              <a:lumOff val="50000"/>
+                            </a:schemeClr>
+                          </a:solidFill>
+                        </a:rPr>
+                        <a:t>56</a:t>
+                      </a:r>
+                    </a:p>
+                  </a:txBody>
+                  <a:tcPr anchor="ctr">
+                    <a:lnT w="12700" cap="flat" cmpd="sng" algn="ctr">
+                      <a:solidFill>
+                        <a:schemeClr val="bg1">
+                          <a:lumMod val="75000"/>
+                        </a:schemeClr>
+                      </a:solidFill>
+                      <a:prstDash val="solid"/>
+                      <a:round/>
+                      <a:headEnd type="none" w="med" len="med"/>
+                      <a:tailEnd type="none" w="med" len="med"/>
+                    </a:lnT>
+                    <a:lnB w="12700" cap="flat" cmpd="sng" algn="ctr">
+                      <a:solidFill>
+                        <a:schemeClr val="bg1">
+                          <a:lumMod val="75000"/>
+                        </a:schemeClr>
+                      </a:solidFill>
+                      <a:prstDash val="solid"/>
+                      <a:round/>
+                      <a:headEnd type="none" w="med" len="med"/>
+                      <a:tailEnd type="none" w="med" len="med"/>
+                    </a:lnB>
+                  </a:tcPr>
+                </a:tc>
+                <a:extLst>
+                  <a:ext uri="{0D108BD9-81ED-4DB2-BD59-A6C34878D82A}">
+                    <a16:rowId xmlns:a16="http://schemas.microsoft.com/office/drawing/2014/main" val="3560812921"/>
+                  </a:ext>
+                </a:extLst>
+              </a:tr>
+            </a:tbl>
+          </a:graphicData>
+        </a:graphic>
+      </p:graphicFrame>
+      <p:sp>
+        <p:nvSpPr>
+          <p:cNvPr id="5" name="Rectangle 4">
+            <a:extLst>
+              <a:ext uri="{FF2B5EF4-FFF2-40B4-BE49-F238E27FC236}">
+                <a16:creationId xmlns:a16="http://schemas.microsoft.com/office/drawing/2014/main" id="{A8B176EB-9F14-F705-119F-EDE4E6478FE2}"/>
+              </a:ext>
+            </a:extLst>
+          </p:cNvPr>
+          <p:cNvSpPr/>
+          <p:nvPr/>
+        </p:nvSpPr>
+        <p:spPr>
+          <a:xfrm>
+            <a:off x="4491572" y="2066726"/>
+            <a:ext cx="619367" cy="1674886"/>
+          </a:xfrm>
+          <a:prstGeom prst="rect">
+            <a:avLst/>
+          </a:prstGeom>
+          <a:noFill/>
+          <a:ln w="19050">
+            <a:solidFill>
+              <a:srgbClr val="0070C0"/>
+            </a:solidFill>
+          </a:ln>
+        </p:spPr>
+        <p:style>
+          <a:lnRef idx="2">
+            <a:schemeClr val="accent1">
+              <a:shade val="50000"/>
+            </a:schemeClr>
+          </a:lnRef>
+          <a:fillRef idx="1">
+            <a:schemeClr val="accent1"/>
+          </a:fillRef>
+          <a:effectRef idx="0">
+            <a:schemeClr val="accent1"/>
+          </a:effectRef>
+          <a:fontRef idx="minor">
+            <a:schemeClr val="lt1"/>
+          </a:fontRef>
+        </p:style>
+        <p:txBody>
+          <a:bodyPr rtlCol="0" anchor="ctr"/>
+          <a:lstStyle/>
+          <a:p>
+            <a:pPr algn="ctr"/>
+            <a:endParaRPr lang="en-US"/>
+          </a:p>
+        </p:txBody>
+      </p:sp>
+      <p:sp>
+        <p:nvSpPr>
+          <p:cNvPr id="18" name="Rectangle 17">
+            <a:extLst>
+              <a:ext uri="{FF2B5EF4-FFF2-40B4-BE49-F238E27FC236}">
+                <a16:creationId xmlns:a16="http://schemas.microsoft.com/office/drawing/2014/main" id="{DC28380B-298C-37AC-AF5E-650B3B4493D0}"/>
+              </a:ext>
+            </a:extLst>
+          </p:cNvPr>
+          <p:cNvSpPr/>
+          <p:nvPr/>
+        </p:nvSpPr>
+        <p:spPr>
+          <a:xfrm>
+            <a:off x="4493477" y="694305"/>
+            <a:ext cx="619367" cy="859568"/>
+          </a:xfrm>
+          <a:prstGeom prst="rect">
+            <a:avLst/>
+          </a:prstGeom>
+          <a:noFill/>
+          <a:ln w="19050">
+            <a:solidFill>
+              <a:srgbClr val="7030A0"/>
+            </a:solidFill>
+          </a:ln>
+        </p:spPr>
+        <p:style>
+          <a:lnRef idx="2">
+            <a:schemeClr val="accent1">
+              <a:shade val="50000"/>
+            </a:schemeClr>
+          </a:lnRef>
+          <a:fillRef idx="1">
+            <a:schemeClr val="accent1"/>
+          </a:fillRef>
+          <a:effectRef idx="0">
+            <a:schemeClr val="accent1"/>
+          </a:effectRef>
+          <a:fontRef idx="minor">
+            <a:schemeClr val="lt1"/>
+          </a:fontRef>
+        </p:style>
+        <p:txBody>
+          <a:bodyPr rtlCol="0" anchor="ctr"/>
+          <a:lstStyle/>
+          <a:p>
+            <a:pPr algn="ctr"/>
+            <a:endParaRPr lang="en-US"/>
+          </a:p>
+        </p:txBody>
+      </p:sp>
+      <p:sp>
+        <p:nvSpPr>
+          <p:cNvPr id="20" name="Rectangle 19">
+            <a:extLst>
+              <a:ext uri="{FF2B5EF4-FFF2-40B4-BE49-F238E27FC236}">
+                <a16:creationId xmlns:a16="http://schemas.microsoft.com/office/drawing/2014/main" id="{96B47F51-EB22-CF9C-8D70-D05220A73323}"/>
+              </a:ext>
+            </a:extLst>
+          </p:cNvPr>
+          <p:cNvSpPr/>
+          <p:nvPr/>
+        </p:nvSpPr>
+        <p:spPr>
+          <a:xfrm>
+            <a:off x="9307242" y="2066725"/>
+            <a:ext cx="619367" cy="1674886"/>
+          </a:xfrm>
+          <a:prstGeom prst="rect">
+            <a:avLst/>
+          </a:prstGeom>
+          <a:noFill/>
+          <a:ln w="19050">
+            <a:solidFill>
+              <a:schemeClr val="accent6">
+                <a:lumMod val="60000"/>
+                <a:lumOff val="40000"/>
+              </a:schemeClr>
+            </a:solidFill>
+          </a:ln>
+        </p:spPr>
+        <p:style>
+          <a:lnRef idx="2">
+            <a:schemeClr val="accent1">
+              <a:shade val="50000"/>
+            </a:schemeClr>
+          </a:lnRef>
+          <a:fillRef idx="1">
+            <a:schemeClr val="accent1"/>
+          </a:fillRef>
+          <a:effectRef idx="0">
+            <a:schemeClr val="accent1"/>
+          </a:effectRef>
+          <a:fontRef idx="minor">
+            <a:schemeClr val="lt1"/>
+          </a:fontRef>
+        </p:style>
+        <p:txBody>
+          <a:bodyPr rtlCol="0" anchor="ctr"/>
+          <a:lstStyle/>
+          <a:p>
+            <a:pPr algn="ctr"/>
+            <a:endParaRPr lang="en-US"/>
+          </a:p>
+        </p:txBody>
+      </p:sp>
+      <p:sp>
+        <p:nvSpPr>
+          <p:cNvPr id="21" name="Rectangle 20">
+            <a:extLst>
+              <a:ext uri="{FF2B5EF4-FFF2-40B4-BE49-F238E27FC236}">
+                <a16:creationId xmlns:a16="http://schemas.microsoft.com/office/drawing/2014/main" id="{49F30003-7640-C4C9-B12D-CD9971C3F4DE}"/>
+              </a:ext>
+            </a:extLst>
+          </p:cNvPr>
+          <p:cNvSpPr/>
+          <p:nvPr/>
+        </p:nvSpPr>
+        <p:spPr>
+          <a:xfrm>
+            <a:off x="1248698" y="2066725"/>
+            <a:ext cx="619367" cy="1674885"/>
+          </a:xfrm>
+          <a:prstGeom prst="rect">
+            <a:avLst/>
+          </a:prstGeom>
+          <a:noFill/>
+          <a:ln w="19050">
+            <a:solidFill>
+              <a:srgbClr val="0070C0"/>
+            </a:solidFill>
+          </a:ln>
+        </p:spPr>
+        <p:style>
+          <a:lnRef idx="2">
+            <a:schemeClr val="accent1">
+              <a:shade val="50000"/>
+            </a:schemeClr>
+          </a:lnRef>
+          <a:fillRef idx="1">
+            <a:schemeClr val="accent1"/>
+          </a:fillRef>
+          <a:effectRef idx="0">
+            <a:schemeClr val="accent1"/>
+          </a:effectRef>
+          <a:fontRef idx="minor">
+            <a:schemeClr val="lt1"/>
+          </a:fontRef>
+        </p:style>
+        <p:txBody>
+          <a:bodyPr rtlCol="0" anchor="ctr"/>
+          <a:lstStyle/>
+          <a:p>
+            <a:pPr algn="ctr"/>
+            <a:endParaRPr lang="en-US"/>
+          </a:p>
+        </p:txBody>
+      </p:sp>
+      <p:sp>
+        <p:nvSpPr>
+          <p:cNvPr id="22" name="Rectangle 21">
+            <a:extLst>
+              <a:ext uri="{FF2B5EF4-FFF2-40B4-BE49-F238E27FC236}">
+                <a16:creationId xmlns:a16="http://schemas.microsoft.com/office/drawing/2014/main" id="{545CA437-59CC-16E8-67A4-BC4F4C8AD081}"/>
+              </a:ext>
+            </a:extLst>
+          </p:cNvPr>
+          <p:cNvSpPr/>
+          <p:nvPr/>
+        </p:nvSpPr>
+        <p:spPr>
+          <a:xfrm>
+            <a:off x="2002443" y="694112"/>
+            <a:ext cx="655032" cy="854137"/>
+          </a:xfrm>
+          <a:prstGeom prst="rect">
+            <a:avLst/>
+          </a:prstGeom>
+          <a:noFill/>
+          <a:ln w="19050">
+            <a:solidFill>
+              <a:srgbClr val="7030A0"/>
+            </a:solidFill>
+          </a:ln>
+        </p:spPr>
+        <p:style>
+          <a:lnRef idx="2">
+            <a:schemeClr val="accent1">
+              <a:shade val="50000"/>
+            </a:schemeClr>
+          </a:lnRef>
+          <a:fillRef idx="1">
+            <a:schemeClr val="accent1"/>
+          </a:fillRef>
+          <a:effectRef idx="0">
+            <a:schemeClr val="accent1"/>
+          </a:effectRef>
+          <a:fontRef idx="minor">
+            <a:schemeClr val="lt1"/>
+          </a:fontRef>
+        </p:style>
+        <p:txBody>
+          <a:bodyPr rtlCol="0" anchor="ctr"/>
+          <a:lstStyle/>
+          <a:p>
+            <a:pPr algn="ctr"/>
+            <a:endParaRPr lang="en-US"/>
+          </a:p>
+        </p:txBody>
+      </p:sp>
+      <p:sp>
+        <p:nvSpPr>
+          <p:cNvPr id="23" name="Rectangle 22">
+            <a:extLst>
+              <a:ext uri="{FF2B5EF4-FFF2-40B4-BE49-F238E27FC236}">
+                <a16:creationId xmlns:a16="http://schemas.microsoft.com/office/drawing/2014/main" id="{AF52FCEE-FF22-3476-0EB8-2B27AE72651D}"/>
+              </a:ext>
+            </a:extLst>
+          </p:cNvPr>
+          <p:cNvSpPr/>
+          <p:nvPr/>
+        </p:nvSpPr>
+        <p:spPr>
+          <a:xfrm>
+            <a:off x="5382259" y="2066725"/>
+            <a:ext cx="619367" cy="1674885"/>
+          </a:xfrm>
+          <a:prstGeom prst="rect">
+            <a:avLst/>
+          </a:prstGeom>
+          <a:noFill/>
+          <a:ln w="19050">
+            <a:solidFill>
+              <a:schemeClr val="accent6">
+                <a:lumMod val="60000"/>
+                <a:lumOff val="40000"/>
+              </a:schemeClr>
+            </a:solidFill>
+          </a:ln>
+        </p:spPr>
+        <p:style>
+          <a:lnRef idx="2">
+            <a:schemeClr val="accent1">
+              <a:shade val="50000"/>
+            </a:schemeClr>
+          </a:lnRef>
+          <a:fillRef idx="1">
+            <a:schemeClr val="accent1"/>
+          </a:fillRef>
+          <a:effectRef idx="0">
+            <a:schemeClr val="accent1"/>
+          </a:effectRef>
+          <a:fontRef idx="minor">
+            <a:schemeClr val="lt1"/>
+          </a:fontRef>
+        </p:style>
+        <p:txBody>
+          <a:bodyPr rtlCol="0" anchor="ctr"/>
+          <a:lstStyle/>
+          <a:p>
+            <a:pPr algn="ctr"/>
+            <a:endParaRPr lang="en-US"/>
+          </a:p>
+        </p:txBody>
+      </p:sp>
+      <p:graphicFrame>
+        <p:nvGraphicFramePr>
+          <p:cNvPr id="12" name="Table 4">
+            <a:extLst>
+              <a:ext uri="{FF2B5EF4-FFF2-40B4-BE49-F238E27FC236}">
+                <a16:creationId xmlns:a16="http://schemas.microsoft.com/office/drawing/2014/main" id="{4A4E69A2-27F8-BBDB-1BF2-F2C0F3E684B4}"/>
+              </a:ext>
+            </a:extLst>
+          </p:cNvPr>
+          <p:cNvGraphicFramePr>
+            <a:graphicFrameLocks noGrp="1"/>
+          </p:cNvGraphicFramePr>
+          <p:nvPr>
+            <p:extLst>
+              <p:ext uri="{D42A27DB-BD31-4B8C-83A1-F6EECF244321}">
+                <p14:modId xmlns:p14="http://schemas.microsoft.com/office/powerpoint/2010/main" val="2218557791"/>
+              </p:ext>
+            </p:extLst>
+          </p:nvPr>
+        </p:nvGraphicFramePr>
+        <p:xfrm>
+          <a:off x="5382259" y="757189"/>
+          <a:ext cx="4534963" cy="707677"/>
+        </p:xfrm>
+        <a:graphic>
+          <a:graphicData uri="http://schemas.openxmlformats.org/drawingml/2006/table">
+            <a:tbl>
+              <a:tblPr firstRow="1" bandRow="1">
+                <a:tableStyleId>{2D5ABB26-0587-4C30-8999-92F81FD0307C}</a:tableStyleId>
+              </a:tblPr>
+              <a:tblGrid>
+                <a:gridCol w="590867">
+                  <a:extLst>
+                    <a:ext uri="{9D8B030D-6E8A-4147-A177-3AD203B41FA5}">
+                      <a16:colId xmlns:a16="http://schemas.microsoft.com/office/drawing/2014/main" val="640528194"/>
+                    </a:ext>
+                  </a:extLst>
+                </a:gridCol>
+                <a:gridCol w="725805">
+                  <a:extLst>
+                    <a:ext uri="{9D8B030D-6E8A-4147-A177-3AD203B41FA5}">
+                      <a16:colId xmlns:a16="http://schemas.microsoft.com/office/drawing/2014/main" val="2586490148"/>
+                    </a:ext>
+                  </a:extLst>
+                </a:gridCol>
+                <a:gridCol w="827405">
+                  <a:extLst>
+                    <a:ext uri="{9D8B030D-6E8A-4147-A177-3AD203B41FA5}">
+                      <a16:colId xmlns:a16="http://schemas.microsoft.com/office/drawing/2014/main" val="3800522496"/>
+                    </a:ext>
+                  </a:extLst>
+                </a:gridCol>
+                <a:gridCol w="651193">
+                  <a:extLst>
+                    <a:ext uri="{9D8B030D-6E8A-4147-A177-3AD203B41FA5}">
+                      <a16:colId xmlns:a16="http://schemas.microsoft.com/office/drawing/2014/main" val="3584529646"/>
+                    </a:ext>
+                  </a:extLst>
+                </a:gridCol>
+                <a:gridCol w="708343">
+                  <a:extLst>
+                    <a:ext uri="{9D8B030D-6E8A-4147-A177-3AD203B41FA5}">
+                      <a16:colId xmlns:a16="http://schemas.microsoft.com/office/drawing/2014/main" val="2947788383"/>
+                    </a:ext>
+                  </a:extLst>
+                </a:gridCol>
+                <a:gridCol w="328930">
+                  <a:extLst>
+                    <a:ext uri="{9D8B030D-6E8A-4147-A177-3AD203B41FA5}">
+                      <a16:colId xmlns:a16="http://schemas.microsoft.com/office/drawing/2014/main" val="3706352711"/>
+                    </a:ext>
+                  </a:extLst>
+                </a:gridCol>
+                <a:gridCol w="702420">
+                  <a:extLst>
+                    <a:ext uri="{9D8B030D-6E8A-4147-A177-3AD203B41FA5}">
+                      <a16:colId xmlns:a16="http://schemas.microsoft.com/office/drawing/2014/main" val="3907699407"/>
+                    </a:ext>
+                  </a:extLst>
+                </a:gridCol>
+              </a:tblGrid>
+              <a:tr h="0">
+                <a:tc>
+                  <a:txBody>
+                    <a:bodyPr/>
+                    <a:lstStyle/>
+                    <a:p>
+                      <a:pPr algn="ctr"/>
+                      <a:r>
+                        <a:rPr lang="en-US" sz="1100" b="1" kern="1200" dirty="0">
+                          <a:solidFill>
+                            <a:schemeClr val="bg1"/>
+                          </a:solidFill>
+                          <a:latin typeface="+mn-lt"/>
+                          <a:ea typeface="+mn-ea"/>
+                          <a:cs typeface="+mn-cs"/>
+                        </a:rPr>
+                        <a:t>CDUID</a:t>
+                      </a:r>
+                    </a:p>
+                  </a:txBody>
+                  <a:tcPr anchor="ctr">
+                    <a:lnB w="12700" cap="flat" cmpd="sng" algn="ctr">
+                      <a:solidFill>
+                        <a:schemeClr val="bg1">
+                          <a:lumMod val="75000"/>
+                        </a:schemeClr>
+                      </a:solidFill>
+                      <a:prstDash val="solid"/>
+                      <a:round/>
+                      <a:headEnd type="none" w="med" len="med"/>
+                      <a:tailEnd type="none" w="med" len="med"/>
+                    </a:lnB>
+                    <a:solidFill>
+                      <a:schemeClr val="accent2">
+                        <a:lumMod val="75000"/>
+                      </a:schemeClr>
+                    </a:solidFill>
+                  </a:tcPr>
+                </a:tc>
+                <a:tc>
+                  <a:txBody>
+                    <a:bodyPr/>
+                    <a:lstStyle/>
+                    <a:p>
+                      <a:pPr algn="ctr"/>
+                      <a:r>
+                        <a:rPr lang="en-US" sz="1100" b="1" kern="1200" dirty="0">
+                          <a:solidFill>
+                            <a:schemeClr val="bg1"/>
+                          </a:solidFill>
+                          <a:latin typeface="+mn-lt"/>
+                          <a:ea typeface="+mn-ea"/>
+                          <a:cs typeface="+mn-cs"/>
+                        </a:rPr>
+                        <a:t>SACTYPE</a:t>
+                      </a:r>
+                    </a:p>
+                  </a:txBody>
+                  <a:tcPr anchor="ctr">
+                    <a:lnB w="12700" cap="flat" cmpd="sng" algn="ctr">
+                      <a:solidFill>
+                        <a:schemeClr val="bg1">
+                          <a:lumMod val="75000"/>
+                        </a:schemeClr>
+                      </a:solidFill>
+                      <a:prstDash val="solid"/>
+                      <a:round/>
+                      <a:headEnd type="none" w="med" len="med"/>
+                      <a:tailEnd type="none" w="med" len="med"/>
+                    </a:lnB>
+                    <a:solidFill>
+                      <a:schemeClr val="accent2">
+                        <a:lumMod val="75000"/>
+                      </a:schemeClr>
+                    </a:solidFill>
+                  </a:tcPr>
+                </a:tc>
+                <a:tc>
+                  <a:txBody>
+                    <a:bodyPr/>
+                    <a:lstStyle/>
+                    <a:p>
+                      <a:pPr algn="ctr"/>
+                      <a:r>
+                        <a:rPr lang="en-US" sz="1100" b="1" kern="1200" dirty="0" err="1">
+                          <a:solidFill>
+                            <a:schemeClr val="bg1"/>
+                          </a:solidFill>
+                          <a:latin typeface="+mn-lt"/>
+                          <a:ea typeface="+mn-ea"/>
+                          <a:cs typeface="+mn-cs"/>
+                        </a:rPr>
+                        <a:t>conn_type</a:t>
+                      </a:r>
+                      <a:endParaRPr lang="en-US" sz="1100" b="1" kern="1200" dirty="0">
+                        <a:solidFill>
+                          <a:schemeClr val="bg1"/>
+                        </a:solidFill>
+                        <a:latin typeface="+mn-lt"/>
+                        <a:ea typeface="+mn-ea"/>
+                        <a:cs typeface="+mn-cs"/>
+                      </a:endParaRPr>
+                    </a:p>
+                  </a:txBody>
+                  <a:tcPr anchor="ctr">
+                    <a:lnB w="12700" cap="flat" cmpd="sng" algn="ctr">
+                      <a:solidFill>
+                        <a:schemeClr val="bg1">
+                          <a:lumMod val="75000"/>
+                        </a:schemeClr>
+                      </a:solidFill>
+                      <a:prstDash val="solid"/>
+                      <a:round/>
+                      <a:headEnd type="none" w="med" len="med"/>
+                      <a:tailEnd type="none" w="med" len="med"/>
+                    </a:lnB>
+                    <a:solidFill>
+                      <a:schemeClr val="accent2">
+                        <a:lumMod val="75000"/>
+                      </a:schemeClr>
+                    </a:solidFill>
+                  </a:tcPr>
+                </a:tc>
+                <a:tc>
+                  <a:txBody>
+                    <a:bodyPr/>
+                    <a:lstStyle/>
+                    <a:p>
+                      <a:pPr algn="ctr"/>
+                      <a:r>
+                        <a:rPr lang="en-US" sz="1100" b="1" kern="1200" dirty="0" err="1">
+                          <a:solidFill>
+                            <a:schemeClr val="bg1"/>
+                          </a:solidFill>
+                          <a:latin typeface="+mn-lt"/>
+                          <a:ea typeface="+mn-ea"/>
+                          <a:cs typeface="+mn-cs"/>
+                        </a:rPr>
+                        <a:t>is_rural</a:t>
+                      </a:r>
+                      <a:endParaRPr lang="en-US" sz="1100" b="1" kern="1200" dirty="0">
+                        <a:solidFill>
+                          <a:schemeClr val="bg1"/>
+                        </a:solidFill>
+                        <a:latin typeface="+mn-lt"/>
+                        <a:ea typeface="+mn-ea"/>
+                        <a:cs typeface="+mn-cs"/>
+                      </a:endParaRPr>
+                    </a:p>
+                  </a:txBody>
+                  <a:tcPr anchor="ctr">
+                    <a:lnB w="12700" cap="flat" cmpd="sng" algn="ctr">
+                      <a:solidFill>
+                        <a:schemeClr val="bg1">
+                          <a:lumMod val="75000"/>
+                        </a:schemeClr>
+                      </a:solidFill>
+                      <a:prstDash val="solid"/>
+                      <a:round/>
+                      <a:headEnd type="none" w="med" len="med"/>
+                      <a:tailEnd type="none" w="med" len="med"/>
+                    </a:lnB>
+                    <a:solidFill>
+                      <a:schemeClr val="accent2">
+                        <a:lumMod val="75000"/>
+                      </a:schemeClr>
+                    </a:solidFill>
+                  </a:tcPr>
+                </a:tc>
+                <a:tc>
+                  <a:txBody>
+                    <a:bodyPr/>
+                    <a:lstStyle/>
+                    <a:p>
+                      <a:pPr algn="ctr"/>
+                      <a:r>
+                        <a:rPr lang="en-US" sz="1100" b="1" kern="1200" dirty="0">
+                          <a:solidFill>
+                            <a:schemeClr val="bg1"/>
+                          </a:solidFill>
+                          <a:latin typeface="+mn-lt"/>
+                          <a:ea typeface="+mn-ea"/>
+                          <a:cs typeface="+mn-cs"/>
+                        </a:rPr>
+                        <a:t>time</a:t>
+                      </a:r>
+                    </a:p>
+                  </a:txBody>
+                  <a:tcPr anchor="ctr">
+                    <a:lnB w="12700" cap="flat" cmpd="sng" algn="ctr">
+                      <a:solidFill>
+                        <a:schemeClr val="bg1">
+                          <a:lumMod val="75000"/>
+                        </a:schemeClr>
+                      </a:solidFill>
+                      <a:prstDash val="solid"/>
+                      <a:round/>
+                      <a:headEnd type="none" w="med" len="med"/>
+                      <a:tailEnd type="none" w="med" len="med"/>
+                    </a:lnB>
+                    <a:solidFill>
+                      <a:schemeClr val="accent2">
+                        <a:lumMod val="75000"/>
+                      </a:schemeClr>
+                    </a:solidFill>
+                  </a:tcPr>
+                </a:tc>
+                <a:tc>
+                  <a:txBody>
+                    <a:bodyPr/>
+                    <a:lstStyle/>
+                    <a:p>
+                      <a:pPr marL="0" marR="0" lvl="0" indent="0" algn="ctr" defTabSz="914400" rtl="0" eaLnBrk="1" fontAlgn="auto" latinLnBrk="0" hangingPunct="1">
+                        <a:lnSpc>
+                          <a:spcPct val="100000"/>
+                        </a:lnSpc>
+                        <a:spcBef>
+                          <a:spcPts val="0"/>
+                        </a:spcBef>
+                        <a:spcAft>
+                          <a:spcPts val="0"/>
+                        </a:spcAft>
+                        <a:buClrTx/>
+                        <a:buSzTx/>
+                        <a:buFontTx/>
+                        <a:buNone/>
+                        <a:tabLst/>
+                        <a:defRPr/>
+                      </a:pPr>
+                      <a:r>
+                        <a:rPr lang="en-US" sz="1100" b="1" kern="1200" dirty="0">
+                          <a:solidFill>
+                            <a:schemeClr val="bg1"/>
+                          </a:solidFill>
+                          <a:latin typeface="+mn-lt"/>
+                          <a:ea typeface="+mn-ea"/>
+                          <a:cs typeface="+mn-cs"/>
+                        </a:rPr>
+                        <a:t>...</a:t>
+                      </a:r>
+                    </a:p>
+                  </a:txBody>
+                  <a:tcPr anchor="ctr">
+                    <a:lnB w="12700" cap="flat" cmpd="sng" algn="ctr">
+                      <a:solidFill>
+                        <a:schemeClr val="bg1">
+                          <a:lumMod val="75000"/>
+                        </a:schemeClr>
+                      </a:solidFill>
+                      <a:prstDash val="solid"/>
+                      <a:round/>
+                      <a:headEnd type="none" w="med" len="med"/>
+                      <a:tailEnd type="none" w="med" len="med"/>
+                    </a:lnB>
+                    <a:solidFill>
+                      <a:schemeClr val="accent2">
+                        <a:lumMod val="75000"/>
+                      </a:schemeClr>
+                    </a:solidFill>
+                  </a:tcPr>
+                </a:tc>
+                <a:tc>
+                  <a:txBody>
+                    <a:bodyPr/>
+                    <a:lstStyle/>
+                    <a:p>
+                      <a:pPr algn="ctr"/>
+                      <a:r>
+                        <a:rPr lang="en-US" sz="1100" b="1" kern="1200" dirty="0" err="1">
+                          <a:solidFill>
+                            <a:schemeClr val="bg1"/>
+                          </a:solidFill>
+                          <a:latin typeface="+mn-lt"/>
+                          <a:ea typeface="+mn-ea"/>
+                          <a:cs typeface="+mn-cs"/>
+                        </a:rPr>
+                        <a:t>avg_d</a:t>
+                      </a:r>
+                      <a:br>
+                        <a:rPr lang="en-US" sz="1100" b="1" kern="1200" dirty="0">
+                          <a:solidFill>
+                            <a:schemeClr val="bg1"/>
+                          </a:solidFill>
+                          <a:latin typeface="+mn-lt"/>
+                          <a:ea typeface="+mn-ea"/>
+                          <a:cs typeface="+mn-cs"/>
+                        </a:rPr>
+                      </a:br>
+                      <a:r>
+                        <a:rPr lang="en-US" sz="1100" b="1" kern="1200" dirty="0">
+                          <a:solidFill>
+                            <a:schemeClr val="bg1"/>
+                          </a:solidFill>
+                          <a:latin typeface="+mn-lt"/>
+                          <a:ea typeface="+mn-ea"/>
+                          <a:cs typeface="+mn-cs"/>
+                        </a:rPr>
+                        <a:t>_</a:t>
+                      </a:r>
+                      <a:r>
+                        <a:rPr lang="en-US" sz="1100" b="1" kern="1200" dirty="0" err="1">
+                          <a:solidFill>
+                            <a:schemeClr val="bg1"/>
+                          </a:solidFill>
+                          <a:latin typeface="+mn-lt"/>
+                          <a:ea typeface="+mn-ea"/>
+                          <a:cs typeface="+mn-cs"/>
+                        </a:rPr>
+                        <a:t>mbps</a:t>
+                      </a:r>
+                      <a:endParaRPr lang="en-US" sz="1100" b="1" kern="1200" dirty="0">
+                        <a:solidFill>
+                          <a:schemeClr val="bg1"/>
+                        </a:solidFill>
+                        <a:latin typeface="+mn-lt"/>
+                        <a:ea typeface="+mn-ea"/>
+                        <a:cs typeface="+mn-cs"/>
+                      </a:endParaRPr>
+                    </a:p>
+                  </a:txBody>
+                  <a:tcPr anchor="ctr">
+                    <a:lnB w="12700" cap="flat" cmpd="sng" algn="ctr">
+                      <a:solidFill>
+                        <a:schemeClr val="bg1">
+                          <a:lumMod val="75000"/>
+                        </a:schemeClr>
+                      </a:solidFill>
+                      <a:prstDash val="solid"/>
+                      <a:round/>
+                      <a:headEnd type="none" w="med" len="med"/>
+                      <a:tailEnd type="none" w="med" len="med"/>
+                    </a:lnB>
+                    <a:solidFill>
+                      <a:schemeClr val="accent2">
+                        <a:lumMod val="75000"/>
+                      </a:schemeClr>
+                    </a:solidFill>
+                  </a:tcPr>
+                </a:tc>
+                <a:extLst>
+                  <a:ext uri="{0D108BD9-81ED-4DB2-BD59-A6C34878D82A}">
+                    <a16:rowId xmlns:a16="http://schemas.microsoft.com/office/drawing/2014/main" val="3441376129"/>
+                  </a:ext>
+                </a:extLst>
+              </a:tr>
+              <a:tr h="280957">
+                <a:tc>
+                  <a:txBody>
+                    <a:bodyPr/>
+                    <a:lstStyle/>
+                    <a:p>
+                      <a:pPr marL="0" marR="0" lvl="0" indent="0" algn="ctr" defTabSz="914400" rtl="0" eaLnBrk="1" fontAlgn="auto" latinLnBrk="0" hangingPunct="1">
+                        <a:lnSpc>
+                          <a:spcPct val="100000"/>
+                        </a:lnSpc>
+                        <a:spcBef>
+                          <a:spcPts val="0"/>
+                        </a:spcBef>
+                        <a:spcAft>
+                          <a:spcPts val="0"/>
+                        </a:spcAft>
+                        <a:buClrTx/>
+                        <a:buSzTx/>
+                        <a:buFontTx/>
+                        <a:buNone/>
+                        <a:tabLst/>
+                        <a:defRPr/>
+                      </a:pPr>
+                      <a:r>
+                        <a:rPr lang="en-US" sz="1100" dirty="0">
+                          <a:solidFill>
+                            <a:schemeClr val="tx1"/>
+                          </a:solidFill>
+                        </a:rPr>
+                        <a:t>6204</a:t>
+                      </a:r>
+                    </a:p>
+                  </a:txBody>
+                  <a:tcPr anchor="ctr">
+                    <a:lnT w="12700" cap="flat" cmpd="sng" algn="ctr">
+                      <a:solidFill>
+                        <a:schemeClr val="bg1">
+                          <a:lumMod val="75000"/>
+                        </a:schemeClr>
+                      </a:solidFill>
+                      <a:prstDash val="solid"/>
+                      <a:round/>
+                      <a:headEnd type="none" w="med" len="med"/>
+                      <a:tailEnd type="none" w="med" len="med"/>
+                    </a:lnT>
+                    <a:lnB w="12700" cap="flat" cmpd="sng" algn="ctr">
+                      <a:solidFill>
+                        <a:schemeClr val="bg1">
+                          <a:lumMod val="75000"/>
+                        </a:schemeClr>
+                      </a:solidFill>
+                      <a:prstDash val="solid"/>
+                      <a:round/>
+                      <a:headEnd type="none" w="med" len="med"/>
+                      <a:tailEnd type="none" w="med" len="med"/>
+                    </a:lnB>
+                  </a:tcPr>
+                </a:tc>
+                <a:tc>
+                  <a:txBody>
+                    <a:bodyPr/>
+                    <a:lstStyle/>
+                    <a:p>
+                      <a:pPr algn="ctr"/>
+                      <a:r>
+                        <a:rPr lang="en-US" sz="1100" dirty="0">
+                          <a:solidFill>
+                            <a:schemeClr val="tx1"/>
+                          </a:solidFill>
+                        </a:rPr>
+                        <a:t>6</a:t>
+                      </a:r>
+                    </a:p>
+                  </a:txBody>
+                  <a:tcPr anchor="ctr">
+                    <a:lnT w="12700" cap="flat" cmpd="sng" algn="ctr">
+                      <a:solidFill>
+                        <a:schemeClr val="bg1">
+                          <a:lumMod val="75000"/>
+                        </a:schemeClr>
+                      </a:solidFill>
+                      <a:prstDash val="solid"/>
+                      <a:round/>
+                      <a:headEnd type="none" w="med" len="med"/>
+                      <a:tailEnd type="none" w="med" len="med"/>
+                    </a:lnT>
+                    <a:lnB w="12700" cap="flat" cmpd="sng" algn="ctr">
+                      <a:solidFill>
+                        <a:schemeClr val="bg1">
+                          <a:lumMod val="75000"/>
+                        </a:schemeClr>
+                      </a:solidFill>
+                      <a:prstDash val="solid"/>
+                      <a:round/>
+                      <a:headEnd type="none" w="med" len="med"/>
+                      <a:tailEnd type="none" w="med" len="med"/>
+                    </a:lnB>
+                  </a:tcPr>
+                </a:tc>
+                <a:tc>
+                  <a:txBody>
+                    <a:bodyPr/>
+                    <a:lstStyle/>
+                    <a:p>
+                      <a:pPr algn="ctr"/>
+                      <a:r>
+                        <a:rPr lang="en-US" sz="1100" dirty="0">
+                          <a:solidFill>
+                            <a:schemeClr val="tx1"/>
+                          </a:solidFill>
+                        </a:rPr>
+                        <a:t>mobile</a:t>
+                      </a:r>
+                    </a:p>
+                  </a:txBody>
+                  <a:tcPr anchor="ctr">
+                    <a:lnT w="12700" cap="flat" cmpd="sng" algn="ctr">
+                      <a:solidFill>
+                        <a:schemeClr val="bg1">
+                          <a:lumMod val="75000"/>
+                        </a:schemeClr>
+                      </a:solidFill>
+                      <a:prstDash val="solid"/>
+                      <a:round/>
+                      <a:headEnd type="none" w="med" len="med"/>
+                      <a:tailEnd type="none" w="med" len="med"/>
+                    </a:lnT>
+                    <a:lnB w="12700" cap="flat" cmpd="sng" algn="ctr">
+                      <a:solidFill>
+                        <a:schemeClr val="bg1">
+                          <a:lumMod val="75000"/>
+                        </a:schemeClr>
+                      </a:solidFill>
+                      <a:prstDash val="solid"/>
+                      <a:round/>
+                      <a:headEnd type="none" w="med" len="med"/>
+                      <a:tailEnd type="none" w="med" len="med"/>
+                    </a:lnB>
+                  </a:tcPr>
+                </a:tc>
+                <a:tc>
+                  <a:txBody>
+                    <a:bodyPr/>
+                    <a:lstStyle/>
+                    <a:p>
+                      <a:pPr algn="ctr"/>
+                      <a:r>
+                        <a:rPr lang="en-US" sz="1100" dirty="0">
+                          <a:solidFill>
+                            <a:schemeClr val="tx1"/>
+                          </a:solidFill>
+                        </a:rPr>
+                        <a:t>1</a:t>
+                      </a:r>
+                    </a:p>
+                  </a:txBody>
+                  <a:tcPr anchor="ctr">
+                    <a:lnT w="12700" cap="flat" cmpd="sng" algn="ctr">
+                      <a:solidFill>
+                        <a:schemeClr val="bg1">
+                          <a:lumMod val="75000"/>
+                        </a:schemeClr>
+                      </a:solidFill>
+                      <a:prstDash val="solid"/>
+                      <a:round/>
+                      <a:headEnd type="none" w="med" len="med"/>
+                      <a:tailEnd type="none" w="med" len="med"/>
+                    </a:lnT>
+                    <a:lnB w="12700" cap="flat" cmpd="sng" algn="ctr">
+                      <a:solidFill>
+                        <a:schemeClr val="bg1">
+                          <a:lumMod val="75000"/>
+                        </a:schemeClr>
+                      </a:solidFill>
+                      <a:prstDash val="solid"/>
+                      <a:round/>
+                      <a:headEnd type="none" w="med" len="med"/>
+                      <a:tailEnd type="none" w="med" len="med"/>
+                    </a:lnB>
+                  </a:tcPr>
+                </a:tc>
+                <a:tc>
+                  <a:txBody>
+                    <a:bodyPr/>
+                    <a:lstStyle/>
+                    <a:p>
+                      <a:pPr marL="0" marR="0" lvl="0" indent="0" algn="ctr" defTabSz="914400" rtl="0" eaLnBrk="1" fontAlgn="auto" latinLnBrk="0" hangingPunct="1">
+                        <a:lnSpc>
+                          <a:spcPct val="100000"/>
+                        </a:lnSpc>
+                        <a:spcBef>
+                          <a:spcPts val="0"/>
+                        </a:spcBef>
+                        <a:spcAft>
+                          <a:spcPts val="0"/>
+                        </a:spcAft>
+                        <a:buClrTx/>
+                        <a:buSzTx/>
+                        <a:buFontTx/>
+                        <a:buNone/>
+                        <a:tabLst/>
+                        <a:defRPr/>
+                      </a:pPr>
+                      <a:r>
+                        <a:rPr lang="en-US" sz="1100" dirty="0">
+                          <a:solidFill>
+                            <a:schemeClr val="tx1"/>
+                          </a:solidFill>
+                        </a:rPr>
+                        <a:t>2020-2Q</a:t>
+                      </a:r>
+                    </a:p>
+                  </a:txBody>
+                  <a:tcPr anchor="ctr">
+                    <a:lnT w="12700" cap="flat" cmpd="sng" algn="ctr">
+                      <a:solidFill>
+                        <a:schemeClr val="bg1">
+                          <a:lumMod val="75000"/>
+                        </a:schemeClr>
+                      </a:solidFill>
+                      <a:prstDash val="solid"/>
+                      <a:round/>
+                      <a:headEnd type="none" w="med" len="med"/>
+                      <a:tailEnd type="none" w="med" len="med"/>
+                    </a:lnT>
+                    <a:lnB w="12700" cap="flat" cmpd="sng" algn="ctr">
+                      <a:solidFill>
+                        <a:schemeClr val="bg1">
+                          <a:lumMod val="75000"/>
+                        </a:schemeClr>
+                      </a:solidFill>
+                      <a:prstDash val="solid"/>
+                      <a:round/>
+                      <a:headEnd type="none" w="med" len="med"/>
+                      <a:tailEnd type="none" w="med" len="med"/>
+                    </a:lnB>
+                  </a:tcPr>
+                </a:tc>
+                <a:tc>
+                  <a:txBody>
+                    <a:bodyPr/>
+                    <a:lstStyle/>
+                    <a:p>
+                      <a:pPr marL="0" marR="0" lvl="0" indent="0" algn="ctr" defTabSz="914400" rtl="0" eaLnBrk="1" fontAlgn="auto" latinLnBrk="0" hangingPunct="1">
+                        <a:lnSpc>
+                          <a:spcPct val="100000"/>
+                        </a:lnSpc>
+                        <a:spcBef>
+                          <a:spcPts val="0"/>
+                        </a:spcBef>
+                        <a:spcAft>
+                          <a:spcPts val="0"/>
+                        </a:spcAft>
+                        <a:buClrTx/>
+                        <a:buSzTx/>
+                        <a:buFontTx/>
+                        <a:buNone/>
+                        <a:tabLst/>
+                        <a:defRPr/>
+                      </a:pPr>
+                      <a:r>
+                        <a:rPr lang="en-US" sz="1100" dirty="0">
+                          <a:solidFill>
+                            <a:schemeClr val="tx1"/>
+                          </a:solidFill>
+                        </a:rPr>
+                        <a:t>...</a:t>
+                      </a:r>
+                    </a:p>
+                  </a:txBody>
+                  <a:tcPr anchor="ctr">
+                    <a:lnT w="12700" cap="flat" cmpd="sng" algn="ctr">
+                      <a:solidFill>
+                        <a:schemeClr val="bg1">
+                          <a:lumMod val="75000"/>
+                        </a:schemeClr>
+                      </a:solidFill>
+                      <a:prstDash val="solid"/>
+                      <a:round/>
+                      <a:headEnd type="none" w="med" len="med"/>
+                      <a:tailEnd type="none" w="med" len="med"/>
+                    </a:lnT>
+                    <a:lnB w="12700" cap="flat" cmpd="sng" algn="ctr">
+                      <a:solidFill>
+                        <a:schemeClr val="bg1">
+                          <a:lumMod val="75000"/>
+                        </a:schemeClr>
+                      </a:solidFill>
+                      <a:prstDash val="solid"/>
+                      <a:round/>
+                      <a:headEnd type="none" w="med" len="med"/>
+                      <a:tailEnd type="none" w="med" len="med"/>
+                    </a:lnB>
+                  </a:tcPr>
+                </a:tc>
+                <a:tc>
+                  <a:txBody>
+                    <a:bodyPr/>
+                    <a:lstStyle/>
+                    <a:p>
+                      <a:pPr algn="ctr"/>
+                      <a:r>
+                        <a:rPr lang="en-US" sz="1100" b="1" dirty="0">
+                          <a:solidFill>
+                            <a:schemeClr val="tx1"/>
+                          </a:solidFill>
+                        </a:rPr>
+                        <a:t>61.25</a:t>
+                      </a:r>
+                    </a:p>
+                  </a:txBody>
+                  <a:tcPr anchor="ctr">
+                    <a:lnT w="12700" cap="flat" cmpd="sng" algn="ctr">
+                      <a:solidFill>
+                        <a:schemeClr val="bg1">
+                          <a:lumMod val="75000"/>
+                        </a:schemeClr>
+                      </a:solidFill>
+                      <a:prstDash val="solid"/>
+                      <a:round/>
+                      <a:headEnd type="none" w="med" len="med"/>
+                      <a:tailEnd type="none" w="med" len="med"/>
+                    </a:lnT>
+                    <a:lnB w="12700" cap="flat" cmpd="sng" algn="ctr">
+                      <a:solidFill>
+                        <a:schemeClr val="bg1">
+                          <a:lumMod val="75000"/>
+                        </a:schemeClr>
+                      </a:solidFill>
+                      <a:prstDash val="solid"/>
+                      <a:round/>
+                      <a:headEnd type="none" w="med" len="med"/>
+                      <a:tailEnd type="none" w="med" len="med"/>
+                    </a:lnB>
+                  </a:tcPr>
+                </a:tc>
+                <a:extLst>
+                  <a:ext uri="{0D108BD9-81ED-4DB2-BD59-A6C34878D82A}">
+                    <a16:rowId xmlns:a16="http://schemas.microsoft.com/office/drawing/2014/main" val="3370675143"/>
+                  </a:ext>
+                </a:extLst>
+              </a:tr>
+            </a:tbl>
+          </a:graphicData>
+        </a:graphic>
+      </p:graphicFrame>
+      <p:sp>
+        <p:nvSpPr>
+          <p:cNvPr id="13" name="Rectangle 12">
+            <a:extLst>
+              <a:ext uri="{FF2B5EF4-FFF2-40B4-BE49-F238E27FC236}">
+                <a16:creationId xmlns:a16="http://schemas.microsoft.com/office/drawing/2014/main" id="{68643440-7E80-DA84-A93B-A1958517E322}"/>
+              </a:ext>
+            </a:extLst>
+          </p:cNvPr>
+          <p:cNvSpPr/>
+          <p:nvPr/>
+        </p:nvSpPr>
+        <p:spPr>
+          <a:xfrm>
+            <a:off x="9286340" y="694111"/>
+            <a:ext cx="619367" cy="820167"/>
+          </a:xfrm>
+          <a:prstGeom prst="rect">
+            <a:avLst/>
+          </a:prstGeom>
+          <a:noFill/>
+          <a:ln w="19050">
+            <a:solidFill>
+              <a:srgbClr val="FF0000"/>
+            </a:solidFill>
+          </a:ln>
+        </p:spPr>
+        <p:style>
+          <a:lnRef idx="2">
+            <a:schemeClr val="accent1">
+              <a:shade val="50000"/>
+            </a:schemeClr>
+          </a:lnRef>
+          <a:fillRef idx="1">
+            <a:schemeClr val="accent1"/>
+          </a:fillRef>
+          <a:effectRef idx="0">
+            <a:schemeClr val="accent1"/>
+          </a:effectRef>
+          <a:fontRef idx="minor">
+            <a:schemeClr val="lt1"/>
+          </a:fontRef>
+        </p:style>
+        <p:txBody>
+          <a:bodyPr rtlCol="0" anchor="ctr"/>
+          <a:lstStyle/>
+          <a:p>
+            <a:pPr algn="ctr"/>
+            <a:endParaRPr lang="en-US"/>
+          </a:p>
+        </p:txBody>
+      </p:sp>
+      <p:sp>
+        <p:nvSpPr>
+          <p:cNvPr id="55" name="Oval 54">
+            <a:extLst>
+              <a:ext uri="{FF2B5EF4-FFF2-40B4-BE49-F238E27FC236}">
+                <a16:creationId xmlns:a16="http://schemas.microsoft.com/office/drawing/2014/main" id="{D7936DA1-F4CC-2C83-AD2E-B76FE0A1C3E0}"/>
+              </a:ext>
+            </a:extLst>
+          </p:cNvPr>
+          <p:cNvSpPr/>
+          <p:nvPr/>
+        </p:nvSpPr>
+        <p:spPr>
+          <a:xfrm>
+            <a:off x="5761462" y="2489205"/>
+            <a:ext cx="57410" cy="57563"/>
+          </a:xfrm>
+          <a:prstGeom prst="ellipse">
+            <a:avLst/>
+          </a:prstGeom>
+          <a:noFill/>
+          <a:ln>
+            <a:noFill/>
+          </a:ln>
+        </p:spPr>
+        <p:style>
+          <a:lnRef idx="2">
+            <a:schemeClr val="accent1">
+              <a:shade val="50000"/>
+            </a:schemeClr>
+          </a:lnRef>
+          <a:fillRef idx="1">
+            <a:schemeClr val="accent1"/>
+          </a:fillRef>
+          <a:effectRef idx="0">
+            <a:schemeClr val="accent1"/>
+          </a:effectRef>
+          <a:fontRef idx="minor">
+            <a:schemeClr val="lt1"/>
+          </a:fontRef>
+        </p:style>
+        <p:txBody>
+          <a:bodyPr rtlCol="0" anchor="ctr"/>
+          <a:lstStyle/>
+          <a:p>
+            <a:pPr algn="ctr"/>
+            <a:endParaRPr lang="en-US"/>
+          </a:p>
+        </p:txBody>
+      </p:sp>
+      <p:sp>
+        <p:nvSpPr>
+          <p:cNvPr id="125" name="TextBox 124">
+            <a:extLst>
+              <a:ext uri="{FF2B5EF4-FFF2-40B4-BE49-F238E27FC236}">
+                <a16:creationId xmlns:a16="http://schemas.microsoft.com/office/drawing/2014/main" id="{A02801DA-C0B3-BC7B-234D-BB5B6C37E4D6}"/>
+              </a:ext>
+            </a:extLst>
+          </p:cNvPr>
+          <p:cNvSpPr txBox="1"/>
+          <p:nvPr/>
+        </p:nvSpPr>
+        <p:spPr>
+          <a:xfrm>
+            <a:off x="5342302" y="426389"/>
+            <a:ext cx="1488670" cy="338554"/>
+          </a:xfrm>
+          <a:prstGeom prst="rect">
+            <a:avLst/>
+          </a:prstGeom>
+          <a:noFill/>
+        </p:spPr>
+        <p:txBody>
+          <a:bodyPr wrap="square" rtlCol="0">
+            <a:spAutoFit/>
+          </a:bodyPr>
+          <a:lstStyle/>
+          <a:p>
+            <a:r>
+              <a:rPr lang="en-US" sz="1600" dirty="0"/>
+              <a:t>Target:</a:t>
+            </a:r>
+          </a:p>
+        </p:txBody>
+      </p:sp>
+      <p:sp>
+        <p:nvSpPr>
+          <p:cNvPr id="140" name="Oval 139">
+            <a:extLst>
+              <a:ext uri="{FF2B5EF4-FFF2-40B4-BE49-F238E27FC236}">
+                <a16:creationId xmlns:a16="http://schemas.microsoft.com/office/drawing/2014/main" id="{2236DA4A-41A0-DE19-2FB7-909ED11A80B8}"/>
+              </a:ext>
+            </a:extLst>
+          </p:cNvPr>
+          <p:cNvSpPr/>
+          <p:nvPr/>
+        </p:nvSpPr>
+        <p:spPr>
+          <a:xfrm>
+            <a:off x="10107684" y="1493406"/>
+            <a:ext cx="53786" cy="45719"/>
+          </a:xfrm>
+          <a:prstGeom prst="ellipse">
+            <a:avLst/>
+          </a:prstGeom>
+          <a:noFill/>
+          <a:ln>
+            <a:noFill/>
+          </a:ln>
+        </p:spPr>
+        <p:style>
+          <a:lnRef idx="2">
+            <a:schemeClr val="accent1">
+              <a:shade val="50000"/>
+            </a:schemeClr>
+          </a:lnRef>
+          <a:fillRef idx="1">
+            <a:schemeClr val="accent1"/>
+          </a:fillRef>
+          <a:effectRef idx="0">
+            <a:schemeClr val="accent1"/>
+          </a:effectRef>
+          <a:fontRef idx="minor">
+            <a:schemeClr val="lt1"/>
+          </a:fontRef>
+        </p:style>
+        <p:txBody>
+          <a:bodyPr rtlCol="0" anchor="ctr"/>
+          <a:lstStyle/>
+          <a:p>
+            <a:pPr algn="ctr"/>
+            <a:endParaRPr lang="en-US"/>
+          </a:p>
+        </p:txBody>
+      </p:sp>
+      <p:cxnSp>
+        <p:nvCxnSpPr>
+          <p:cNvPr id="144" name="Connector: Elbow 143">
+            <a:extLst>
+              <a:ext uri="{FF2B5EF4-FFF2-40B4-BE49-F238E27FC236}">
+                <a16:creationId xmlns:a16="http://schemas.microsoft.com/office/drawing/2014/main" id="{67791A30-D1A7-48C8-ACE6-AE9BB3DA4358}"/>
+              </a:ext>
+            </a:extLst>
+          </p:cNvPr>
+          <p:cNvCxnSpPr>
+            <a:cxnSpLocks/>
+            <a:stCxn id="177" idx="3"/>
+            <a:endCxn id="18" idx="2"/>
+          </p:cNvCxnSpPr>
+          <p:nvPr/>
+        </p:nvCxnSpPr>
+        <p:spPr>
+          <a:xfrm rot="5400000" flipH="1">
+            <a:off x="7195461" y="-838426"/>
+            <a:ext cx="27386" cy="4811985"/>
+          </a:xfrm>
+          <a:prstGeom prst="bentConnector3">
+            <a:avLst>
+              <a:gd name="adj1" fmla="val -255057"/>
+            </a:avLst>
+          </a:prstGeom>
+          <a:ln w="12700">
+            <a:solidFill>
+              <a:srgbClr val="7030A0"/>
+            </a:solidFill>
+          </a:ln>
+        </p:spPr>
+        <p:style>
+          <a:lnRef idx="1">
+            <a:schemeClr val="accent1"/>
+          </a:lnRef>
+          <a:fillRef idx="0">
+            <a:schemeClr val="accent1"/>
+          </a:fillRef>
+          <a:effectRef idx="0">
+            <a:schemeClr val="accent1"/>
+          </a:effectRef>
+          <a:fontRef idx="minor">
+            <a:schemeClr val="tx1"/>
+          </a:fontRef>
+        </p:style>
+      </p:cxnSp>
+      <p:cxnSp>
+        <p:nvCxnSpPr>
+          <p:cNvPr id="150" name="Connector: Elbow 149">
+            <a:extLst>
+              <a:ext uri="{FF2B5EF4-FFF2-40B4-BE49-F238E27FC236}">
+                <a16:creationId xmlns:a16="http://schemas.microsoft.com/office/drawing/2014/main" id="{FAB7E2A6-BF67-D41E-BEE3-E75150E4063E}"/>
+              </a:ext>
+            </a:extLst>
+          </p:cNvPr>
+          <p:cNvCxnSpPr>
+            <a:cxnSpLocks/>
+            <a:stCxn id="177" idx="3"/>
+            <a:endCxn id="20" idx="0"/>
+          </p:cNvCxnSpPr>
+          <p:nvPr/>
+        </p:nvCxnSpPr>
+        <p:spPr>
+          <a:xfrm rot="16200000" flipH="1">
+            <a:off x="9373303" y="1823102"/>
+            <a:ext cx="485466" cy="1780"/>
+          </a:xfrm>
+          <a:prstGeom prst="bentConnector3">
+            <a:avLst>
+              <a:gd name="adj1" fmla="val 50000"/>
+            </a:avLst>
+          </a:prstGeom>
+          <a:ln w="12700">
+            <a:solidFill>
+              <a:schemeClr val="accent6">
+                <a:lumMod val="60000"/>
+                <a:lumOff val="40000"/>
+              </a:schemeClr>
+            </a:solidFill>
+          </a:ln>
+        </p:spPr>
+        <p:style>
+          <a:lnRef idx="1">
+            <a:schemeClr val="accent1"/>
+          </a:lnRef>
+          <a:fillRef idx="0">
+            <a:schemeClr val="accent1"/>
+          </a:fillRef>
+          <a:effectRef idx="0">
+            <a:schemeClr val="accent1"/>
+          </a:effectRef>
+          <a:fontRef idx="minor">
+            <a:schemeClr val="tx1"/>
+          </a:fontRef>
+        </p:style>
+      </p:cxnSp>
+      <p:cxnSp>
+        <p:nvCxnSpPr>
+          <p:cNvPr id="153" name="Connector: Elbow 152">
+            <a:extLst>
+              <a:ext uri="{FF2B5EF4-FFF2-40B4-BE49-F238E27FC236}">
+                <a16:creationId xmlns:a16="http://schemas.microsoft.com/office/drawing/2014/main" id="{F074DA73-5A1E-C45C-3D90-4839EE3AE7F7}"/>
+              </a:ext>
+            </a:extLst>
+          </p:cNvPr>
+          <p:cNvCxnSpPr>
+            <a:cxnSpLocks/>
+            <a:stCxn id="5" idx="0"/>
+            <a:endCxn id="177" idx="3"/>
+          </p:cNvCxnSpPr>
+          <p:nvPr/>
+        </p:nvCxnSpPr>
+        <p:spPr>
+          <a:xfrm rot="5400000" flipH="1" flipV="1">
+            <a:off x="6965468" y="-582952"/>
+            <a:ext cx="485467" cy="4813890"/>
+          </a:xfrm>
+          <a:prstGeom prst="bentConnector3">
+            <a:avLst>
+              <a:gd name="adj1" fmla="val 85317"/>
+            </a:avLst>
+          </a:prstGeom>
+          <a:ln w="12700">
+            <a:solidFill>
+              <a:schemeClr val="accent5">
+                <a:lumMod val="75000"/>
+              </a:schemeClr>
+            </a:solidFill>
+          </a:ln>
+        </p:spPr>
+        <p:style>
+          <a:lnRef idx="1">
+            <a:schemeClr val="accent1"/>
+          </a:lnRef>
+          <a:fillRef idx="0">
+            <a:schemeClr val="accent1"/>
+          </a:fillRef>
+          <a:effectRef idx="0">
+            <a:schemeClr val="accent1"/>
+          </a:effectRef>
+          <a:fontRef idx="minor">
+            <a:schemeClr val="tx1"/>
+          </a:fontRef>
+        </p:style>
+      </p:cxnSp>
+      <p:sp>
+        <p:nvSpPr>
+          <p:cNvPr id="177" name="Isosceles Triangle 176">
+            <a:extLst>
+              <a:ext uri="{FF2B5EF4-FFF2-40B4-BE49-F238E27FC236}">
+                <a16:creationId xmlns:a16="http://schemas.microsoft.com/office/drawing/2014/main" id="{9D2F35B7-DE86-DDA3-8911-3EA8EC873679}"/>
+              </a:ext>
+            </a:extLst>
+          </p:cNvPr>
+          <p:cNvSpPr/>
+          <p:nvPr/>
+        </p:nvSpPr>
+        <p:spPr>
+          <a:xfrm>
+            <a:off x="9588253" y="1508655"/>
+            <a:ext cx="53785" cy="72604"/>
+          </a:xfrm>
+          <a:prstGeom prst="triangle">
+            <a:avLst/>
+          </a:prstGeom>
+          <a:solidFill>
+            <a:srgbClr val="FF0000"/>
+          </a:solidFill>
+          <a:ln>
+            <a:noFill/>
+          </a:ln>
+        </p:spPr>
+        <p:style>
+          <a:lnRef idx="2">
+            <a:schemeClr val="accent1">
+              <a:shade val="50000"/>
+            </a:schemeClr>
+          </a:lnRef>
+          <a:fillRef idx="1">
+            <a:schemeClr val="accent1"/>
+          </a:fillRef>
+          <a:effectRef idx="0">
+            <a:schemeClr val="accent1"/>
+          </a:effectRef>
+          <a:fontRef idx="minor">
+            <a:schemeClr val="lt1"/>
+          </a:fontRef>
+        </p:style>
+        <p:txBody>
+          <a:bodyPr rtlCol="0" anchor="ctr"/>
+          <a:lstStyle/>
+          <a:p>
+            <a:pPr algn="ctr"/>
+            <a:endParaRPr lang="en-US"/>
+          </a:p>
+        </p:txBody>
+      </p:sp>
+      <p:pic>
+        <p:nvPicPr>
+          <p:cNvPr id="28" name="Picture 27">
+            <a:extLst>
+              <a:ext uri="{FF2B5EF4-FFF2-40B4-BE49-F238E27FC236}">
+                <a16:creationId xmlns:a16="http://schemas.microsoft.com/office/drawing/2014/main" id="{AA1C4C62-0140-69B7-ECA6-30E9C1027F62}"/>
+              </a:ext>
+            </a:extLst>
+          </p:cNvPr>
+          <p:cNvPicPr>
+            <a:picLocks noChangeAspect="1"/>
+          </p:cNvPicPr>
+          <p:nvPr/>
+        </p:nvPicPr>
+        <p:blipFill>
+          <a:blip r:embed="rId3"/>
+          <a:stretch>
+            <a:fillRect/>
+          </a:stretch>
+        </p:blipFill>
+        <p:spPr>
+          <a:xfrm>
+            <a:off x="906167" y="3208383"/>
+            <a:ext cx="9571550" cy="3346994"/>
+          </a:xfrm>
+          <a:prstGeom prst="rect">
+            <a:avLst/>
+          </a:prstGeom>
+        </p:spPr>
+      </p:pic>
+    </p:spTree>
+    <p:extLst>
+      <p:ext uri="{BB962C8B-B14F-4D97-AF65-F5344CB8AC3E}">
+        <p14:creationId xmlns:p14="http://schemas.microsoft.com/office/powerpoint/2010/main" val="344040472"/>
+      </p:ext>
+    </p:extLst>
+  </p:cSld>
+  <p:clrMapOvr>
+    <a:masterClrMapping/>
+  </p:clrMapOvr>
+</p:sld>
+</file>
+
+<file path=ppt/slides/slide6.xml><?xml version="1.0" encoding="utf-8"?>
+<p:sld xmlns:a="http://schemas.openxmlformats.org/drawingml/2006/main" xmlns:r="http://schemas.openxmlformats.org/officeDocument/2006/relationships" xmlns:p="http://schemas.openxmlformats.org/presentationml/2006/main">
+  <p:cSld>
+    <p:spTree>
+      <p:nvGrpSpPr>
+        <p:cNvPr id="1" name=""/>
+        <p:cNvGrpSpPr/>
+        <p:nvPr/>
+      </p:nvGrpSpPr>
+      <p:grpSpPr>
+        <a:xfrm>
+          <a:off x="0" y="0"/>
+          <a:ext cx="0" cy="0"/>
+          <a:chOff x="0" y="0"/>
+          <a:chExt cx="0" cy="0"/>
+        </a:xfrm>
+      </p:grpSpPr>
       <p:graphicFrame>
         <p:nvGraphicFramePr>
           <p:cNvPr id="8" name="Table 4">
@@ -24013,7 +30389,7 @@
           <p:nvPr>
             <p:extLst>
               <p:ext uri="{D42A27DB-BD31-4B8C-83A1-F6EECF244321}">
-                <p14:modId xmlns:p14="http://schemas.microsoft.com/office/powerpoint/2010/main" val="888115446"/>
+                <p14:modId xmlns:p14="http://schemas.microsoft.com/office/powerpoint/2010/main" val="3696287716"/>
               </p:ext>
             </p:extLst>
           </p:nvPr>
@@ -24257,9 +30633,10 @@
                     <a:p>
                       <a:pPr algn="ctr"/>
                       <a:r>
-                        <a:rPr lang="en-US" sz="1100" b="1" dirty="0"/>
-                        <a:t>PCTYPE</a:t>
-                      </a:r>
+                        <a:rPr lang="en-US" sz="1100" b="1" dirty="0" err="1"/>
+                        <a:t>is_rural</a:t>
+                      </a:r>
+                      <a:endParaRPr lang="en-US" sz="1100" b="1" dirty="0"/>
                     </a:p>
                   </a:txBody>
                   <a:tcPr anchor="ctr">
@@ -24555,7 +30932,7 @@
                       <a:pPr algn="ctr"/>
                       <a:r>
                         <a:rPr lang="en-US" sz="1200" b="0" dirty="0"/>
-                        <a:t>1</a:t>
+                        <a:t>0</a:t>
                       </a:r>
                     </a:p>
                   </a:txBody>
@@ -24874,7 +31251,7 @@
                       <a:pPr algn="ctr"/>
                       <a:r>
                         <a:rPr lang="en-US" sz="1200" b="0" dirty="0"/>
-                        <a:t>1</a:t>
+                        <a:t>0</a:t>
                       </a:r>
                     </a:p>
                   </a:txBody>
@@ -25192,10 +31569,9 @@
                     <a:p>
                       <a:pPr algn="ctr"/>
                       <a:r>
-                        <a:rPr lang="en-US" sz="1200" b="0" dirty="0" err="1"/>
-                        <a:t>NaN</a:t>
-                      </a:r>
-                      <a:endParaRPr lang="en-US" sz="1200" b="0" dirty="0"/>
+                        <a:rPr lang="en-US" sz="1200" b="0" dirty="0"/>
+                        <a:t>1</a:t>
+                      </a:r>
                     </a:p>
                   </a:txBody>
                   <a:tcPr anchor="ctr">
@@ -25547,7 +31923,7 @@
                     <a:p>
                       <a:pPr algn="ctr"/>
                       <a:r>
-                        <a:rPr lang="en-US" sz="1200" b="0" dirty="0" err="1">
+                        <a:rPr lang="en-US" sz="1200" b="0" dirty="0">
                           <a:solidFill>
                             <a:schemeClr val="tx1">
                               <a:lumMod val="50000"/>
@@ -25555,16 +31931,8 @@
                             </a:schemeClr>
                           </a:solidFill>
                         </a:rPr>
-                        <a:t>NaN</a:t>
-                      </a:r>
-                      <a:endParaRPr lang="en-US" sz="1200" b="0" dirty="0">
-                        <a:solidFill>
-                          <a:schemeClr val="tx1">
-                            <a:lumMod val="50000"/>
-                            <a:lumOff val="50000"/>
-                          </a:schemeClr>
-                        </a:solidFill>
-                      </a:endParaRPr>
+                        <a:t>1</a:t>
+                      </a:r>
                     </a:p>
                   </a:txBody>
                   <a:tcPr anchor="ctr">
@@ -25930,7 +32298,7 @@
                     <a:p>
                       <a:pPr algn="ctr"/>
                       <a:r>
-                        <a:rPr lang="en-US" sz="1200" b="0" dirty="0" err="1">
+                        <a:rPr lang="en-US" sz="1200" b="0" dirty="0">
                           <a:solidFill>
                             <a:schemeClr val="tx1">
                               <a:lumMod val="50000"/>
@@ -25938,16 +32306,8 @@
                             </a:schemeClr>
                           </a:solidFill>
                         </a:rPr>
-                        <a:t>NaN</a:t>
-                      </a:r>
-                      <a:endParaRPr lang="en-US" sz="1200" b="0" dirty="0">
-                        <a:solidFill>
-                          <a:schemeClr val="tx1">
-                            <a:lumMod val="50000"/>
-                            <a:lumOff val="50000"/>
-                          </a:schemeClr>
-                        </a:solidFill>
-                      </a:endParaRPr>
+                        <a:t>1</a:t>
+                      </a:r>
                     </a:p>
                   </a:txBody>
                   <a:tcPr anchor="ctr">
@@ -26262,10 +32622,9 @@
                     <a:p>
                       <a:pPr algn="ctr"/>
                       <a:r>
-                        <a:rPr lang="en-US" sz="1200" b="0" dirty="0" err="1"/>
-                        <a:t>NaN</a:t>
-                      </a:r>
-                      <a:endParaRPr lang="en-US" sz="1200" b="0" dirty="0"/>
+                        <a:rPr lang="en-US" sz="1200" b="0" dirty="0"/>
+                        <a:t>1</a:t>
+                      </a:r>
                     </a:p>
                   </a:txBody>
                   <a:tcPr anchor="ctr">
@@ -26566,10 +32925,9 @@
                     <a:p>
                       <a:pPr algn="ctr"/>
                       <a:r>
-                        <a:rPr lang="en-US" sz="1200" b="0" dirty="0" err="1"/>
-                        <a:t>NaN</a:t>
-                      </a:r>
-                      <a:endParaRPr lang="en-US" sz="1200" b="0" dirty="0"/>
+                        <a:rPr lang="en-US" sz="1200" b="0" dirty="0"/>
+                        <a:t>1</a:t>
+                      </a:r>
                     </a:p>
                   </a:txBody>
                   <a:tcPr anchor="ctr">
@@ -26913,7 +33271,7 @@
                             </a:schemeClr>
                           </a:solidFill>
                         </a:rPr>
-                        <a:t>6</a:t>
+                        <a:t>0</a:t>
                       </a:r>
                     </a:p>
                   </a:txBody>
@@ -27302,7 +33660,7 @@
           <p:nvPr>
             <p:extLst>
               <p:ext uri="{D42A27DB-BD31-4B8C-83A1-F6EECF244321}">
-                <p14:modId xmlns:p14="http://schemas.microsoft.com/office/powerpoint/2010/main" val="3016547869"/>
+                <p14:modId xmlns:p14="http://schemas.microsoft.com/office/powerpoint/2010/main" val="2869273514"/>
               </p:ext>
             </p:extLst>
           </p:nvPr>
@@ -29500,6 +35858,36 @@
           </a:fontRef>
         </p:style>
       </p:cxnSp>
+      <p:pic>
+        <p:nvPicPr>
+          <p:cNvPr id="4" name="Picture 3">
+            <a:extLst>
+              <a:ext uri="{FF2B5EF4-FFF2-40B4-BE49-F238E27FC236}">
+                <a16:creationId xmlns:a16="http://schemas.microsoft.com/office/drawing/2014/main" id="{C58D97FD-4C6F-8B47-0B55-B95B657DBC37}"/>
+              </a:ext>
+            </a:extLst>
+          </p:cNvPr>
+          <p:cNvPicPr>
+            <a:picLocks noChangeAspect="1"/>
+          </p:cNvPicPr>
+          <p:nvPr/>
+        </p:nvPicPr>
+        <p:blipFill>
+          <a:blip r:embed="rId3"/>
+          <a:stretch>
+            <a:fillRect/>
+          </a:stretch>
+        </p:blipFill>
+        <p:spPr>
+          <a:xfrm>
+            <a:off x="2872872" y="3586569"/>
+            <a:ext cx="8681456" cy="2962913"/>
+          </a:xfrm>
+          <a:prstGeom prst="rect">
+            <a:avLst/>
+          </a:prstGeom>
+        </p:spPr>
+      </p:pic>
     </p:spTree>
     <p:extLst>
       <p:ext uri="{BB962C8B-B14F-4D97-AF65-F5344CB8AC3E}">
@@ -29513,7 +35901,7 @@
 </p:sld>
 </file>
 
-<file path=ppt/slides/slide6.xml><?xml version="1.0" encoding="utf-8"?>
+<file path=ppt/slides/slide7.xml><?xml version="1.0" encoding="utf-8"?>
 <p:sld xmlns:a="http://schemas.openxmlformats.org/drawingml/2006/main" xmlns:r="http://schemas.openxmlformats.org/officeDocument/2006/relationships" xmlns:p="http://schemas.openxmlformats.org/presentationml/2006/main">
   <p:cSld>
     <p:spTree>
@@ -30408,6 +36796,146 @@
     <p:extLst>
       <p:ext uri="{BB962C8B-B14F-4D97-AF65-F5344CB8AC3E}">
         <p14:creationId xmlns:p14="http://schemas.microsoft.com/office/powerpoint/2010/main" val="58810878"/>
+      </p:ext>
+    </p:extLst>
+  </p:cSld>
+  <p:clrMapOvr>
+    <a:masterClrMapping/>
+  </p:clrMapOvr>
+</p:sld>
+</file>
+
+<file path=ppt/slides/slide8.xml><?xml version="1.0" encoding="utf-8"?>
+<p:sld xmlns:a="http://schemas.openxmlformats.org/drawingml/2006/main" xmlns:r="http://schemas.openxmlformats.org/officeDocument/2006/relationships" xmlns:p="http://schemas.openxmlformats.org/presentationml/2006/main">
+  <p:cSld>
+    <p:spTree>
+      <p:nvGrpSpPr>
+        <p:cNvPr id="1" name=""/>
+        <p:cNvGrpSpPr/>
+        <p:nvPr/>
+      </p:nvGrpSpPr>
+      <p:grpSpPr>
+        <a:xfrm>
+          <a:off x="0" y="0"/>
+          <a:ext cx="0" cy="0"/>
+          <a:chOff x="0" y="0"/>
+          <a:chExt cx="0" cy="0"/>
+        </a:xfrm>
+      </p:grpSpPr>
+      <p:pic>
+        <p:nvPicPr>
+          <p:cNvPr id="2050" name="Picture 2">
+            <a:extLst>
+              <a:ext uri="{FF2B5EF4-FFF2-40B4-BE49-F238E27FC236}">
+                <a16:creationId xmlns:a16="http://schemas.microsoft.com/office/drawing/2014/main" id="{C3B15C93-BA21-18D5-CD7D-4FFC3D9369DB}"/>
+              </a:ext>
+            </a:extLst>
+          </p:cNvPr>
+          <p:cNvPicPr>
+            <a:picLocks noChangeAspect="1" noChangeArrowheads="1"/>
+          </p:cNvPicPr>
+          <p:nvPr/>
+        </p:nvPicPr>
+        <p:blipFill rotWithShape="1">
+          <a:blip r:embed="rId2">
+            <a:extLst>
+              <a:ext uri="{28A0092B-C50C-407E-A947-70E740481C1C}">
+                <a14:useLocalDpi xmlns:a14="http://schemas.microsoft.com/office/drawing/2010/main" val="0"/>
+              </a:ext>
+            </a:extLst>
+          </a:blip>
+          <a:srcRect b="89123"/>
+          <a:stretch/>
+        </p:blipFill>
+        <p:spPr bwMode="auto">
+          <a:xfrm>
+            <a:off x="1524000" y="0"/>
+            <a:ext cx="9144000" cy="745958"/>
+          </a:xfrm>
+          <a:prstGeom prst="rect">
+            <a:avLst/>
+          </a:prstGeom>
+          <a:noFill/>
+          <a:extLst>
+            <a:ext uri="{909E8E84-426E-40DD-AFC4-6F175D3DCCD1}">
+              <a14:hiddenFill xmlns:a14="http://schemas.microsoft.com/office/drawing/2010/main">
+                <a:solidFill>
+                  <a:srgbClr val="FFFFFF"/>
+                </a:solidFill>
+              </a14:hiddenFill>
+            </a:ext>
+          </a:extLst>
+        </p:spPr>
+      </p:pic>
+    </p:spTree>
+    <p:extLst>
+      <p:ext uri="{BB962C8B-B14F-4D97-AF65-F5344CB8AC3E}">
+        <p14:creationId xmlns:p14="http://schemas.microsoft.com/office/powerpoint/2010/main" val="1023529883"/>
+      </p:ext>
+    </p:extLst>
+  </p:cSld>
+  <p:clrMapOvr>
+    <a:masterClrMapping/>
+  </p:clrMapOvr>
+</p:sld>
+</file>
+
+<file path=ppt/slides/slide9.xml><?xml version="1.0" encoding="utf-8"?>
+<p:sld xmlns:a="http://schemas.openxmlformats.org/drawingml/2006/main" xmlns:r="http://schemas.openxmlformats.org/officeDocument/2006/relationships" xmlns:p="http://schemas.openxmlformats.org/presentationml/2006/main">
+  <p:cSld>
+    <p:spTree>
+      <p:nvGrpSpPr>
+        <p:cNvPr id="1" name=""/>
+        <p:cNvGrpSpPr/>
+        <p:nvPr/>
+      </p:nvGrpSpPr>
+      <p:grpSpPr>
+        <a:xfrm>
+          <a:off x="0" y="0"/>
+          <a:ext cx="0" cy="0"/>
+          <a:chOff x="0" y="0"/>
+          <a:chExt cx="0" cy="0"/>
+        </a:xfrm>
+      </p:grpSpPr>
+      <p:pic>
+        <p:nvPicPr>
+          <p:cNvPr id="5" name="Picture 4" descr="A picture containing text&#10;&#10;Description automatically generated">
+            <a:extLst>
+              <a:ext uri="{FF2B5EF4-FFF2-40B4-BE49-F238E27FC236}">
+                <a16:creationId xmlns:a16="http://schemas.microsoft.com/office/drawing/2014/main" id="{9F3C725B-8788-063F-ADA5-F220ABC5A8B2}"/>
+              </a:ext>
+            </a:extLst>
+          </p:cNvPr>
+          <p:cNvPicPr>
+            <a:picLocks noChangeAspect="1"/>
+          </p:cNvPicPr>
+          <p:nvPr/>
+        </p:nvPicPr>
+        <p:blipFill rotWithShape="1">
+          <a:blip r:embed="rId2">
+            <a:extLst>
+              <a:ext uri="{28A0092B-C50C-407E-A947-70E740481C1C}">
+                <a14:useLocalDpi xmlns:a14="http://schemas.microsoft.com/office/drawing/2010/main" val="0"/>
+              </a:ext>
+            </a:extLst>
+          </a:blip>
+          <a:srcRect t="10526" r="67662" b="74737"/>
+          <a:stretch/>
+        </p:blipFill>
+        <p:spPr>
+          <a:xfrm>
+            <a:off x="970548" y="1582152"/>
+            <a:ext cx="9821779" cy="3356811"/>
+          </a:xfrm>
+          <a:prstGeom prst="rect">
+            <a:avLst/>
+          </a:prstGeom>
+        </p:spPr>
+      </p:pic>
+    </p:spTree>
+    <p:extLst>
+      <p:ext uri="{BB962C8B-B14F-4D97-AF65-F5344CB8AC3E}">
+        <p14:creationId xmlns:p14="http://schemas.microsoft.com/office/powerpoint/2010/main" val="2807686471"/>
       </p:ext>
     </p:extLst>
   </p:cSld>
